--- a/UIPrototype/答辩ppt修改版.pptx
+++ b/UIPrototype/答辩ppt修改版.pptx
@@ -14,21 +14,21 @@
     <p:handoutMasterId r:id="rId28"/>
   </p:handoutMasterIdLst>
   <p:sldIdLst>
-    <p:sldId id="256" r:id="rId5"/>
-    <p:sldId id="259" r:id="rId6"/>
-    <p:sldId id="260" r:id="rId7"/>
-    <p:sldId id="261" r:id="rId8"/>
-    <p:sldId id="263" r:id="rId9"/>
-    <p:sldId id="291" r:id="rId10"/>
-    <p:sldId id="292" r:id="rId11"/>
-    <p:sldId id="264" r:id="rId12"/>
-    <p:sldId id="290" r:id="rId13"/>
-    <p:sldId id="262" r:id="rId14"/>
-    <p:sldId id="285" r:id="rId15"/>
-    <p:sldId id="286" r:id="rId16"/>
-    <p:sldId id="287" r:id="rId17"/>
-    <p:sldId id="270" r:id="rId18"/>
-    <p:sldId id="293" r:id="rId19"/>
+    <p:sldId id="259" r:id="rId5"/>
+    <p:sldId id="261" r:id="rId6"/>
+    <p:sldId id="263" r:id="rId7"/>
+    <p:sldId id="291" r:id="rId8"/>
+    <p:sldId id="292" r:id="rId9"/>
+    <p:sldId id="296" r:id="rId10"/>
+    <p:sldId id="264" r:id="rId11"/>
+    <p:sldId id="290" r:id="rId12"/>
+    <p:sldId id="294" r:id="rId13"/>
+    <p:sldId id="295" r:id="rId14"/>
+    <p:sldId id="270" r:id="rId15"/>
+    <p:sldId id="262" r:id="rId16"/>
+    <p:sldId id="285" r:id="rId17"/>
+    <p:sldId id="286" r:id="rId18"/>
+    <p:sldId id="287" r:id="rId19"/>
     <p:sldId id="276" r:id="rId20"/>
     <p:sldId id="265" r:id="rId21"/>
     <p:sldId id="266" r:id="rId22"/>
@@ -914,10 +914,9 @@
         <a:lstStyle/>
         <a:p>
           <a:r>
-            <a:rPr lang="zh-CN" altLang="en-US" dirty="0" smtClean="0"/>
+            <a:rPr lang="zh-CN" altLang="en-US" dirty="0"/>
             <a:t>需求规约</a:t>
           </a:r>
-          <a:endParaRPr lang="zh-CN" altLang="en-US" dirty="0"/>
         </a:p>
       </dgm:t>
     </dgm:pt>
@@ -951,10 +950,9 @@
         <a:lstStyle/>
         <a:p>
           <a:r>
-            <a:rPr lang="zh-CN" altLang="en-US" dirty="0" smtClean="0"/>
+            <a:rPr lang="zh-CN" altLang="en-US" dirty="0"/>
             <a:t>团队合作</a:t>
           </a:r>
-          <a:endParaRPr lang="zh-CN" altLang="en-US" dirty="0"/>
         </a:p>
       </dgm:t>
     </dgm:pt>
@@ -988,10 +986,9 @@
         <a:lstStyle/>
         <a:p>
           <a:r>
-            <a:rPr lang="zh-CN" altLang="en-US" dirty="0" smtClean="0"/>
+            <a:rPr lang="zh-CN" altLang="en-US" dirty="0"/>
             <a:t>计划进度</a:t>
           </a:r>
-          <a:endParaRPr lang="zh-CN" altLang="en-US" dirty="0"/>
         </a:p>
       </dgm:t>
     </dgm:pt>
@@ -1025,7 +1022,7 @@
         <a:lstStyle/>
         <a:p>
           <a:r>
-            <a:rPr lang="zh-CN" altLang="zh-CN" dirty="0" smtClean="0"/>
+            <a:rPr lang="zh-CN" altLang="zh-CN" dirty="0"/>
             <a:t>更深入了解到真实项目设计中需求规约的重要性。</a:t>
           </a:r>
           <a:endParaRPr lang="zh-CN" altLang="en-US" dirty="0"/>
@@ -1062,7 +1059,7 @@
         <a:lstStyle/>
         <a:p>
           <a:r>
-            <a:rPr lang="zh-CN" altLang="zh-CN" dirty="0" smtClean="0"/>
+            <a:rPr lang="zh-CN" altLang="zh-CN" dirty="0"/>
             <a:t>计划进度和时间的时候应当对我们需要做的工作有足够的了解，制定出来的计划才有参考价值。</a:t>
           </a:r>
           <a:endParaRPr lang="zh-CN" altLang="en-US" dirty="0"/>
@@ -1099,7 +1096,7 @@
         <a:lstStyle/>
         <a:p>
           <a:r>
-            <a:rPr lang="zh-CN" altLang="zh-CN" dirty="0" smtClean="0"/>
+            <a:rPr lang="zh-CN" altLang="zh-CN" dirty="0"/>
             <a:t>团队合作在项目完成中不可或缺，理解和沟通是项目能够的基石。成员之间需要有良好的沟通渠道，需要准确理解其他成员的意思，及时交流各自的进度，以便应对可能出现的问题做出相应的调整。</a:t>
           </a:r>
           <a:endParaRPr lang="zh-CN" altLang="en-US" dirty="0"/>
@@ -1137,13 +1134,6 @@
         </dgm:presLayoutVars>
       </dgm:prSet>
       <dgm:spPr/>
-      <dgm:t>
-        <a:bodyPr/>
-        <a:lstStyle/>
-        <a:p>
-          <a:endParaRPr lang="zh-CN" altLang="en-US"/>
-        </a:p>
-      </dgm:t>
     </dgm:pt>
     <dgm:pt modelId="{E0399E63-F9C0-4F4D-86DA-9C872C2ED36C}" type="pres">
       <dgm:prSet presAssocID="{533ECE33-4BF9-4660-96E2-2A50AF5200D4}" presName="parentLin" presStyleCnt="0"/>
@@ -1152,13 +1142,6 @@
     <dgm:pt modelId="{49D4B14C-BC5E-4E30-9E57-C9556B2181F7}" type="pres">
       <dgm:prSet presAssocID="{533ECE33-4BF9-4660-96E2-2A50AF5200D4}" presName="parentLeftMargin" presStyleLbl="node1" presStyleIdx="0" presStyleCnt="3"/>
       <dgm:spPr/>
-      <dgm:t>
-        <a:bodyPr/>
-        <a:lstStyle/>
-        <a:p>
-          <a:endParaRPr lang="zh-CN" altLang="en-US"/>
-        </a:p>
-      </dgm:t>
     </dgm:pt>
     <dgm:pt modelId="{0906846D-B162-433A-97D0-D4044DEE67CF}" type="pres">
       <dgm:prSet presAssocID="{533ECE33-4BF9-4660-96E2-2A50AF5200D4}" presName="parentText" presStyleLbl="node1" presStyleIdx="0" presStyleCnt="3" custScaleX="37435">
@@ -1168,13 +1151,6 @@
         </dgm:presLayoutVars>
       </dgm:prSet>
       <dgm:spPr/>
-      <dgm:t>
-        <a:bodyPr/>
-        <a:lstStyle/>
-        <a:p>
-          <a:endParaRPr lang="zh-CN" altLang="en-US"/>
-        </a:p>
-      </dgm:t>
     </dgm:pt>
     <dgm:pt modelId="{7902C4EE-2391-4E89-9FB5-4D5F9B8850AB}" type="pres">
       <dgm:prSet presAssocID="{533ECE33-4BF9-4660-96E2-2A50AF5200D4}" presName="negativeSpace" presStyleCnt="0"/>
@@ -1187,13 +1163,6 @@
         </dgm:presLayoutVars>
       </dgm:prSet>
       <dgm:spPr/>
-      <dgm:t>
-        <a:bodyPr/>
-        <a:lstStyle/>
-        <a:p>
-          <a:endParaRPr lang="zh-CN" altLang="en-US"/>
-        </a:p>
-      </dgm:t>
     </dgm:pt>
     <dgm:pt modelId="{665DD472-9956-4B93-81D4-1D3A642EBC7F}" type="pres">
       <dgm:prSet presAssocID="{326212A5-835D-47CE-86C4-D3AFDADF71CC}" presName="spaceBetweenRectangles" presStyleCnt="0"/>
@@ -1206,13 +1175,6 @@
     <dgm:pt modelId="{C520F909-4BA8-412B-9792-9EBD8ED39BFE}" type="pres">
       <dgm:prSet presAssocID="{EF5D9244-B2EE-4C29-8F47-5D3CE0ACF1A7}" presName="parentLeftMargin" presStyleLbl="node1" presStyleIdx="0" presStyleCnt="3"/>
       <dgm:spPr/>
-      <dgm:t>
-        <a:bodyPr/>
-        <a:lstStyle/>
-        <a:p>
-          <a:endParaRPr lang="zh-CN" altLang="en-US"/>
-        </a:p>
-      </dgm:t>
     </dgm:pt>
     <dgm:pt modelId="{C6732B46-C6AA-48F3-A0C4-4ACA7A63178C}" type="pres">
       <dgm:prSet presAssocID="{EF5D9244-B2EE-4C29-8F47-5D3CE0ACF1A7}" presName="parentText" presStyleLbl="node1" presStyleIdx="1" presStyleCnt="3" custScaleX="37019">
@@ -1222,13 +1184,6 @@
         </dgm:presLayoutVars>
       </dgm:prSet>
       <dgm:spPr/>
-      <dgm:t>
-        <a:bodyPr/>
-        <a:lstStyle/>
-        <a:p>
-          <a:endParaRPr lang="zh-CN" altLang="en-US"/>
-        </a:p>
-      </dgm:t>
     </dgm:pt>
     <dgm:pt modelId="{FE4DD201-5275-4B4B-A7EE-E67F794AB6BC}" type="pres">
       <dgm:prSet presAssocID="{EF5D9244-B2EE-4C29-8F47-5D3CE0ACF1A7}" presName="negativeSpace" presStyleCnt="0"/>
@@ -1241,13 +1196,6 @@
         </dgm:presLayoutVars>
       </dgm:prSet>
       <dgm:spPr/>
-      <dgm:t>
-        <a:bodyPr/>
-        <a:lstStyle/>
-        <a:p>
-          <a:endParaRPr lang="zh-CN" altLang="en-US"/>
-        </a:p>
-      </dgm:t>
     </dgm:pt>
     <dgm:pt modelId="{5B8914B7-99A1-4B26-BDF1-F9D2A262F925}" type="pres">
       <dgm:prSet presAssocID="{50668C4E-E5B8-4D35-BFBA-84AC5EA6E4C4}" presName="spaceBetweenRectangles" presStyleCnt="0"/>
@@ -1260,13 +1208,6 @@
     <dgm:pt modelId="{D974D2DC-BF0E-48C6-8EDA-F113B445A6CF}" type="pres">
       <dgm:prSet presAssocID="{0D740781-D3B4-4FDF-87D8-686B0140A31D}" presName="parentLeftMargin" presStyleLbl="node1" presStyleIdx="1" presStyleCnt="3"/>
       <dgm:spPr/>
-      <dgm:t>
-        <a:bodyPr/>
-        <a:lstStyle/>
-        <a:p>
-          <a:endParaRPr lang="zh-CN" altLang="en-US"/>
-        </a:p>
-      </dgm:t>
     </dgm:pt>
     <dgm:pt modelId="{04F6827F-281B-42C5-A9D8-0CB3AAB5A08B}" type="pres">
       <dgm:prSet presAssocID="{0D740781-D3B4-4FDF-87D8-686B0140A31D}" presName="parentText" presStyleLbl="node1" presStyleIdx="2" presStyleCnt="3" custScaleX="37739">
@@ -1276,13 +1217,6 @@
         </dgm:presLayoutVars>
       </dgm:prSet>
       <dgm:spPr/>
-      <dgm:t>
-        <a:bodyPr/>
-        <a:lstStyle/>
-        <a:p>
-          <a:endParaRPr lang="zh-CN" altLang="en-US"/>
-        </a:p>
-      </dgm:t>
     </dgm:pt>
     <dgm:pt modelId="{BA036A63-2A01-4D98-B296-174E5BA484D7}" type="pres">
       <dgm:prSet presAssocID="{0D740781-D3B4-4FDF-87D8-686B0140A31D}" presName="negativeSpace" presStyleCnt="0"/>
@@ -1295,31 +1229,24 @@
         </dgm:presLayoutVars>
       </dgm:prSet>
       <dgm:spPr/>
-      <dgm:t>
-        <a:bodyPr/>
-        <a:lstStyle/>
-        <a:p>
-          <a:endParaRPr lang="zh-CN" altLang="en-US"/>
-        </a:p>
-      </dgm:t>
     </dgm:pt>
   </dgm:ptLst>
   <dgm:cxnLst>
+    <dgm:cxn modelId="{4148920C-20FA-4E97-B5FF-8E29E0173D02}" type="presOf" srcId="{EF5D9244-B2EE-4C29-8F47-5D3CE0ACF1A7}" destId="{C6732B46-C6AA-48F3-A0C4-4ACA7A63178C}" srcOrd="1" destOrd="0" presId="urn:microsoft.com/office/officeart/2005/8/layout/list1"/>
+    <dgm:cxn modelId="{160BB72E-2606-4B11-9642-55ABEAF3F353}" type="presOf" srcId="{0D740781-D3B4-4FDF-87D8-686B0140A31D}" destId="{04F6827F-281B-42C5-A9D8-0CB3AAB5A08B}" srcOrd="1" destOrd="0" presId="urn:microsoft.com/office/officeart/2005/8/layout/list1"/>
+    <dgm:cxn modelId="{18EA973E-7C6F-445E-86C0-96DD748F9827}" srcId="{F0B78CBC-CBDA-46C9-929E-85199E667CC4}" destId="{0D740781-D3B4-4FDF-87D8-686B0140A31D}" srcOrd="2" destOrd="0" parTransId="{440B81B8-3259-432D-8258-740C81381645}" sibTransId="{D4AEDC7B-67D3-48AA-9EB7-D7E44F698A71}"/>
+    <dgm:cxn modelId="{C00DA062-B793-417D-835E-33348A3C78E5}" srcId="{EF5D9244-B2EE-4C29-8F47-5D3CE0ACF1A7}" destId="{E95A0273-E642-4127-B438-45D95C69FDCC}" srcOrd="0" destOrd="0" parTransId="{A29485EC-6F7A-48CD-88A5-0EED59B9EE4E}" sibTransId="{7C0A3567-4947-4BF0-B38A-DB850C15DA21}"/>
+    <dgm:cxn modelId="{2FAAEC62-C31B-436B-A2F0-DBF3085CA36C}" type="presOf" srcId="{EF5D9244-B2EE-4C29-8F47-5D3CE0ACF1A7}" destId="{C520F909-4BA8-412B-9792-9EBD8ED39BFE}" srcOrd="0" destOrd="0" presId="urn:microsoft.com/office/officeart/2005/8/layout/list1"/>
+    <dgm:cxn modelId="{F70CED48-89F6-4733-A745-DD99BE5BDD8E}" srcId="{533ECE33-4BF9-4660-96E2-2A50AF5200D4}" destId="{69A262E9-670A-4C64-A6B9-24E824317AF0}" srcOrd="0" destOrd="0" parTransId="{A9B47402-D825-487A-8AB4-AB5E270D37E4}" sibTransId="{B7CA2164-FF6B-432D-89A2-7030BA73E291}"/>
+    <dgm:cxn modelId="{82FFFA48-C3F7-4AD5-AB5D-F844542866F4}" type="presOf" srcId="{F0B78CBC-CBDA-46C9-929E-85199E667CC4}" destId="{ECFE74ED-7105-4194-8680-BB25A1E49CFB}" srcOrd="0" destOrd="0" presId="urn:microsoft.com/office/officeart/2005/8/layout/list1"/>
     <dgm:cxn modelId="{325EEB6B-E5CF-4EAF-BC7E-ACD4491C0701}" srcId="{0D740781-D3B4-4FDF-87D8-686B0140A31D}" destId="{F2EA260C-E5B1-4EB8-98B8-C73AA82A3830}" srcOrd="0" destOrd="0" parTransId="{77C9DB3E-84AC-4159-9575-4A4F4A24329F}" sibTransId="{7411D8BA-43A6-42E7-A55A-5D4E8F6763B2}"/>
-    <dgm:cxn modelId="{4148920C-20FA-4E97-B5FF-8E29E0173D02}" type="presOf" srcId="{EF5D9244-B2EE-4C29-8F47-5D3CE0ACF1A7}" destId="{C6732B46-C6AA-48F3-A0C4-4ACA7A63178C}" srcOrd="1" destOrd="0" presId="urn:microsoft.com/office/officeart/2005/8/layout/list1"/>
+    <dgm:cxn modelId="{EE7CCF71-05C4-4D10-B029-071D8EB1D96D}" srcId="{F0B78CBC-CBDA-46C9-929E-85199E667CC4}" destId="{533ECE33-4BF9-4660-96E2-2A50AF5200D4}" srcOrd="0" destOrd="0" parTransId="{4FEF3489-B718-4466-8BCE-E7885049A98A}" sibTransId="{326212A5-835D-47CE-86C4-D3AFDADF71CC}"/>
+    <dgm:cxn modelId="{5D56F45A-6B98-4E6F-836F-E9377E96D7BE}" type="presOf" srcId="{F2EA260C-E5B1-4EB8-98B8-C73AA82A3830}" destId="{6A001656-CA27-4567-96E8-EF933E971BD3}" srcOrd="0" destOrd="0" presId="urn:microsoft.com/office/officeart/2005/8/layout/list1"/>
+    <dgm:cxn modelId="{0811E898-DF03-46AF-BE06-B5521C93831D}" type="presOf" srcId="{0D740781-D3B4-4FDF-87D8-686B0140A31D}" destId="{D974D2DC-BF0E-48C6-8EDA-F113B445A6CF}" srcOrd="0" destOrd="0" presId="urn:microsoft.com/office/officeart/2005/8/layout/list1"/>
+    <dgm:cxn modelId="{2B7D2A9D-C8B2-491E-8F6C-00EE845F332C}" srcId="{F0B78CBC-CBDA-46C9-929E-85199E667CC4}" destId="{EF5D9244-B2EE-4C29-8F47-5D3CE0ACF1A7}" srcOrd="1" destOrd="0" parTransId="{B5438507-6D71-43E6-B28B-BEF08BD1AF2A}" sibTransId="{50668C4E-E5B8-4D35-BFBA-84AC5EA6E4C4}"/>
+    <dgm:cxn modelId="{6E9790AE-7A7F-4ADB-9C5D-18E7DE6356E2}" type="presOf" srcId="{533ECE33-4BF9-4660-96E2-2A50AF5200D4}" destId="{0906846D-B162-433A-97D0-D4044DEE67CF}" srcOrd="1" destOrd="0" presId="urn:microsoft.com/office/officeart/2005/8/layout/list1"/>
     <dgm:cxn modelId="{26C57CCC-F96C-4191-9713-033174245393}" type="presOf" srcId="{E95A0273-E642-4127-B438-45D95C69FDCC}" destId="{35B04919-E45A-445B-8E33-878B767387DD}" srcOrd="0" destOrd="0" presId="urn:microsoft.com/office/officeart/2005/8/layout/list1"/>
-    <dgm:cxn modelId="{EE7CCF71-05C4-4D10-B029-071D8EB1D96D}" srcId="{F0B78CBC-CBDA-46C9-929E-85199E667CC4}" destId="{533ECE33-4BF9-4660-96E2-2A50AF5200D4}" srcOrd="0" destOrd="0" parTransId="{4FEF3489-B718-4466-8BCE-E7885049A98A}" sibTransId="{326212A5-835D-47CE-86C4-D3AFDADF71CC}"/>
-    <dgm:cxn modelId="{C00DA062-B793-417D-835E-33348A3C78E5}" srcId="{EF5D9244-B2EE-4C29-8F47-5D3CE0ACF1A7}" destId="{E95A0273-E642-4127-B438-45D95C69FDCC}" srcOrd="0" destOrd="0" parTransId="{A29485EC-6F7A-48CD-88A5-0EED59B9EE4E}" sibTransId="{7C0A3567-4947-4BF0-B38A-DB850C15DA21}"/>
-    <dgm:cxn modelId="{2B7D2A9D-C8B2-491E-8F6C-00EE845F332C}" srcId="{F0B78CBC-CBDA-46C9-929E-85199E667CC4}" destId="{EF5D9244-B2EE-4C29-8F47-5D3CE0ACF1A7}" srcOrd="1" destOrd="0" parTransId="{B5438507-6D71-43E6-B28B-BEF08BD1AF2A}" sibTransId="{50668C4E-E5B8-4D35-BFBA-84AC5EA6E4C4}"/>
-    <dgm:cxn modelId="{2FAAEC62-C31B-436B-A2F0-DBF3085CA36C}" type="presOf" srcId="{EF5D9244-B2EE-4C29-8F47-5D3CE0ACF1A7}" destId="{C520F909-4BA8-412B-9792-9EBD8ED39BFE}" srcOrd="0" destOrd="0" presId="urn:microsoft.com/office/officeart/2005/8/layout/list1"/>
-    <dgm:cxn modelId="{5D56F45A-6B98-4E6F-836F-E9377E96D7BE}" type="presOf" srcId="{F2EA260C-E5B1-4EB8-98B8-C73AA82A3830}" destId="{6A001656-CA27-4567-96E8-EF933E971BD3}" srcOrd="0" destOrd="0" presId="urn:microsoft.com/office/officeart/2005/8/layout/list1"/>
-    <dgm:cxn modelId="{160BB72E-2606-4B11-9642-55ABEAF3F353}" type="presOf" srcId="{0D740781-D3B4-4FDF-87D8-686B0140A31D}" destId="{04F6827F-281B-42C5-A9D8-0CB3AAB5A08B}" srcOrd="1" destOrd="0" presId="urn:microsoft.com/office/officeart/2005/8/layout/list1"/>
-    <dgm:cxn modelId="{82FFFA48-C3F7-4AD5-AB5D-F844542866F4}" type="presOf" srcId="{F0B78CBC-CBDA-46C9-929E-85199E667CC4}" destId="{ECFE74ED-7105-4194-8680-BB25A1E49CFB}" srcOrd="0" destOrd="0" presId="urn:microsoft.com/office/officeart/2005/8/layout/list1"/>
-    <dgm:cxn modelId="{18EA973E-7C6F-445E-86C0-96DD748F9827}" srcId="{F0B78CBC-CBDA-46C9-929E-85199E667CC4}" destId="{0D740781-D3B4-4FDF-87D8-686B0140A31D}" srcOrd="2" destOrd="0" parTransId="{440B81B8-3259-432D-8258-740C81381645}" sibTransId="{D4AEDC7B-67D3-48AA-9EB7-D7E44F698A71}"/>
     <dgm:cxn modelId="{E1419CD1-8920-4377-808E-6146F676871D}" type="presOf" srcId="{533ECE33-4BF9-4660-96E2-2A50AF5200D4}" destId="{49D4B14C-BC5E-4E30-9E57-C9556B2181F7}" srcOrd="0" destOrd="0" presId="urn:microsoft.com/office/officeart/2005/8/layout/list1"/>
-    <dgm:cxn modelId="{F70CED48-89F6-4733-A745-DD99BE5BDD8E}" srcId="{533ECE33-4BF9-4660-96E2-2A50AF5200D4}" destId="{69A262E9-670A-4C64-A6B9-24E824317AF0}" srcOrd="0" destOrd="0" parTransId="{A9B47402-D825-487A-8AB4-AB5E270D37E4}" sibTransId="{B7CA2164-FF6B-432D-89A2-7030BA73E291}"/>
-    <dgm:cxn modelId="{0811E898-DF03-46AF-BE06-B5521C93831D}" type="presOf" srcId="{0D740781-D3B4-4FDF-87D8-686B0140A31D}" destId="{D974D2DC-BF0E-48C6-8EDA-F113B445A6CF}" srcOrd="0" destOrd="0" presId="urn:microsoft.com/office/officeart/2005/8/layout/list1"/>
-    <dgm:cxn modelId="{6E9790AE-7A7F-4ADB-9C5D-18E7DE6356E2}" type="presOf" srcId="{533ECE33-4BF9-4660-96E2-2A50AF5200D4}" destId="{0906846D-B162-433A-97D0-D4044DEE67CF}" srcOrd="1" destOrd="0" presId="urn:microsoft.com/office/officeart/2005/8/layout/list1"/>
     <dgm:cxn modelId="{132B52E5-D78D-4618-B39A-A9C6C63ACB25}" type="presOf" srcId="{69A262E9-670A-4C64-A6B9-24E824317AF0}" destId="{D6C023B1-4119-4CE8-963E-7A50604B78B9}" srcOrd="0" destOrd="0" presId="urn:microsoft.com/office/officeart/2005/8/layout/list1"/>
     <dgm:cxn modelId="{FE068DC1-9A1F-413E-9151-62CD01A3A25B}" type="presParOf" srcId="{ECFE74ED-7105-4194-8680-BB25A1E49CFB}" destId="{E0399E63-F9C0-4F4D-86DA-9C872C2ED36C}" srcOrd="0" destOrd="0" presId="urn:microsoft.com/office/officeart/2005/8/layout/list1"/>
     <dgm:cxn modelId="{C581C3DB-77D5-4BEF-9278-82E86984A7DF}" type="presParOf" srcId="{E0399E63-F9C0-4F4D-86DA-9C872C2ED36C}" destId="{49D4B14C-BC5E-4E30-9E57-C9556B2181F7}" srcOrd="0" destOrd="0" presId="urn:microsoft.com/office/officeart/2005/8/layout/list1"/>
@@ -1421,10 +1348,10 @@
             <a:spcAft>
               <a:spcPct val="15000"/>
             </a:spcAft>
-            <a:buChar char="••"/>
+            <a:buChar char="•"/>
           </a:pPr>
           <a:r>
-            <a:rPr lang="zh-CN" altLang="en-US" sz="1900" kern="1200" dirty="0" smtClean="0"/>
+            <a:rPr lang="zh-CN" altLang="zh-CN" sz="1900" kern="1200" dirty="0"/>
             <a:t>更深入了解到真实项目设计中需求规约的重要性。</a:t>
           </a:r>
           <a:endParaRPr lang="zh-CN" altLang="en-US" sz="1900" kern="1200" dirty="0"/>
@@ -1490,7 +1417,7 @@
         </a:bodyPr>
         <a:lstStyle/>
         <a:p>
-          <a:pPr lvl="0" algn="l" defTabSz="844550">
+          <a:pPr marL="0" lvl="0" indent="0" algn="l" defTabSz="844550">
             <a:lnSpc>
               <a:spcPct val="90000"/>
             </a:lnSpc>
@@ -1500,12 +1427,12 @@
             <a:spcAft>
               <a:spcPct val="35000"/>
             </a:spcAft>
+            <a:buNone/>
           </a:pPr>
           <a:r>
-            <a:rPr lang="zh-CN" altLang="en-US" sz="1900" kern="1200" dirty="0" smtClean="0"/>
+            <a:rPr lang="zh-CN" altLang="en-US" sz="1900" kern="1200" dirty="0"/>
             <a:t>需求规约</a:t>
           </a:r>
-          <a:endParaRPr lang="zh-CN" altLang="en-US" sz="1900" kern="1200" dirty="0"/>
         </a:p>
       </dsp:txBody>
       <dsp:txXfrm>
@@ -1577,10 +1504,10 @@
             <a:spcAft>
               <a:spcPct val="15000"/>
             </a:spcAft>
-            <a:buChar char="••"/>
+            <a:buChar char="•"/>
           </a:pPr>
           <a:r>
-            <a:rPr lang="zh-CN" altLang="en-US" sz="1900" kern="1200" dirty="0" smtClean="0"/>
+            <a:rPr lang="zh-CN" altLang="zh-CN" sz="1900" kern="1200" dirty="0"/>
             <a:t>计划进度和时间的时候应当对我们需要做的工作有足够的了解，制定出来的计划才有参考价值。</a:t>
           </a:r>
           <a:endParaRPr lang="zh-CN" altLang="en-US" sz="1900" kern="1200" dirty="0"/>
@@ -1646,7 +1573,7 @@
         </a:bodyPr>
         <a:lstStyle/>
         <a:p>
-          <a:pPr lvl="0" algn="l" defTabSz="844550">
+          <a:pPr marL="0" lvl="0" indent="0" algn="l" defTabSz="844550">
             <a:lnSpc>
               <a:spcPct val="90000"/>
             </a:lnSpc>
@@ -1656,12 +1583,12 @@
             <a:spcAft>
               <a:spcPct val="35000"/>
             </a:spcAft>
+            <a:buNone/>
           </a:pPr>
           <a:r>
-            <a:rPr lang="zh-CN" altLang="en-US" sz="1900" kern="1200" dirty="0" smtClean="0"/>
+            <a:rPr lang="zh-CN" altLang="en-US" sz="1900" kern="1200" dirty="0"/>
             <a:t>计划进度</a:t>
           </a:r>
-          <a:endParaRPr lang="zh-CN" altLang="en-US" sz="1900" kern="1200" dirty="0"/>
         </a:p>
       </dsp:txBody>
       <dsp:txXfrm>
@@ -1733,10 +1660,10 @@
             <a:spcAft>
               <a:spcPct val="15000"/>
             </a:spcAft>
-            <a:buChar char="••"/>
+            <a:buChar char="•"/>
           </a:pPr>
           <a:r>
-            <a:rPr lang="zh-CN" altLang="en-US" sz="1900" kern="1200" dirty="0" smtClean="0"/>
+            <a:rPr lang="zh-CN" altLang="zh-CN" sz="1900" kern="1200" dirty="0"/>
             <a:t>团队合作在项目完成中不可或缺，理解和沟通是项目能够的基石。成员之间需要有良好的沟通渠道，需要准确理解其他成员的意思，及时交流各自的进度，以便应对可能出现的问题做出相应的调整。</a:t>
           </a:r>
           <a:endParaRPr lang="zh-CN" altLang="en-US" sz="1900" kern="1200" dirty="0"/>
@@ -1802,7 +1729,7 @@
         </a:bodyPr>
         <a:lstStyle/>
         <a:p>
-          <a:pPr lvl="0" algn="l" defTabSz="844550">
+          <a:pPr marL="0" lvl="0" indent="0" algn="l" defTabSz="844550">
             <a:lnSpc>
               <a:spcPct val="90000"/>
             </a:lnSpc>
@@ -1812,12 +1739,12 @@
             <a:spcAft>
               <a:spcPct val="35000"/>
             </a:spcAft>
+            <a:buNone/>
           </a:pPr>
           <a:r>
-            <a:rPr lang="zh-CN" altLang="en-US" sz="1900" kern="1200" dirty="0" smtClean="0"/>
+            <a:rPr lang="zh-CN" altLang="en-US" sz="1900" kern="1200" dirty="0"/>
             <a:t>团队合作</a:t>
           </a:r>
-          <a:endParaRPr lang="zh-CN" altLang="en-US" sz="1900" kern="1200" dirty="0"/>
         </a:p>
       </dsp:txBody>
       <dsp:txXfrm>
@@ -29334,10 +29261,13 @@
           <a:bodyPr/>
           <a:lstStyle/>
           <a:p>
-            <a:pPr algn="l"/>
-            <a:r>
-              <a:rPr lang="zh-CN" altLang="en-US" sz="4400" dirty="0"/>
-              <a:t>小组作业迭代报告</a:t>
+            <a:r>
+              <a:rPr lang="en-US" altLang="zh-CN" sz="3600" dirty="0"/>
+              <a:t>My PC Logo</a:t>
+            </a:r>
+            <a:r>
+              <a:rPr lang="zh-CN" altLang="en-US" sz="3600" dirty="0"/>
+              <a:t>软件项目第一次迭代报告</a:t>
             </a:r>
           </a:p>
         </p:txBody>
@@ -29352,67 +29282,68 @@
             <p:ph type="subTitle" idx="1"/>
           </p:nvPr>
         </p:nvSpPr>
-        <p:spPr/>
+        <p:spPr>
+          <a:xfrm>
+            <a:off x="469123" y="4886550"/>
+            <a:ext cx="5820358" cy="468179"/>
+          </a:xfrm>
+        </p:spPr>
         <p:txBody>
           <a:bodyPr/>
           <a:lstStyle/>
           <a:p>
-            <a:pPr marL="0" indent="0" algn="l">
-              <a:buNone/>
-            </a:pPr>
-            <a:r>
-              <a:rPr lang="en-US" altLang="zh-CN" sz="2800" dirty="0"/>
-              <a:t>2020</a:t>
-            </a:r>
-            <a:r>
-              <a:rPr lang="zh-CN" altLang="en-US" sz="2800" dirty="0"/>
-              <a:t>年</a:t>
-            </a:r>
-            <a:r>
-              <a:rPr lang="en-US" altLang="zh-CN" sz="2800" dirty="0"/>
-              <a:t>10</a:t>
-            </a:r>
-            <a:r>
-              <a:rPr lang="zh-CN" altLang="en-US" sz="2800" dirty="0" smtClean="0"/>
-              <a:t>月</a:t>
-            </a:r>
-            <a:r>
-              <a:rPr lang="en-US" altLang="zh-CN" sz="2800" dirty="0" smtClean="0"/>
-              <a:t>11</a:t>
-            </a:r>
-            <a:r>
-              <a:rPr lang="zh-CN" altLang="en-US" sz="2800" dirty="0" smtClean="0"/>
-              <a:t>日</a:t>
-            </a:r>
-            <a:endParaRPr lang="zh-CN" altLang="en-US" sz="2800" dirty="0"/>
+            <a:r>
+              <a:rPr lang="zh-CN" altLang="en-US" dirty="0"/>
+              <a:t>第</a:t>
+            </a:r>
+            <a:r>
+              <a:rPr lang="en-US" altLang="zh-CN" dirty="0"/>
+              <a:t>21</a:t>
+            </a:r>
+            <a:r>
+              <a:rPr lang="zh-CN" altLang="en-US" dirty="0"/>
+              <a:t>组</a:t>
+            </a:r>
+          </a:p>
+        </p:txBody>
+      </p:sp>
+      <p:sp>
+        <p:nvSpPr>
+          <p:cNvPr id="6" name="文本占位符 5"/>
+          <p:cNvSpPr>
+            <a:spLocks noGrp="1"/>
+          </p:cNvSpPr>
+          <p:nvPr>
+            <p:ph type="body" sz="quarter" idx="10"/>
+          </p:nvPr>
+        </p:nvSpPr>
+        <p:spPr>
+          <a:xfrm>
+            <a:off x="469123" y="5428098"/>
+            <a:ext cx="5820358" cy="499004"/>
+          </a:xfrm>
+        </p:spPr>
+        <p:txBody>
+          <a:bodyPr/>
+          <a:lstStyle/>
+          <a:p>
+            <a:r>
+              <a:rPr lang="zh-CN" altLang="en-US" dirty="0"/>
+              <a:t>小组成员：谢厚、蒋钊、郑世民、焦明胜</a:t>
+            </a:r>
           </a:p>
         </p:txBody>
       </p:sp>
     </p:spTree>
     <p:extLst>
       <p:ext uri="{BB962C8B-B14F-4D97-AF65-F5344CB8AC3E}">
-        <p14:creationId xmlns:p14="http://schemas.microsoft.com/office/powerpoint/2010/main" val="1691820105"/>
+        <p14:creationId xmlns:p14="http://schemas.microsoft.com/office/powerpoint/2010/main" val="2049770824"/>
       </p:ext>
     </p:extLst>
   </p:cSld>
   <p:clrMapOvr>
     <a:masterClrMapping/>
   </p:clrMapOvr>
-  <mc:AlternateContent xmlns:mc="http://schemas.openxmlformats.org/markup-compatibility/2006" xmlns:p14="http://schemas.microsoft.com/office/powerpoint/2010/main">
-    <mc:Choice Requires="p14">
-      <p:transition p14:dur="10"/>
-    </mc:Choice>
-    <mc:Fallback xmlns="">
-      <p:transition/>
-    </mc:Fallback>
-  </mc:AlternateContent>
-  <p:timing>
-    <p:tnLst>
-      <p:par>
-        <p:cTn id="1" dur="indefinite" restart="never" nodeType="tmRoot"/>
-      </p:par>
-    </p:tnLst>
-  </p:timing>
 </p:sld>
 </file>
 
@@ -29446,7 +29377,7 @@
         <p:spPr>
           <a:xfrm>
             <a:off x="494025" y="1685678"/>
-            <a:ext cx="7532375" cy="4921498"/>
+            <a:ext cx="8372162" cy="688812"/>
           </a:xfrm>
         </p:spPr>
         <p:txBody>
@@ -29461,126 +29392,9 @@
               </a:lnSpc>
             </a:pPr>
             <a:r>
-              <a:rPr lang="en-US" altLang="zh-CN" dirty="0"/>
-              <a:t>My PC Logo</a:t>
-            </a:r>
-            <a:r>
               <a:rPr lang="zh-CN" altLang="en-US" dirty="0"/>
-              <a:t>是面向青少年的图像化编程语言。</a:t>
-            </a:r>
-            <a:endParaRPr lang="en-US" altLang="zh-CN" dirty="0"/>
-          </a:p>
-          <a:p>
-            <a:pPr lvl="1">
-              <a:lnSpc>
-                <a:spcPct val="150000"/>
-              </a:lnSpc>
-            </a:pPr>
-            <a:r>
-              <a:rPr lang="zh-CN" altLang="en-US" dirty="0"/>
-              <a:t>将抽象的程序变成容易理解的图像运动</a:t>
-            </a:r>
-            <a:endParaRPr lang="en-US" altLang="zh-CN" dirty="0"/>
-          </a:p>
-          <a:p>
-            <a:pPr lvl="1">
-              <a:lnSpc>
-                <a:spcPct val="150000"/>
-              </a:lnSpc>
-            </a:pPr>
-            <a:endParaRPr lang="en-US" altLang="zh-CN" dirty="0"/>
-          </a:p>
-          <a:p>
-            <a:pPr lvl="1">
-              <a:lnSpc>
-                <a:spcPct val="150000"/>
-              </a:lnSpc>
-            </a:pPr>
-            <a:endParaRPr lang="en-US" altLang="zh-CN" dirty="0"/>
-          </a:p>
-          <a:p>
-            <a:pPr lvl="1">
-              <a:lnSpc>
-                <a:spcPct val="150000"/>
-              </a:lnSpc>
-            </a:pPr>
-            <a:endParaRPr lang="en-US" altLang="zh-CN" dirty="0"/>
-          </a:p>
-          <a:p>
-            <a:pPr lvl="1">
-              <a:lnSpc>
-                <a:spcPct val="150000"/>
-              </a:lnSpc>
-            </a:pPr>
-            <a:endParaRPr lang="en-US" altLang="zh-CN" dirty="0"/>
-          </a:p>
-          <a:p>
-            <a:pPr lvl="1">
-              <a:lnSpc>
-                <a:spcPct val="150000"/>
-              </a:lnSpc>
-            </a:pPr>
-            <a:endParaRPr lang="en-US" altLang="zh-CN" dirty="0"/>
-          </a:p>
-          <a:p>
-            <a:pPr lvl="1">
-              <a:lnSpc>
-                <a:spcPct val="150000"/>
-              </a:lnSpc>
-            </a:pPr>
-            <a:endParaRPr lang="en-US" altLang="zh-CN" dirty="0"/>
-          </a:p>
-          <a:p>
-            <a:pPr lvl="1">
-              <a:lnSpc>
-                <a:spcPct val="150000"/>
-              </a:lnSpc>
-            </a:pPr>
-            <a:r>
-              <a:rPr lang="zh-CN" altLang="en-US" dirty="0"/>
-              <a:t>同时编程语言很简单、直白便于理解。（</a:t>
-            </a:r>
-            <a:r>
-              <a:rPr lang="en-US" altLang="zh-CN" dirty="0"/>
-              <a:t>FD BK</a:t>
-            </a:r>
-            <a:r>
-              <a:rPr lang="zh-CN" altLang="en-US" dirty="0"/>
-              <a:t>）</a:t>
-            </a:r>
-            <a:endParaRPr lang="en-US" altLang="zh-CN" dirty="0"/>
-          </a:p>
-          <a:p>
-            <a:pPr lvl="1">
-              <a:lnSpc>
-                <a:spcPct val="150000"/>
-              </a:lnSpc>
-            </a:pPr>
-            <a:endParaRPr lang="en-US" altLang="zh-CN" dirty="0"/>
-          </a:p>
-          <a:p>
-            <a:pPr lvl="1">
-              <a:lnSpc>
-                <a:spcPct val="150000"/>
-              </a:lnSpc>
-            </a:pPr>
-            <a:endParaRPr lang="en-US" altLang="zh-CN" dirty="0"/>
-          </a:p>
-          <a:p>
-            <a:pPr lvl="1">
-              <a:lnSpc>
-                <a:spcPct val="150000"/>
-              </a:lnSpc>
-            </a:pPr>
-            <a:endParaRPr lang="en-US" altLang="zh-CN" dirty="0"/>
-          </a:p>
-          <a:p>
-            <a:pPr marL="0" indent="0">
-              <a:lnSpc>
-                <a:spcPct val="150000"/>
-              </a:lnSpc>
-              <a:buNone/>
-            </a:pPr>
+              <a:t>拖拽式编程教学意义太小。和后面的真正意义上的编程中间梯度太大</a:t>
+            </a:r>
             <a:endParaRPr lang="en-US" altLang="zh-CN" dirty="0"/>
           </a:p>
         </p:txBody>
@@ -29601,22 +29415,23 @@
           <a:lstStyle/>
           <a:p>
             <a:r>
-              <a:rPr lang="en-US" altLang="zh-CN" dirty="0"/>
-              <a:t>My PC Logo </a:t>
-            </a:r>
-            <a:r>
               <a:rPr lang="zh-CN" altLang="en-US" dirty="0"/>
-              <a:t>价值、特性及优点</a:t>
-            </a:r>
+              <a:t>竞品分析：</a:t>
+            </a:r>
+            <a:r>
+              <a:rPr lang="en-US" altLang="zh-CN" dirty="0" err="1"/>
+              <a:t>tynker</a:t>
+            </a:r>
+            <a:endParaRPr lang="zh-CN" altLang="en-US" dirty="0"/>
           </a:p>
         </p:txBody>
       </p:sp>
       <p:pic>
         <p:nvPicPr>
-          <p:cNvPr id="7" name="图片 6">
+          <p:cNvPr id="2" name="图片 1">
             <a:extLst>
               <a:ext uri="{FF2B5EF4-FFF2-40B4-BE49-F238E27FC236}">
-                <a16:creationId xmlns:a16="http://schemas.microsoft.com/office/drawing/2014/main" id="{A5B3710C-3A4E-468D-8B3C-4906D2EDDE24}"/>
+                <a16:creationId xmlns:a16="http://schemas.microsoft.com/office/drawing/2014/main" id="{899D0C5D-08B1-48FD-8C1C-C542F3077F27}"/>
               </a:ext>
             </a:extLst>
           </p:cNvPr>
@@ -29625,15 +29440,16 @@
           </p:cNvPicPr>
           <p:nvPr/>
         </p:nvPicPr>
-        <p:blipFill rotWithShape="1">
+        <p:blipFill>
           <a:blip r:embed="rId2"/>
-          <a:srcRect l="10854" t="13451" r="10844" b="13505"/>
-          <a:stretch/>
+          <a:stretch>
+            <a:fillRect/>
+          </a:stretch>
         </p:blipFill>
         <p:spPr>
           <a:xfrm>
-            <a:off x="2114704" y="2784722"/>
-            <a:ext cx="2565401" cy="2476500"/>
+            <a:off x="1402479" y="2374490"/>
+            <a:ext cx="6339042" cy="4237877"/>
           </a:xfrm>
           <a:prstGeom prst="rect">
             <a:avLst/>
@@ -29643,196 +29459,7 @@
     </p:spTree>
     <p:extLst>
       <p:ext uri="{BB962C8B-B14F-4D97-AF65-F5344CB8AC3E}">
-        <p14:creationId xmlns:p14="http://schemas.microsoft.com/office/powerpoint/2010/main" val="233054111"/>
-      </p:ext>
-    </p:extLst>
-  </p:cSld>
-  <p:clrMapOvr>
-    <a:masterClrMapping/>
-  </p:clrMapOvr>
-  <p:timing>
-    <p:tnLst>
-      <p:par>
-        <p:cTn id="1" dur="indefinite" restart="never" nodeType="tmRoot"/>
-      </p:par>
-    </p:tnLst>
-  </p:timing>
-</p:sld>
-</file>
-
-<file path=ppt/slides/slide11.xml><?xml version="1.0" encoding="utf-8"?>
-<p:sld xmlns:a="http://schemas.openxmlformats.org/drawingml/2006/main" xmlns:r="http://schemas.openxmlformats.org/officeDocument/2006/relationships" xmlns:p="http://schemas.openxmlformats.org/presentationml/2006/main">
-  <p:cSld>
-    <p:spTree>
-      <p:nvGrpSpPr>
-        <p:cNvPr id="1" name=""/>
-        <p:cNvGrpSpPr/>
-        <p:nvPr/>
-      </p:nvGrpSpPr>
-      <p:grpSpPr>
-        <a:xfrm>
-          <a:off x="0" y="0"/>
-          <a:ext cx="0" cy="0"/>
-          <a:chOff x="0" y="0"/>
-          <a:chExt cx="0" cy="0"/>
-        </a:xfrm>
-      </p:grpSpPr>
-      <p:sp>
-        <p:nvSpPr>
-          <p:cNvPr id="4" name="内容占位符 3"/>
-          <p:cNvSpPr>
-            <a:spLocks noGrp="1"/>
-          </p:cNvSpPr>
-          <p:nvPr>
-            <p:ph sz="quarter" idx="10"/>
-          </p:nvPr>
-        </p:nvSpPr>
-        <p:spPr>
-          <a:xfrm>
-            <a:off x="494025" y="1685678"/>
-            <a:ext cx="7532375" cy="4921498"/>
-          </a:xfrm>
-        </p:spPr>
-        <p:txBody>
-          <a:bodyPr>
-            <a:normAutofit/>
-          </a:bodyPr>
-          <a:lstStyle/>
-          <a:p>
-            <a:pPr>
-              <a:lnSpc>
-                <a:spcPct val="150000"/>
-              </a:lnSpc>
-            </a:pPr>
-            <a:r>
-              <a:rPr lang="zh-CN" altLang="en-US" dirty="0"/>
-              <a:t>通过学习</a:t>
-            </a:r>
-            <a:r>
-              <a:rPr lang="en-US" altLang="zh-CN" dirty="0"/>
-              <a:t>Logo</a:t>
-            </a:r>
-            <a:r>
-              <a:rPr lang="zh-CN" altLang="en-US" dirty="0"/>
-              <a:t>编程，学习者能掌握基本的几何知识</a:t>
-            </a:r>
-            <a:r>
-              <a:rPr lang="en-US" altLang="zh-CN" dirty="0"/>
-              <a:t>.</a:t>
-            </a:r>
-          </a:p>
-          <a:p>
-            <a:pPr lvl="1">
-              <a:lnSpc>
-                <a:spcPct val="150000"/>
-              </a:lnSpc>
-            </a:pPr>
-            <a:r>
-              <a:rPr lang="en-US" altLang="zh-CN" dirty="0"/>
-              <a:t>1. </a:t>
-            </a:r>
-            <a:r>
-              <a:rPr lang="zh-CN" altLang="en-US" dirty="0"/>
-              <a:t>角度（</a:t>
-            </a:r>
-            <a:r>
-              <a:rPr lang="en-US" altLang="zh-CN" dirty="0"/>
-              <a:t>RT</a:t>
-            </a:r>
-            <a:r>
-              <a:rPr lang="zh-CN" altLang="en-US" dirty="0"/>
-              <a:t>向右旋转给定参数的角度）</a:t>
-            </a:r>
-            <a:endParaRPr lang="en-US" altLang="zh-CN" dirty="0"/>
-          </a:p>
-          <a:p>
-            <a:pPr lvl="1">
-              <a:lnSpc>
-                <a:spcPct val="150000"/>
-              </a:lnSpc>
-            </a:pPr>
-            <a:r>
-              <a:rPr lang="en-US" altLang="zh-CN" dirty="0"/>
-              <a:t>2. </a:t>
-            </a:r>
-            <a:r>
-              <a:rPr lang="zh-CN" altLang="en-US" dirty="0"/>
-              <a:t>距离（</a:t>
-            </a:r>
-            <a:r>
-              <a:rPr lang="en-US" altLang="zh-CN" dirty="0"/>
-              <a:t>FD</a:t>
-            </a:r>
-            <a:r>
-              <a:rPr lang="zh-CN" altLang="en-US" dirty="0"/>
-              <a:t>向前运动给定参数的距离</a:t>
-            </a:r>
-            <a:r>
-              <a:rPr lang="zh-CN" altLang="en-US" dirty="0" smtClean="0"/>
-              <a:t>）</a:t>
-            </a:r>
-            <a:endParaRPr lang="en-US" altLang="zh-CN" dirty="0" smtClean="0"/>
-          </a:p>
-          <a:p>
-            <a:pPr lvl="1">
-              <a:lnSpc>
-                <a:spcPct val="150000"/>
-              </a:lnSpc>
-            </a:pPr>
-            <a:r>
-              <a:rPr lang="en-US" altLang="zh-CN" dirty="0" smtClean="0"/>
-              <a:t>3. </a:t>
-            </a:r>
-            <a:r>
-              <a:rPr lang="zh-CN" altLang="en-US" dirty="0" smtClean="0"/>
-              <a:t>坐标   </a:t>
-            </a:r>
-            <a:r>
-              <a:rPr lang="en-US" altLang="zh-CN" dirty="0" smtClean="0"/>
-              <a:t>(SET*</a:t>
-            </a:r>
-            <a:r>
-              <a:rPr lang="zh-CN" altLang="en-US" dirty="0" smtClean="0"/>
-              <a:t>命令设定画笔的位置</a:t>
-            </a:r>
-            <a:r>
-              <a:rPr lang="en-US" altLang="zh-CN" dirty="0" smtClean="0"/>
-              <a:t>)</a:t>
-            </a:r>
-            <a:endParaRPr lang="en-US" altLang="zh-CN" dirty="0"/>
-          </a:p>
-        </p:txBody>
-      </p:sp>
-      <p:sp>
-        <p:nvSpPr>
-          <p:cNvPr id="3" name="标题 2"/>
-          <p:cNvSpPr>
-            <a:spLocks noGrp="1"/>
-          </p:cNvSpPr>
-          <p:nvPr>
-            <p:ph type="title"/>
-          </p:nvPr>
-        </p:nvSpPr>
-        <p:spPr/>
-        <p:txBody>
-          <a:bodyPr/>
-          <a:lstStyle/>
-          <a:p>
-            <a:r>
-              <a:rPr lang="en-US" altLang="zh-CN" dirty="0"/>
-              <a:t>My PC Logo </a:t>
-            </a:r>
-            <a:r>
-              <a:rPr lang="zh-CN" altLang="en-US" dirty="0"/>
-              <a:t>价值、特性及优点</a:t>
-            </a:r>
-          </a:p>
-        </p:txBody>
-      </p:sp>
-    </p:spTree>
-    <p:extLst>
-      <p:ext uri="{BB962C8B-B14F-4D97-AF65-F5344CB8AC3E}">
-        <p14:creationId xmlns:p14="http://schemas.microsoft.com/office/powerpoint/2010/main" val="3537327373"/>
+        <p14:creationId xmlns:p14="http://schemas.microsoft.com/office/powerpoint/2010/main" val="2619182553"/>
       </p:ext>
     </p:extLst>
   </p:cSld>
@@ -29842,385 +29469,7 @@
 </p:sld>
 </file>
 
-<file path=ppt/slides/slide12.xml><?xml version="1.0" encoding="utf-8"?>
-<p:sld xmlns:a="http://schemas.openxmlformats.org/drawingml/2006/main" xmlns:r="http://schemas.openxmlformats.org/officeDocument/2006/relationships" xmlns:p="http://schemas.openxmlformats.org/presentationml/2006/main">
-  <p:cSld>
-    <p:spTree>
-      <p:nvGrpSpPr>
-        <p:cNvPr id="1" name=""/>
-        <p:cNvGrpSpPr/>
-        <p:nvPr/>
-      </p:nvGrpSpPr>
-      <p:grpSpPr>
-        <a:xfrm>
-          <a:off x="0" y="0"/>
-          <a:ext cx="0" cy="0"/>
-          <a:chOff x="0" y="0"/>
-          <a:chExt cx="0" cy="0"/>
-        </a:xfrm>
-      </p:grpSpPr>
-      <p:sp>
-        <p:nvSpPr>
-          <p:cNvPr id="4" name="内容占位符 3"/>
-          <p:cNvSpPr>
-            <a:spLocks noGrp="1"/>
-          </p:cNvSpPr>
-          <p:nvPr>
-            <p:ph sz="quarter" idx="10"/>
-          </p:nvPr>
-        </p:nvSpPr>
-        <p:spPr>
-          <a:xfrm>
-            <a:off x="494025" y="1685678"/>
-            <a:ext cx="7532375" cy="4921498"/>
-          </a:xfrm>
-        </p:spPr>
-        <p:txBody>
-          <a:bodyPr>
-            <a:normAutofit/>
-          </a:bodyPr>
-          <a:lstStyle/>
-          <a:p>
-            <a:pPr>
-              <a:lnSpc>
-                <a:spcPct val="150000"/>
-              </a:lnSpc>
-            </a:pPr>
-            <a:r>
-              <a:rPr lang="en-US" altLang="zh-CN" dirty="0"/>
-              <a:t>Logo</a:t>
-            </a:r>
-            <a:r>
-              <a:rPr lang="zh-CN" altLang="en-US" dirty="0"/>
-              <a:t>语言十分简单，不涉及指针、类等高级主题。</a:t>
-            </a:r>
-            <a:endParaRPr lang="en-US" altLang="zh-CN" dirty="0"/>
-          </a:p>
-          <a:p>
-            <a:pPr lvl="1">
-              <a:lnSpc>
-                <a:spcPct val="150000"/>
-              </a:lnSpc>
-            </a:pPr>
-            <a:r>
-              <a:rPr lang="en-US" altLang="zh-CN" dirty="0"/>
-              <a:t>FD </a:t>
-            </a:r>
-            <a:r>
-              <a:rPr lang="zh-CN" altLang="en-US" dirty="0"/>
-              <a:t>以当前方向为正方向，前进给定参数的距离</a:t>
-            </a:r>
-            <a:r>
-              <a:rPr lang="en-US" altLang="zh-CN" dirty="0"/>
-              <a:t>.</a:t>
-            </a:r>
-          </a:p>
-          <a:p>
-            <a:pPr lvl="1">
-              <a:lnSpc>
-                <a:spcPct val="150000"/>
-              </a:lnSpc>
-            </a:pPr>
-            <a:r>
-              <a:rPr lang="en-US" altLang="zh-CN" dirty="0"/>
-              <a:t>BK </a:t>
-            </a:r>
-            <a:r>
-              <a:rPr lang="zh-CN" altLang="en-US" dirty="0"/>
-              <a:t>以当前方向为正方向，后退给定参数的距离。</a:t>
-            </a:r>
-            <a:endParaRPr lang="en-US" altLang="zh-CN" dirty="0"/>
-          </a:p>
-          <a:p>
-            <a:pPr lvl="1">
-              <a:lnSpc>
-                <a:spcPct val="150000"/>
-              </a:lnSpc>
-            </a:pPr>
-            <a:r>
-              <a:rPr lang="en-US" altLang="zh-CN" dirty="0"/>
-              <a:t>RT </a:t>
-            </a:r>
-            <a:r>
-              <a:rPr lang="zh-CN" altLang="en-US" dirty="0"/>
-              <a:t>当前方向沿顺时针方向旋转给定参数的角度。</a:t>
-            </a:r>
-            <a:endParaRPr lang="en-US" altLang="zh-CN" dirty="0"/>
-          </a:p>
-          <a:p>
-            <a:pPr lvl="1">
-              <a:lnSpc>
-                <a:spcPct val="150000"/>
-              </a:lnSpc>
-            </a:pPr>
-            <a:r>
-              <a:rPr lang="en-US" altLang="zh-CN" dirty="0"/>
-              <a:t>LT </a:t>
-            </a:r>
-            <a:r>
-              <a:rPr lang="zh-CN" altLang="en-US" dirty="0"/>
-              <a:t>当前方向沿逆时针方向旋转给定参数的角度。</a:t>
-            </a:r>
-            <a:endParaRPr lang="en-US" altLang="zh-CN" dirty="0"/>
-          </a:p>
-          <a:p>
-            <a:pPr lvl="1">
-              <a:lnSpc>
-                <a:spcPct val="150000"/>
-              </a:lnSpc>
-            </a:pPr>
-            <a:r>
-              <a:rPr lang="en-US" altLang="zh-CN" dirty="0"/>
-              <a:t>PU</a:t>
-            </a:r>
-          </a:p>
-          <a:p>
-            <a:pPr lvl="1">
-              <a:lnSpc>
-                <a:spcPct val="150000"/>
-              </a:lnSpc>
-            </a:pPr>
-            <a:r>
-              <a:rPr lang="en-US" altLang="zh-CN" dirty="0"/>
-              <a:t>PD</a:t>
-            </a:r>
-          </a:p>
-          <a:p>
-            <a:pPr lvl="1">
-              <a:lnSpc>
-                <a:spcPct val="150000"/>
-              </a:lnSpc>
-            </a:pPr>
-            <a:r>
-              <a:rPr lang="en-US" altLang="zh-CN" dirty="0"/>
-              <a:t>SETX</a:t>
-            </a:r>
-          </a:p>
-          <a:p>
-            <a:pPr lvl="1">
-              <a:lnSpc>
-                <a:spcPct val="150000"/>
-              </a:lnSpc>
-            </a:pPr>
-            <a:r>
-              <a:rPr lang="en-US" altLang="zh-CN" dirty="0"/>
-              <a:t>SETY</a:t>
-            </a:r>
-          </a:p>
-          <a:p>
-            <a:pPr marL="0" indent="0">
-              <a:lnSpc>
-                <a:spcPct val="150000"/>
-              </a:lnSpc>
-              <a:buNone/>
-            </a:pPr>
-            <a:endParaRPr lang="en-US" altLang="zh-CN" dirty="0"/>
-          </a:p>
-        </p:txBody>
-      </p:sp>
-      <p:sp>
-        <p:nvSpPr>
-          <p:cNvPr id="3" name="标题 2"/>
-          <p:cNvSpPr>
-            <a:spLocks noGrp="1"/>
-          </p:cNvSpPr>
-          <p:nvPr>
-            <p:ph type="title"/>
-          </p:nvPr>
-        </p:nvSpPr>
-        <p:spPr/>
-        <p:txBody>
-          <a:bodyPr/>
-          <a:lstStyle/>
-          <a:p>
-            <a:r>
-              <a:rPr lang="en-US" altLang="zh-CN" dirty="0"/>
-              <a:t>My PC Logo </a:t>
-            </a:r>
-            <a:r>
-              <a:rPr lang="zh-CN" altLang="en-US" dirty="0"/>
-              <a:t>价值、特性及优点</a:t>
-            </a:r>
-          </a:p>
-        </p:txBody>
-      </p:sp>
-    </p:spTree>
-    <p:extLst>
-      <p:ext uri="{BB962C8B-B14F-4D97-AF65-F5344CB8AC3E}">
-        <p14:creationId xmlns:p14="http://schemas.microsoft.com/office/powerpoint/2010/main" val="1736351727"/>
-      </p:ext>
-    </p:extLst>
-  </p:cSld>
-  <p:clrMapOvr>
-    <a:masterClrMapping/>
-  </p:clrMapOvr>
-</p:sld>
-</file>
-
-<file path=ppt/slides/slide13.xml><?xml version="1.0" encoding="utf-8"?>
-<p:sld xmlns:a="http://schemas.openxmlformats.org/drawingml/2006/main" xmlns:r="http://schemas.openxmlformats.org/officeDocument/2006/relationships" xmlns:p="http://schemas.openxmlformats.org/presentationml/2006/main">
-  <p:cSld>
-    <p:spTree>
-      <p:nvGrpSpPr>
-        <p:cNvPr id="1" name=""/>
-        <p:cNvGrpSpPr/>
-        <p:nvPr/>
-      </p:nvGrpSpPr>
-      <p:grpSpPr>
-        <a:xfrm>
-          <a:off x="0" y="0"/>
-          <a:ext cx="0" cy="0"/>
-          <a:chOff x="0" y="0"/>
-          <a:chExt cx="0" cy="0"/>
-        </a:xfrm>
-      </p:grpSpPr>
-      <p:sp>
-        <p:nvSpPr>
-          <p:cNvPr id="4" name="内容占位符 3"/>
-          <p:cNvSpPr>
-            <a:spLocks noGrp="1"/>
-          </p:cNvSpPr>
-          <p:nvPr>
-            <p:ph sz="quarter" idx="10"/>
-          </p:nvPr>
-        </p:nvSpPr>
-        <p:spPr>
-          <a:xfrm>
-            <a:off x="494025" y="1685678"/>
-            <a:ext cx="7532375" cy="4921498"/>
-          </a:xfrm>
-        </p:spPr>
-        <p:txBody>
-          <a:bodyPr>
-            <a:normAutofit/>
-          </a:bodyPr>
-          <a:lstStyle/>
-          <a:p>
-            <a:pPr>
-              <a:lnSpc>
-                <a:spcPct val="150000"/>
-              </a:lnSpc>
-            </a:pPr>
-            <a:r>
-              <a:rPr lang="zh-CN" altLang="en-US" dirty="0"/>
-              <a:t>通过学习</a:t>
-            </a:r>
-            <a:r>
-              <a:rPr lang="en-US" altLang="zh-CN" dirty="0"/>
-              <a:t>Logo</a:t>
-            </a:r>
-            <a:r>
-              <a:rPr lang="zh-CN" altLang="en-US" dirty="0"/>
-              <a:t>编程，学习者能掌握简单的编程思想。</a:t>
-            </a:r>
-            <a:endParaRPr lang="en-US" altLang="zh-CN" dirty="0"/>
-          </a:p>
-          <a:p>
-            <a:pPr lvl="1">
-              <a:lnSpc>
-                <a:spcPct val="150000"/>
-              </a:lnSpc>
-            </a:pPr>
-            <a:r>
-              <a:rPr lang="en-US" altLang="zh-CN" dirty="0"/>
-              <a:t>1.</a:t>
-            </a:r>
-            <a:r>
-              <a:rPr lang="zh-CN" altLang="en-US" dirty="0"/>
-              <a:t> 循环（</a:t>
-            </a:r>
-            <a:r>
-              <a:rPr lang="en-US" altLang="zh-CN" dirty="0"/>
-              <a:t>repeat</a:t>
-            </a:r>
-            <a:r>
-              <a:rPr lang="zh-CN" altLang="en-US" dirty="0"/>
-              <a:t>指令）</a:t>
-            </a:r>
-            <a:endParaRPr lang="en-US" altLang="zh-CN" dirty="0"/>
-          </a:p>
-          <a:p>
-            <a:pPr lvl="1">
-              <a:lnSpc>
-                <a:spcPct val="150000"/>
-              </a:lnSpc>
-            </a:pPr>
-            <a:r>
-              <a:rPr lang="en-US" altLang="zh-CN" dirty="0"/>
-              <a:t>2. </a:t>
-            </a:r>
-            <a:r>
-              <a:rPr lang="zh-CN" altLang="en-US" dirty="0"/>
-              <a:t>函数（</a:t>
-            </a:r>
-            <a:r>
-              <a:rPr lang="en-US" altLang="zh-CN" dirty="0"/>
-              <a:t>My PC Logo</a:t>
-            </a:r>
-            <a:r>
-              <a:rPr lang="zh-CN" altLang="en-US" dirty="0"/>
-              <a:t>能定义函数）</a:t>
-            </a:r>
-            <a:endParaRPr lang="en-US" altLang="zh-CN" dirty="0"/>
-          </a:p>
-          <a:p>
-            <a:pPr lvl="1">
-              <a:lnSpc>
-                <a:spcPct val="150000"/>
-              </a:lnSpc>
-            </a:pPr>
-            <a:r>
-              <a:rPr lang="en-US" altLang="zh-CN" dirty="0"/>
-              <a:t>3. </a:t>
-            </a:r>
-            <a:r>
-              <a:rPr lang="zh-CN" altLang="en-US" dirty="0"/>
-              <a:t>函数的传参</a:t>
-            </a:r>
-            <a:endParaRPr lang="en-US" altLang="zh-CN" dirty="0"/>
-          </a:p>
-        </p:txBody>
-      </p:sp>
-      <p:sp>
-        <p:nvSpPr>
-          <p:cNvPr id="3" name="标题 2"/>
-          <p:cNvSpPr>
-            <a:spLocks noGrp="1"/>
-          </p:cNvSpPr>
-          <p:nvPr>
-            <p:ph type="title"/>
-          </p:nvPr>
-        </p:nvSpPr>
-        <p:spPr/>
-        <p:txBody>
-          <a:bodyPr/>
-          <a:lstStyle/>
-          <a:p>
-            <a:r>
-              <a:rPr lang="en-US" altLang="zh-CN" dirty="0"/>
-              <a:t>My PC Logo </a:t>
-            </a:r>
-            <a:r>
-              <a:rPr lang="zh-CN" altLang="en-US" dirty="0"/>
-              <a:t>价值、特性及优点</a:t>
-            </a:r>
-          </a:p>
-        </p:txBody>
-      </p:sp>
-    </p:spTree>
-    <p:extLst>
-      <p:ext uri="{BB962C8B-B14F-4D97-AF65-F5344CB8AC3E}">
-        <p14:creationId xmlns:p14="http://schemas.microsoft.com/office/powerpoint/2010/main" val="1441214000"/>
-      </p:ext>
-    </p:extLst>
-  </p:cSld>
-  <p:clrMapOvr>
-    <a:masterClrMapping/>
-  </p:clrMapOvr>
-</p:sld>
-</file>
-
-<file path=ppt/slides/slide14.xml><?xml version="1.0" encoding="utf-8"?>
+<file path=ppt/slides/slide11.xml><?xml version="1.0" encoding="utf-8"?>
 <p:sld xmlns:a="http://schemas.openxmlformats.org/drawingml/2006/main" xmlns:r="http://schemas.openxmlformats.org/officeDocument/2006/relationships" xmlns:p="http://schemas.openxmlformats.org/presentationml/2006/main">
   <p:cSld>
     <p:spTree>
@@ -30514,7 +29763,7 @@
           <a:lstStyle/>
           <a:p>
             <a:r>
-              <a:rPr lang="zh-CN" altLang="en-US" sz="2400" dirty="0" smtClean="0">
+              <a:rPr lang="zh-CN" altLang="en-US" sz="2400" dirty="0">
                 <a:solidFill>
                   <a:schemeClr val="tx1">
                     <a:lumMod val="75000"/>
@@ -30524,14 +29773,6 @@
               </a:rPr>
               <a:t>界面原型</a:t>
             </a:r>
-            <a:endParaRPr lang="zh-CN" altLang="en-US" sz="2400" dirty="0">
-              <a:solidFill>
-                <a:schemeClr val="tx1">
-                  <a:lumMod val="75000"/>
-                  <a:lumOff val="25000"/>
-                </a:schemeClr>
-              </a:solidFill>
-            </a:endParaRPr>
           </a:p>
         </p:txBody>
       </p:sp>
@@ -30774,7 +30015,7 @@
           <a:lstStyle/>
           <a:p>
             <a:r>
-              <a:rPr lang="zh-CN" altLang="en-US" sz="2400" dirty="0" smtClean="0">
+              <a:rPr lang="zh-CN" altLang="en-US" sz="2400" dirty="0">
                 <a:solidFill>
                   <a:schemeClr val="tx1">
                     <a:lumMod val="75000"/>
@@ -30784,14 +30025,6 @@
               </a:rPr>
               <a:t>软件价值</a:t>
             </a:r>
-            <a:endParaRPr lang="zh-CN" altLang="en-US" sz="2400" dirty="0">
-              <a:solidFill>
-                <a:schemeClr val="tx1">
-                  <a:lumMod val="75000"/>
-                  <a:lumOff val="25000"/>
-                </a:schemeClr>
-              </a:solidFill>
-            </a:endParaRPr>
           </a:p>
         </p:txBody>
       </p:sp>
@@ -31034,7 +30267,7 @@
           <a:lstStyle/>
           <a:p>
             <a:r>
-              <a:rPr lang="zh-CN" altLang="en-US" sz="2400" dirty="0" smtClean="0">
+              <a:rPr lang="zh-CN" altLang="en-US" sz="2400" dirty="0">
                 <a:solidFill>
                   <a:schemeClr val="tx1">
                     <a:lumMod val="75000"/>
@@ -31044,14 +30277,6 @@
               </a:rPr>
               <a:t>软件特性和优点</a:t>
             </a:r>
-            <a:endParaRPr lang="zh-CN" altLang="en-US" sz="2400" dirty="0">
-              <a:solidFill>
-                <a:schemeClr val="tx1">
-                  <a:lumMod val="75000"/>
-                  <a:lumOff val="25000"/>
-                </a:schemeClr>
-              </a:solidFill>
-            </a:endParaRPr>
           </a:p>
         </p:txBody>
       </p:sp>
@@ -31294,7 +30519,7 @@
           <a:lstStyle/>
           <a:p>
             <a:r>
-              <a:rPr lang="zh-CN" altLang="en-US" sz="2400" dirty="0" smtClean="0">
+              <a:rPr lang="zh-CN" altLang="en-US" sz="2400" dirty="0">
                 <a:solidFill>
                   <a:schemeClr val="tx1">
                     <a:lumMod val="75000"/>
@@ -31304,14 +30529,6 @@
               </a:rPr>
               <a:t>迭代评估</a:t>
             </a:r>
-            <a:endParaRPr lang="zh-CN" altLang="en-US" sz="2400" dirty="0">
-              <a:solidFill>
-                <a:schemeClr val="tx1">
-                  <a:lumMod val="75000"/>
-                  <a:lumOff val="25000"/>
-                </a:schemeClr>
-              </a:solidFill>
-            </a:endParaRPr>
           </a:p>
         </p:txBody>
       </p:sp>
@@ -31362,6 +30579,462 @@
     <p:extLst>
       <p:ext uri="{BB962C8B-B14F-4D97-AF65-F5344CB8AC3E}">
         <p14:creationId xmlns:p14="http://schemas.microsoft.com/office/powerpoint/2010/main" val="2473960281"/>
+      </p:ext>
+    </p:extLst>
+  </p:cSld>
+  <p:clrMapOvr>
+    <a:masterClrMapping/>
+  </p:clrMapOvr>
+</p:sld>
+</file>
+
+<file path=ppt/slides/slide12.xml><?xml version="1.0" encoding="utf-8"?>
+<p:sld xmlns:a="http://schemas.openxmlformats.org/drawingml/2006/main" xmlns:r="http://schemas.openxmlformats.org/officeDocument/2006/relationships" xmlns:p="http://schemas.openxmlformats.org/presentationml/2006/main">
+  <p:cSld>
+    <p:spTree>
+      <p:nvGrpSpPr>
+        <p:cNvPr id="1" name=""/>
+        <p:cNvGrpSpPr/>
+        <p:nvPr/>
+      </p:nvGrpSpPr>
+      <p:grpSpPr>
+        <a:xfrm>
+          <a:off x="0" y="0"/>
+          <a:ext cx="0" cy="0"/>
+          <a:chOff x="0" y="0"/>
+          <a:chExt cx="0" cy="0"/>
+        </a:xfrm>
+      </p:grpSpPr>
+      <p:sp>
+        <p:nvSpPr>
+          <p:cNvPr id="4" name="内容占位符 3"/>
+          <p:cNvSpPr>
+            <a:spLocks noGrp="1"/>
+          </p:cNvSpPr>
+          <p:nvPr>
+            <p:ph sz="quarter" idx="10"/>
+          </p:nvPr>
+        </p:nvSpPr>
+        <p:spPr>
+          <a:xfrm>
+            <a:off x="494025" y="1685678"/>
+            <a:ext cx="7532375" cy="4921498"/>
+          </a:xfrm>
+        </p:spPr>
+        <p:txBody>
+          <a:bodyPr>
+            <a:normAutofit/>
+          </a:bodyPr>
+          <a:lstStyle/>
+          <a:p>
+            <a:pPr lvl="1">
+              <a:lnSpc>
+                <a:spcPct val="150000"/>
+              </a:lnSpc>
+            </a:pPr>
+            <a:r>
+              <a:rPr lang="zh-CN" altLang="en-US" sz="2000" dirty="0"/>
+              <a:t>将抽象的程序变成容易理解的图像运动，编程语言简单容易理解。</a:t>
+            </a:r>
+            <a:endParaRPr lang="en-US" altLang="zh-CN" sz="2000" dirty="0"/>
+          </a:p>
+          <a:p>
+            <a:pPr lvl="1">
+              <a:lnSpc>
+                <a:spcPct val="150000"/>
+              </a:lnSpc>
+            </a:pPr>
+            <a:endParaRPr lang="en-US" altLang="zh-CN" sz="2000" dirty="0"/>
+          </a:p>
+          <a:p>
+            <a:pPr lvl="1">
+              <a:lnSpc>
+                <a:spcPct val="150000"/>
+              </a:lnSpc>
+            </a:pPr>
+            <a:endParaRPr lang="en-US" altLang="zh-CN" dirty="0"/>
+          </a:p>
+          <a:p>
+            <a:pPr lvl="1">
+              <a:lnSpc>
+                <a:spcPct val="150000"/>
+              </a:lnSpc>
+            </a:pPr>
+            <a:endParaRPr lang="en-US" altLang="zh-CN" dirty="0"/>
+          </a:p>
+          <a:p>
+            <a:pPr lvl="1">
+              <a:lnSpc>
+                <a:spcPct val="150000"/>
+              </a:lnSpc>
+            </a:pPr>
+            <a:endParaRPr lang="en-US" altLang="zh-CN" dirty="0"/>
+          </a:p>
+          <a:p>
+            <a:pPr lvl="1">
+              <a:lnSpc>
+                <a:spcPct val="150000"/>
+              </a:lnSpc>
+            </a:pPr>
+            <a:endParaRPr lang="en-US" altLang="zh-CN" dirty="0"/>
+          </a:p>
+          <a:p>
+            <a:pPr lvl="1">
+              <a:lnSpc>
+                <a:spcPct val="150000"/>
+              </a:lnSpc>
+            </a:pPr>
+            <a:endParaRPr lang="en-US" altLang="zh-CN" dirty="0"/>
+          </a:p>
+          <a:p>
+            <a:pPr marL="457200" lvl="1" indent="0">
+              <a:lnSpc>
+                <a:spcPct val="150000"/>
+              </a:lnSpc>
+              <a:buNone/>
+            </a:pPr>
+            <a:endParaRPr lang="en-US" altLang="zh-CN" dirty="0"/>
+          </a:p>
+          <a:p>
+            <a:pPr lvl="1">
+              <a:lnSpc>
+                <a:spcPct val="150000"/>
+              </a:lnSpc>
+            </a:pPr>
+            <a:endParaRPr lang="en-US" altLang="zh-CN" dirty="0"/>
+          </a:p>
+          <a:p>
+            <a:pPr lvl="1">
+              <a:lnSpc>
+                <a:spcPct val="150000"/>
+              </a:lnSpc>
+            </a:pPr>
+            <a:endParaRPr lang="en-US" altLang="zh-CN" dirty="0"/>
+          </a:p>
+          <a:p>
+            <a:pPr marL="0" indent="0">
+              <a:lnSpc>
+                <a:spcPct val="150000"/>
+              </a:lnSpc>
+              <a:buNone/>
+            </a:pPr>
+            <a:endParaRPr lang="en-US" altLang="zh-CN" dirty="0"/>
+          </a:p>
+        </p:txBody>
+      </p:sp>
+      <p:sp>
+        <p:nvSpPr>
+          <p:cNvPr id="3" name="标题 2"/>
+          <p:cNvSpPr>
+            <a:spLocks noGrp="1"/>
+          </p:cNvSpPr>
+          <p:nvPr>
+            <p:ph type="title"/>
+          </p:nvPr>
+        </p:nvSpPr>
+        <p:spPr/>
+        <p:txBody>
+          <a:bodyPr/>
+          <a:lstStyle/>
+          <a:p>
+            <a:r>
+              <a:rPr lang="en-US" altLang="zh-CN" dirty="0"/>
+              <a:t>My PC Logo </a:t>
+            </a:r>
+            <a:r>
+              <a:rPr lang="zh-CN" altLang="en-US" dirty="0"/>
+              <a:t>特性及优点</a:t>
+            </a:r>
+          </a:p>
+        </p:txBody>
+      </p:sp>
+      <p:pic>
+        <p:nvPicPr>
+          <p:cNvPr id="7" name="图片 6">
+            <a:extLst>
+              <a:ext uri="{FF2B5EF4-FFF2-40B4-BE49-F238E27FC236}">
+                <a16:creationId xmlns:a16="http://schemas.microsoft.com/office/drawing/2014/main" id="{A5B3710C-3A4E-468D-8B3C-4906D2EDDE24}"/>
+              </a:ext>
+            </a:extLst>
+          </p:cNvPr>
+          <p:cNvPicPr>
+            <a:picLocks noChangeAspect="1"/>
+          </p:cNvPicPr>
+          <p:nvPr/>
+        </p:nvPicPr>
+        <p:blipFill rotWithShape="1">
+          <a:blip r:embed="rId2"/>
+          <a:srcRect l="10854" t="13451" r="10844" b="13505"/>
+          <a:stretch/>
+        </p:blipFill>
+        <p:spPr>
+          <a:xfrm>
+            <a:off x="1117600" y="3042819"/>
+            <a:ext cx="2565401" cy="2476500"/>
+          </a:xfrm>
+          <a:prstGeom prst="rect">
+            <a:avLst/>
+          </a:prstGeom>
+        </p:spPr>
+      </p:pic>
+    </p:spTree>
+    <p:extLst>
+      <p:ext uri="{BB962C8B-B14F-4D97-AF65-F5344CB8AC3E}">
+        <p14:creationId xmlns:p14="http://schemas.microsoft.com/office/powerpoint/2010/main" val="233054111"/>
+      </p:ext>
+    </p:extLst>
+  </p:cSld>
+  <p:clrMapOvr>
+    <a:masterClrMapping/>
+  </p:clrMapOvr>
+</p:sld>
+</file>
+
+<file path=ppt/slides/slide13.xml><?xml version="1.0" encoding="utf-8"?>
+<p:sld xmlns:a="http://schemas.openxmlformats.org/drawingml/2006/main" xmlns:r="http://schemas.openxmlformats.org/officeDocument/2006/relationships" xmlns:p="http://schemas.openxmlformats.org/presentationml/2006/main">
+  <p:cSld>
+    <p:spTree>
+      <p:nvGrpSpPr>
+        <p:cNvPr id="1" name=""/>
+        <p:cNvGrpSpPr/>
+        <p:nvPr/>
+      </p:nvGrpSpPr>
+      <p:grpSpPr>
+        <a:xfrm>
+          <a:off x="0" y="0"/>
+          <a:ext cx="0" cy="0"/>
+          <a:chOff x="0" y="0"/>
+          <a:chExt cx="0" cy="0"/>
+        </a:xfrm>
+      </p:grpSpPr>
+      <p:sp>
+        <p:nvSpPr>
+          <p:cNvPr id="4" name="内容占位符 3"/>
+          <p:cNvSpPr>
+            <a:spLocks noGrp="1"/>
+          </p:cNvSpPr>
+          <p:nvPr>
+            <p:ph sz="quarter" idx="10"/>
+          </p:nvPr>
+        </p:nvSpPr>
+        <p:spPr>
+          <a:xfrm>
+            <a:off x="494025" y="1685678"/>
+            <a:ext cx="7532375" cy="4921498"/>
+          </a:xfrm>
+        </p:spPr>
+        <p:txBody>
+          <a:bodyPr>
+            <a:normAutofit/>
+          </a:bodyPr>
+          <a:lstStyle/>
+          <a:p>
+            <a:pPr>
+              <a:lnSpc>
+                <a:spcPct val="150000"/>
+              </a:lnSpc>
+            </a:pPr>
+            <a:r>
+              <a:rPr lang="zh-CN" altLang="en-US" dirty="0"/>
+              <a:t>界面卡通，迎合少儿喜好，有助于减少抵触，提起学习的兴趣。</a:t>
+            </a:r>
+            <a:endParaRPr lang="en-US" altLang="zh-CN" dirty="0"/>
+          </a:p>
+        </p:txBody>
+      </p:sp>
+      <p:sp>
+        <p:nvSpPr>
+          <p:cNvPr id="3" name="标题 2"/>
+          <p:cNvSpPr>
+            <a:spLocks noGrp="1"/>
+          </p:cNvSpPr>
+          <p:nvPr>
+            <p:ph type="title"/>
+          </p:nvPr>
+        </p:nvSpPr>
+        <p:spPr/>
+        <p:txBody>
+          <a:bodyPr/>
+          <a:lstStyle/>
+          <a:p>
+            <a:r>
+              <a:rPr lang="en-US" altLang="zh-CN" dirty="0"/>
+              <a:t>My PC Logo </a:t>
+            </a:r>
+            <a:r>
+              <a:rPr lang="zh-CN" altLang="en-US" dirty="0"/>
+              <a:t>特性及优点</a:t>
+            </a:r>
+          </a:p>
+        </p:txBody>
+      </p:sp>
+      <p:pic>
+        <p:nvPicPr>
+          <p:cNvPr id="5" name="内容占位符 6">
+            <a:extLst>
+              <a:ext uri="{FF2B5EF4-FFF2-40B4-BE49-F238E27FC236}">
+                <a16:creationId xmlns:a16="http://schemas.microsoft.com/office/drawing/2014/main" id="{5367A4E9-967A-4C06-96D6-578656754E86}"/>
+              </a:ext>
+            </a:extLst>
+          </p:cNvPr>
+          <p:cNvPicPr>
+            <a:picLocks noChangeAspect="1"/>
+          </p:cNvPicPr>
+          <p:nvPr/>
+        </p:nvPicPr>
+        <p:blipFill>
+          <a:blip r:embed="rId2">
+            <a:extLst>
+              <a:ext uri="{28A0092B-C50C-407E-A947-70E740481C1C}">
+                <a14:useLocalDpi xmlns:a14="http://schemas.microsoft.com/office/drawing/2010/main" val="0"/>
+              </a:ext>
+            </a:extLst>
+          </a:blip>
+          <a:stretch>
+            <a:fillRect/>
+          </a:stretch>
+        </p:blipFill>
+        <p:spPr>
+          <a:xfrm>
+            <a:off x="385762" y="2471781"/>
+            <a:ext cx="8372475" cy="4054623"/>
+          </a:xfrm>
+          <a:prstGeom prst="rect">
+            <a:avLst/>
+          </a:prstGeom>
+        </p:spPr>
+      </p:pic>
+    </p:spTree>
+    <p:extLst>
+      <p:ext uri="{BB962C8B-B14F-4D97-AF65-F5344CB8AC3E}">
+        <p14:creationId xmlns:p14="http://schemas.microsoft.com/office/powerpoint/2010/main" val="3537327373"/>
+      </p:ext>
+    </p:extLst>
+  </p:cSld>
+  <p:clrMapOvr>
+    <a:masterClrMapping/>
+  </p:clrMapOvr>
+</p:sld>
+</file>
+
+<file path=ppt/slides/slide14.xml><?xml version="1.0" encoding="utf-8"?>
+<p:sld xmlns:a="http://schemas.openxmlformats.org/drawingml/2006/main" xmlns:r="http://schemas.openxmlformats.org/officeDocument/2006/relationships" xmlns:p="http://schemas.openxmlformats.org/presentationml/2006/main">
+  <p:cSld>
+    <p:spTree>
+      <p:nvGrpSpPr>
+        <p:cNvPr id="1" name=""/>
+        <p:cNvGrpSpPr/>
+        <p:nvPr/>
+      </p:nvGrpSpPr>
+      <p:grpSpPr>
+        <a:xfrm>
+          <a:off x="0" y="0"/>
+          <a:ext cx="0" cy="0"/>
+          <a:chOff x="0" y="0"/>
+          <a:chExt cx="0" cy="0"/>
+        </a:xfrm>
+      </p:grpSpPr>
+      <p:sp>
+        <p:nvSpPr>
+          <p:cNvPr id="4" name="内容占位符 3"/>
+          <p:cNvSpPr>
+            <a:spLocks noGrp="1"/>
+          </p:cNvSpPr>
+          <p:nvPr>
+            <p:ph sz="quarter" idx="10"/>
+          </p:nvPr>
+        </p:nvSpPr>
+        <p:spPr>
+          <a:xfrm>
+            <a:off x="494025" y="1685678"/>
+            <a:ext cx="8133781" cy="4921498"/>
+          </a:xfrm>
+        </p:spPr>
+        <p:txBody>
+          <a:bodyPr>
+            <a:normAutofit/>
+          </a:bodyPr>
+          <a:lstStyle/>
+          <a:p>
+            <a:pPr>
+              <a:lnSpc>
+                <a:spcPct val="150000"/>
+              </a:lnSpc>
+            </a:pPr>
+            <a:r>
+              <a:rPr lang="zh-CN" altLang="en-US" dirty="0"/>
+              <a:t>游戏式的关卡设计，寓教于乐。让少儿在游戏中逐渐步入编程的世界</a:t>
+            </a:r>
+            <a:endParaRPr lang="en-US" altLang="zh-CN" dirty="0"/>
+          </a:p>
+        </p:txBody>
+      </p:sp>
+      <p:sp>
+        <p:nvSpPr>
+          <p:cNvPr id="3" name="标题 2"/>
+          <p:cNvSpPr>
+            <a:spLocks noGrp="1"/>
+          </p:cNvSpPr>
+          <p:nvPr>
+            <p:ph type="title"/>
+          </p:nvPr>
+        </p:nvSpPr>
+        <p:spPr/>
+        <p:txBody>
+          <a:bodyPr/>
+          <a:lstStyle/>
+          <a:p>
+            <a:r>
+              <a:rPr lang="en-US" altLang="zh-CN" dirty="0"/>
+              <a:t>My PC Logo </a:t>
+            </a:r>
+            <a:r>
+              <a:rPr lang="zh-CN" altLang="en-US" dirty="0"/>
+              <a:t>特性及优点</a:t>
+            </a:r>
+          </a:p>
+        </p:txBody>
+      </p:sp>
+      <p:pic>
+        <p:nvPicPr>
+          <p:cNvPr id="5" name="图片 4">
+            <a:extLst>
+              <a:ext uri="{FF2B5EF4-FFF2-40B4-BE49-F238E27FC236}">
+                <a16:creationId xmlns:a16="http://schemas.microsoft.com/office/drawing/2014/main" id="{71AE1A78-EB5E-4EA1-BD8C-C741A739992B}"/>
+              </a:ext>
+            </a:extLst>
+          </p:cNvPr>
+          <p:cNvPicPr>
+            <a:picLocks noChangeAspect="1"/>
+          </p:cNvPicPr>
+          <p:nvPr/>
+        </p:nvPicPr>
+        <p:blipFill>
+          <a:blip r:embed="rId2" cstate="print">
+            <a:extLst>
+              <a:ext uri="{28A0092B-C50C-407E-A947-70E740481C1C}">
+                <a14:useLocalDpi xmlns:a14="http://schemas.microsoft.com/office/drawing/2010/main" val="0"/>
+              </a:ext>
+            </a:extLst>
+          </a:blip>
+          <a:stretch>
+            <a:fillRect/>
+          </a:stretch>
+        </p:blipFill>
+        <p:spPr>
+          <a:xfrm>
+            <a:off x="851005" y="2313328"/>
+            <a:ext cx="7441989" cy="4293848"/>
+          </a:xfrm>
+          <a:prstGeom prst="rect">
+            <a:avLst/>
+          </a:prstGeom>
+        </p:spPr>
+      </p:pic>
+    </p:spTree>
+    <p:extLst>
+      <p:ext uri="{BB962C8B-B14F-4D97-AF65-F5344CB8AC3E}">
+        <p14:creationId xmlns:p14="http://schemas.microsoft.com/office/powerpoint/2010/main" val="1736351727"/>
       </p:ext>
     </p:extLst>
   </p:cSld>
@@ -31416,8 +31089,8 @@
               </a:lnSpc>
             </a:pPr>
             <a:r>
-              <a:rPr lang="zh-CN" altLang="en-US" dirty="0" smtClean="0"/>
-              <a:t>本产品采用命令行输入指令的形式，控制小海龟在屏幕上移动，绘制出简单的几何图案。目前除了基本的</a:t>
+              <a:rPr lang="zh-CN" altLang="en-US" dirty="0"/>
+              <a:t>自由绘图和多人在线合作功能为用户提供多样化的服务。</a:t>
             </a:r>
             <a:endParaRPr lang="en-US" altLang="zh-CN" dirty="0"/>
           </a:p>
@@ -31439,25 +31112,20 @@
           <a:lstStyle/>
           <a:p>
             <a:r>
-              <a:rPr lang="zh-CN" altLang="en-US" dirty="0" smtClean="0"/>
-              <a:t>软件特性</a:t>
+              <a:rPr lang="en-US" altLang="zh-CN" dirty="0"/>
+              <a:t>My PC Logo </a:t>
             </a:r>
             <a:r>
               <a:rPr lang="zh-CN" altLang="en-US" dirty="0"/>
-              <a:t>和</a:t>
-            </a:r>
-            <a:r>
-              <a:rPr lang="zh-CN" altLang="en-US" dirty="0" smtClean="0"/>
-              <a:t>优点</a:t>
-            </a:r>
-            <a:endParaRPr lang="zh-CN" altLang="en-US" dirty="0"/>
+              <a:t>价值、特性及优点</a:t>
+            </a:r>
           </a:p>
         </p:txBody>
       </p:sp>
     </p:spTree>
     <p:extLst>
       <p:ext uri="{BB962C8B-B14F-4D97-AF65-F5344CB8AC3E}">
-        <p14:creationId xmlns:p14="http://schemas.microsoft.com/office/powerpoint/2010/main" val="2244075124"/>
+        <p14:creationId xmlns:p14="http://schemas.microsoft.com/office/powerpoint/2010/main" val="1441214000"/>
       </p:ext>
     </p:extLst>
   </p:cSld>
@@ -31763,7 +31431,7 @@
           <a:lstStyle/>
           <a:p>
             <a:r>
-              <a:rPr lang="zh-CN" altLang="en-US" sz="2400" dirty="0" smtClean="0">
+              <a:rPr lang="zh-CN" altLang="en-US" sz="2400" dirty="0">
                 <a:solidFill>
                   <a:schemeClr val="tx1">
                     <a:lumMod val="75000"/>
@@ -31773,14 +31441,6 @@
               </a:rPr>
               <a:t>界面原型</a:t>
             </a:r>
-            <a:endParaRPr lang="zh-CN" altLang="en-US" sz="2400" dirty="0">
-              <a:solidFill>
-                <a:schemeClr val="tx1">
-                  <a:lumMod val="75000"/>
-                  <a:lumOff val="25000"/>
-                </a:schemeClr>
-              </a:solidFill>
-            </a:endParaRPr>
           </a:p>
         </p:txBody>
       </p:sp>
@@ -32023,7 +31683,7 @@
           <a:lstStyle/>
           <a:p>
             <a:r>
-              <a:rPr lang="zh-CN" altLang="en-US" sz="2400" dirty="0" smtClean="0">
+              <a:rPr lang="zh-CN" altLang="en-US" sz="2400" dirty="0">
                 <a:solidFill>
                   <a:schemeClr val="tx1">
                     <a:lumMod val="75000"/>
@@ -32033,14 +31693,6 @@
               </a:rPr>
               <a:t>软件价值</a:t>
             </a:r>
-            <a:endParaRPr lang="zh-CN" altLang="en-US" sz="2400" dirty="0">
-              <a:solidFill>
-                <a:schemeClr val="tx1">
-                  <a:lumMod val="75000"/>
-                  <a:lumOff val="25000"/>
-                </a:schemeClr>
-              </a:solidFill>
-            </a:endParaRPr>
           </a:p>
         </p:txBody>
       </p:sp>
@@ -32283,7 +31935,7 @@
           <a:lstStyle/>
           <a:p>
             <a:r>
-              <a:rPr lang="zh-CN" altLang="en-US" sz="2400" dirty="0" smtClean="0">
+              <a:rPr lang="zh-CN" altLang="en-US" sz="2400" dirty="0">
                 <a:solidFill>
                   <a:schemeClr val="tx1">
                     <a:lumMod val="75000"/>
@@ -32293,14 +31945,6 @@
               </a:rPr>
               <a:t>软件特性和优点</a:t>
             </a:r>
-            <a:endParaRPr lang="zh-CN" altLang="en-US" sz="2400" dirty="0">
-              <a:solidFill>
-                <a:schemeClr val="tx1">
-                  <a:lumMod val="75000"/>
-                  <a:lumOff val="25000"/>
-                </a:schemeClr>
-              </a:solidFill>
-            </a:endParaRPr>
           </a:p>
         </p:txBody>
       </p:sp>
@@ -32543,7 +32187,7 @@
           <a:lstStyle/>
           <a:p>
             <a:r>
-              <a:rPr lang="zh-CN" altLang="en-US" sz="2400" dirty="0" smtClean="0">
+              <a:rPr lang="zh-CN" altLang="en-US" sz="2400" dirty="0">
                 <a:solidFill>
                   <a:schemeClr val="tx1">
                     <a:lumMod val="75000"/>
@@ -32553,14 +32197,6 @@
               </a:rPr>
               <a:t>迭代评估</a:t>
             </a:r>
-            <a:endParaRPr lang="zh-CN" altLang="en-US" sz="2400" dirty="0">
-              <a:solidFill>
-                <a:schemeClr val="tx1">
-                  <a:lumMod val="75000"/>
-                  <a:lumOff val="25000"/>
-                </a:schemeClr>
-              </a:solidFill>
-            </a:endParaRPr>
           </a:p>
         </p:txBody>
       </p:sp>
@@ -32663,16 +32299,12 @@
               <a:buNone/>
             </a:pPr>
             <a:r>
-              <a:rPr lang="en-US" altLang="zh-CN" dirty="0" smtClean="0"/>
+              <a:rPr lang="en-US" altLang="zh-CN" dirty="0"/>
               <a:t>1. </a:t>
             </a:r>
             <a:r>
-              <a:rPr lang="zh-CN" altLang="zh-CN" dirty="0" smtClean="0"/>
-              <a:t>完成</a:t>
-            </a:r>
-            <a:r>
               <a:rPr lang="zh-CN" altLang="zh-CN" dirty="0"/>
-              <a:t>了本次迭代的迭代计划、</a:t>
+              <a:t>完成了本次迭代的迭代计划、</a:t>
             </a:r>
             <a:r>
               <a:rPr lang="en-US" altLang="zh-CN" dirty="0"/>
@@ -32680,29 +32312,20 @@
             </a:r>
             <a:r>
               <a:rPr lang="zh-CN" altLang="zh-CN" dirty="0"/>
-              <a:t>文档、用例模型、软件需求规约文档和界面</a:t>
-            </a:r>
-            <a:r>
-              <a:rPr lang="zh-CN" altLang="zh-CN" dirty="0" smtClean="0"/>
-              <a:t>原型</a:t>
-            </a:r>
-            <a:endParaRPr lang="zh-CN" altLang="zh-CN" dirty="0"/>
+              <a:t>文档、用例模型、软件需求规约文档和界面原型</a:t>
+            </a:r>
           </a:p>
           <a:p>
             <a:pPr marL="0" indent="0">
               <a:buNone/>
             </a:pPr>
             <a:r>
-              <a:rPr lang="en-US" altLang="zh-CN" dirty="0" smtClean="0"/>
+              <a:rPr lang="en-US" altLang="zh-CN" dirty="0"/>
               <a:t>2. </a:t>
             </a:r>
             <a:r>
-              <a:rPr lang="zh-CN" altLang="zh-CN" dirty="0" smtClean="0"/>
-              <a:t>实现</a:t>
-            </a:r>
-            <a:r>
               <a:rPr lang="zh-CN" altLang="zh-CN" dirty="0"/>
-              <a:t>了</a:t>
+              <a:t>实现了</a:t>
             </a:r>
             <a:r>
               <a:rPr lang="en-US" altLang="zh-CN" dirty="0"/>
@@ -32710,11 +32333,7 @@
             </a:r>
             <a:r>
               <a:rPr lang="zh-CN" altLang="zh-CN" dirty="0"/>
-              <a:t>的界面原型，已经能够进行简单的命令行绘图</a:t>
-            </a:r>
-            <a:r>
-              <a:rPr lang="zh-CN" altLang="zh-CN" dirty="0" smtClean="0"/>
-              <a:t>操作</a:t>
+              <a:t>的界面原型，已经能够进行简单的命令行绘图操作</a:t>
             </a:r>
             <a:endParaRPr lang="en-US" altLang="zh-CN" dirty="0"/>
           </a:p>
@@ -32723,23 +32342,23 @@
               <a:buNone/>
             </a:pPr>
             <a:r>
-              <a:rPr lang="zh-CN" altLang="en-US" dirty="0" smtClean="0"/>
+              <a:rPr lang="zh-CN" altLang="en-US" dirty="0"/>
               <a:t>      </a:t>
             </a:r>
             <a:r>
-              <a:rPr lang="zh-CN" altLang="en-US" sz="1600" dirty="0" smtClean="0"/>
+              <a:rPr lang="zh-CN" altLang="en-US" sz="1600" dirty="0"/>
               <a:t>画布绘图的</a:t>
             </a:r>
             <a:r>
-              <a:rPr lang="zh-CN" altLang="zh-CN" sz="1600" dirty="0" smtClean="0"/>
+              <a:rPr lang="zh-CN" altLang="zh-CN" sz="1600" dirty="0"/>
               <a:t>五个</a:t>
             </a:r>
             <a:r>
-              <a:rPr lang="zh-CN" altLang="en-US" sz="1600" dirty="0" smtClean="0"/>
+              <a:rPr lang="zh-CN" altLang="en-US" sz="1600" dirty="0"/>
               <a:t>操作：</a:t>
             </a:r>
             <a:r>
-              <a:rPr lang="en-US" altLang="zh-CN" sz="1600" dirty="0" smtClean="0"/>
+              <a:rPr lang="en-US" altLang="zh-CN" sz="1600" dirty="0"/>
               <a:t>FD</a:t>
             </a:r>
             <a:r>
@@ -32771,7 +32390,7 @@
               <a:t>和</a:t>
             </a:r>
             <a:r>
-              <a:rPr lang="en-US" altLang="zh-CN" sz="1600" dirty="0" smtClean="0"/>
+              <a:rPr lang="en-US" altLang="zh-CN" sz="1600" dirty="0"/>
               <a:t>CLEAN</a:t>
             </a:r>
           </a:p>
@@ -32780,19 +32399,19 @@
               <a:buNone/>
             </a:pPr>
             <a:r>
-              <a:rPr lang="zh-CN" altLang="en-US" sz="1600" dirty="0" smtClean="0"/>
+              <a:rPr lang="zh-CN" altLang="en-US" sz="1600" dirty="0"/>
               <a:t>       两个控制提笔、落笔的命令：</a:t>
             </a:r>
             <a:r>
-              <a:rPr lang="en-US" altLang="zh-CN" sz="1600" dirty="0" smtClean="0"/>
+              <a:rPr lang="en-US" altLang="zh-CN" sz="1600" dirty="0"/>
               <a:t>PU</a:t>
             </a:r>
             <a:r>
-              <a:rPr lang="zh-CN" altLang="en-US" sz="1600" dirty="0" smtClean="0"/>
+              <a:rPr lang="zh-CN" altLang="en-US" sz="1600" dirty="0"/>
               <a:t>、</a:t>
             </a:r>
             <a:r>
-              <a:rPr lang="en-US" altLang="zh-CN" sz="1600" dirty="0" smtClean="0"/>
+              <a:rPr lang="en-US" altLang="zh-CN" sz="1600" dirty="0"/>
               <a:t>PD</a:t>
             </a:r>
           </a:p>
@@ -32801,50 +32420,50 @@
               <a:buNone/>
             </a:pPr>
             <a:r>
-              <a:rPr lang="zh-CN" altLang="en-US" sz="1600" dirty="0" smtClean="0"/>
+              <a:rPr lang="zh-CN" altLang="en-US" sz="1600" dirty="0"/>
               <a:t>       设置和获取画笔属性的命令：</a:t>
             </a:r>
             <a:r>
-              <a:rPr lang="en-US" altLang="zh-CN" sz="1600" dirty="0" smtClean="0"/>
+              <a:rPr lang="en-US" altLang="zh-CN" sz="1600" dirty="0"/>
               <a:t> SETX</a:t>
-            </a:r>
-            <a:r>
-              <a:rPr lang="zh-CN" altLang="en-US" sz="1600" dirty="0" smtClean="0"/>
-              <a:t>、</a:t>
-            </a:r>
-            <a:r>
-              <a:rPr lang="en-US" altLang="zh-CN" sz="1600" dirty="0" smtClean="0"/>
-              <a:t>SETY</a:t>
-            </a:r>
-            <a:r>
-              <a:rPr lang="zh-CN" altLang="en-US" sz="1600" dirty="0" smtClean="0"/>
-              <a:t>、</a:t>
-            </a:r>
-            <a:r>
-              <a:rPr lang="en-US" altLang="zh-CN" sz="1600" dirty="0" smtClean="0"/>
-              <a:t> SETXY</a:t>
-            </a:r>
-            <a:r>
-              <a:rPr lang="zh-CN" altLang="en-US" sz="1600" dirty="0" smtClean="0"/>
-              <a:t>、</a:t>
-            </a:r>
-            <a:r>
-              <a:rPr lang="en-US" altLang="zh-CN" sz="1600" dirty="0" smtClean="0"/>
-              <a:t> SETH</a:t>
             </a:r>
             <a:r>
               <a:rPr lang="zh-CN" altLang="en-US" sz="1600" dirty="0"/>
               <a:t>、</a:t>
             </a:r>
             <a:r>
-              <a:rPr lang="en-US" altLang="zh-CN" sz="1600" dirty="0" smtClean="0"/>
+              <a:rPr lang="en-US" altLang="zh-CN" sz="1600" dirty="0"/>
+              <a:t>SETY</a:t>
+            </a:r>
+            <a:r>
+              <a:rPr lang="zh-CN" altLang="en-US" sz="1600" dirty="0"/>
+              <a:t>、</a:t>
+            </a:r>
+            <a:r>
+              <a:rPr lang="en-US" altLang="zh-CN" sz="1600" dirty="0"/>
+              <a:t> SETXY</a:t>
+            </a:r>
+            <a:r>
+              <a:rPr lang="zh-CN" altLang="en-US" sz="1600" dirty="0"/>
+              <a:t>、</a:t>
+            </a:r>
+            <a:r>
+              <a:rPr lang="en-US" altLang="zh-CN" sz="1600" dirty="0"/>
+              <a:t> SETH</a:t>
+            </a:r>
+            <a:r>
+              <a:rPr lang="zh-CN" altLang="en-US" sz="1600" dirty="0"/>
+              <a:t>、</a:t>
+            </a:r>
+            <a:r>
+              <a:rPr lang="en-US" altLang="zh-CN" sz="1600" dirty="0"/>
               <a:t>XCOR</a:t>
             </a:r>
             <a:r>
-              <a:rPr lang="zh-CN" altLang="en-US" sz="1600" dirty="0" smtClean="0"/>
+              <a:rPr lang="zh-CN" altLang="en-US" sz="1600" dirty="0"/>
               <a:t>、</a:t>
             </a:r>
-            <a:endParaRPr lang="en-US" altLang="zh-CN" sz="1600" dirty="0" smtClean="0"/>
+            <a:endParaRPr lang="en-US" altLang="zh-CN" sz="1600" dirty="0"/>
           </a:p>
           <a:p>
             <a:pPr marL="0" indent="0">
@@ -32852,52 +32471,40 @@
             </a:pPr>
             <a:r>
               <a:rPr lang="en-US" altLang="zh-CN" sz="1600" dirty="0"/>
-              <a:t> </a:t>
-            </a:r>
-            <a:r>
-              <a:rPr lang="en-US" altLang="zh-CN" sz="1600" dirty="0" smtClean="0"/>
-              <a:t>      YCOR</a:t>
-            </a:r>
-            <a:r>
-              <a:rPr lang="zh-CN" altLang="en-US" sz="1600" dirty="0" smtClean="0"/>
+              <a:t>       YCOR</a:t>
+            </a:r>
+            <a:r>
+              <a:rPr lang="zh-CN" altLang="en-US" sz="1600" dirty="0"/>
               <a:t>、</a:t>
             </a:r>
             <a:r>
-              <a:rPr lang="en-US" altLang="zh-CN" sz="1600" dirty="0" smtClean="0"/>
+              <a:rPr lang="en-US" altLang="zh-CN" sz="1600" dirty="0"/>
               <a:t> GETXY</a:t>
             </a:r>
             <a:r>
-              <a:rPr lang="zh-CN" altLang="en-US" sz="1600" dirty="0" smtClean="0"/>
+              <a:rPr lang="zh-CN" altLang="en-US" sz="1600" dirty="0"/>
               <a:t>、</a:t>
             </a:r>
             <a:r>
-              <a:rPr lang="en-US" altLang="zh-CN" sz="1600" dirty="0" smtClean="0"/>
+              <a:rPr lang="en-US" altLang="zh-CN" sz="1600" dirty="0"/>
               <a:t>HEADING</a:t>
             </a:r>
-            <a:endParaRPr lang="zh-CN" altLang="zh-CN" sz="1600" dirty="0" smtClean="0"/>
+            <a:endParaRPr lang="zh-CN" altLang="zh-CN" sz="1600" dirty="0"/>
           </a:p>
           <a:p>
             <a:pPr marL="0" indent="0">
               <a:buNone/>
             </a:pPr>
             <a:r>
-              <a:rPr lang="en-US" altLang="zh-CN" dirty="0" smtClean="0"/>
+              <a:rPr lang="en-US" altLang="zh-CN" dirty="0"/>
               <a:t>3. </a:t>
             </a:r>
             <a:r>
-              <a:rPr lang="zh-CN" altLang="zh-CN" dirty="0" smtClean="0"/>
-              <a:t>对</a:t>
-            </a:r>
-            <a:r>
               <a:rPr lang="zh-CN" altLang="zh-CN" dirty="0"/>
-              <a:t>界面原型进行了美化，让界面原型对用户更</a:t>
-            </a:r>
-            <a:r>
-              <a:rPr lang="zh-CN" altLang="zh-CN" dirty="0" smtClean="0"/>
-              <a:t>友好</a:t>
-            </a:r>
-            <a:r>
-              <a:rPr lang="zh-CN" altLang="en-US" dirty="0" smtClean="0"/>
+              <a:t>对界面原型进行了美化，让界面原型对用户更友好</a:t>
+            </a:r>
+            <a:r>
+              <a:rPr lang="zh-CN" altLang="en-US" dirty="0"/>
               <a:t>，看起来更好看</a:t>
             </a:r>
             <a:endParaRPr lang="zh-CN" altLang="zh-CN" dirty="0"/>
@@ -32907,16 +32514,12 @@
               <a:buNone/>
             </a:pPr>
             <a:r>
-              <a:rPr lang="en-US" altLang="zh-CN" dirty="0" smtClean="0"/>
+              <a:rPr lang="en-US" altLang="zh-CN" dirty="0"/>
               <a:t>4. </a:t>
             </a:r>
             <a:r>
-              <a:rPr lang="zh-CN" altLang="zh-CN" dirty="0" smtClean="0"/>
-              <a:t>目前</a:t>
-            </a:r>
-            <a:r>
               <a:rPr lang="zh-CN" altLang="zh-CN" dirty="0"/>
-              <a:t>项目的完成情况与计划相符合，情况符合预期</a:t>
+              <a:t>目前项目的完成情况与计划相符合，情况符合预期</a:t>
             </a:r>
           </a:p>
         </p:txBody>
@@ -32999,11 +32602,7 @@
             </a:r>
             <a:r>
               <a:rPr lang="zh-CN" altLang="zh-CN" dirty="0"/>
-              <a:t>测试的</a:t>
-            </a:r>
-            <a:r>
-              <a:rPr lang="zh-CN" altLang="zh-CN" dirty="0" smtClean="0"/>
-              <a:t>结果</a:t>
+              <a:t>测试的结果</a:t>
             </a:r>
             <a:endParaRPr lang="zh-CN" altLang="en-US" dirty="0"/>
           </a:p>
@@ -33219,15 +32818,15 @@
               <a:buNone/>
             </a:pPr>
             <a:r>
-              <a:rPr lang="en-US" altLang="zh-CN" sz="2000" dirty="0" smtClean="0"/>
+              <a:rPr lang="en-US" altLang="zh-CN" sz="2000" dirty="0"/>
               <a:t>1. </a:t>
             </a:r>
             <a:r>
-              <a:rPr lang="zh-CN" altLang="zh-CN" sz="2000" dirty="0" smtClean="0"/>
+              <a:rPr lang="zh-CN" altLang="zh-CN" sz="2000" dirty="0"/>
               <a:t>测试了</a:t>
             </a:r>
             <a:r>
-              <a:rPr lang="zh-CN" altLang="en-US" sz="2000" dirty="0" smtClean="0"/>
+              <a:rPr lang="zh-CN" altLang="en-US" sz="2000" dirty="0"/>
               <a:t>上述所实现的指令的使用，测试样例较为简单，未进行多命令交互测试，目前命令运行情况与预期相符。海龟在绘图过程中可能会跑出画布外，还需要继续优化修改。</a:t>
             </a:r>
             <a:endParaRPr lang="zh-CN" altLang="zh-CN" sz="2000" dirty="0"/>
@@ -33238,19 +32837,11 @@
             </a:pPr>
             <a:r>
               <a:rPr lang="en-US" altLang="zh-CN" sz="2000" dirty="0"/>
-              <a:t>2</a:t>
-            </a:r>
-            <a:r>
-              <a:rPr lang="en-US" altLang="zh-CN" sz="2000" dirty="0" smtClean="0"/>
-              <a:t>. </a:t>
-            </a:r>
-            <a:r>
-              <a:rPr lang="zh-CN" altLang="zh-CN" sz="2000" dirty="0" smtClean="0"/>
-              <a:t>目前</a:t>
+              <a:t>2. </a:t>
             </a:r>
             <a:r>
               <a:rPr lang="zh-CN" altLang="zh-CN" sz="2000" dirty="0"/>
-              <a:t>的实现过程比较粗糙，代码实现出的界面在应对一些细节上可能会遇到一些问题，比如窗口放大缩小之后的兼容性，或者电脑屏幕分辨率不同时界面展示出来的效果不好等情况。</a:t>
+              <a:t>目前的实现过程比较粗糙，代码实现出的界面在应对一些细节上可能会遇到一些问题，比如窗口放大缩小之后的兼容性，或者电脑屏幕分辨率不同时界面展示出来的效果不好等情况。</a:t>
             </a:r>
           </a:p>
         </p:txBody>
@@ -33589,7 +33180,7 @@
       </p:grpSpPr>
       <p:sp>
         <p:nvSpPr>
-          <p:cNvPr id="4" name="标题 3"/>
+          <p:cNvPr id="2" name="标题 1"/>
           <p:cNvSpPr>
             <a:spLocks noGrp="1"/>
           </p:cNvSpPr>
@@ -33599,104 +33190,1094 @@
         </p:nvSpPr>
         <p:spPr/>
         <p:txBody>
-          <a:bodyPr/>
+          <a:bodyPr>
+            <a:normAutofit fontScale="90000"/>
+          </a:bodyPr>
           <a:lstStyle/>
           <a:p>
             <a:r>
-              <a:rPr lang="en-US" altLang="zh-CN" sz="3600" dirty="0"/>
-              <a:t>My PC Logo</a:t>
-            </a:r>
-            <a:r>
-              <a:rPr lang="zh-CN" altLang="en-US" sz="3600" dirty="0"/>
-              <a:t>软件项目第一次迭代报告</a:t>
-            </a:r>
-          </a:p>
-        </p:txBody>
-      </p:sp>
-      <p:sp>
-        <p:nvSpPr>
-          <p:cNvPr id="5" name="副标题 4"/>
+              <a:rPr lang="zh-CN" altLang="en-US" dirty="0">
+                <a:latin typeface="微软雅黑" panose="020B0503020204020204" pitchFamily="34" charset="-122"/>
+                <a:ea typeface="微软雅黑" panose="020B0503020204020204" pitchFamily="34" charset="-122"/>
+              </a:rPr>
+              <a:t>目录 </a:t>
+            </a:r>
+            <a:r>
+              <a:rPr lang="en-US" altLang="zh-CN" dirty="0">
+                <a:latin typeface="微软雅黑" panose="020B0503020204020204" pitchFamily="34" charset="-122"/>
+                <a:ea typeface="微软雅黑" panose="020B0503020204020204" pitchFamily="34" charset="-122"/>
+              </a:rPr>
+              <a:t>Contents</a:t>
+            </a:r>
+            <a:endParaRPr lang="zh-CN" altLang="en-US" dirty="0">
+              <a:latin typeface="微软雅黑" panose="020B0503020204020204" pitchFamily="34" charset="-122"/>
+              <a:ea typeface="微软雅黑" panose="020B0503020204020204" pitchFamily="34" charset="-122"/>
+            </a:endParaRPr>
+          </a:p>
+        </p:txBody>
+      </p:sp>
+      <p:sp>
+        <p:nvSpPr>
+          <p:cNvPr id="4" name="Freeform 10"/>
           <p:cNvSpPr>
-            <a:spLocks noGrp="1"/>
+            <a:spLocks/>
           </p:cNvSpPr>
-          <p:nvPr>
-            <p:ph type="subTitle" idx="1"/>
-          </p:nvPr>
-        </p:nvSpPr>
-        <p:spPr>
-          <a:xfrm>
-            <a:off x="469123" y="4886550"/>
-            <a:ext cx="5820358" cy="468179"/>
-          </a:xfrm>
-        </p:spPr>
-        <p:txBody>
-          <a:bodyPr/>
+          <p:nvPr userDrawn="1"/>
+        </p:nvSpPr>
+        <p:spPr bwMode="auto">
+          <a:xfrm>
+            <a:off x="1841535" y="1367357"/>
+            <a:ext cx="843427" cy="343858"/>
+          </a:xfrm>
+          <a:custGeom>
+            <a:avLst/>
+            <a:gdLst>
+              <a:gd name="T0" fmla="*/ 3120 w 3800"/>
+              <a:gd name="T1" fmla="*/ 0 h 1532"/>
+              <a:gd name="T2" fmla="*/ 682 w 3800"/>
+              <a:gd name="T3" fmla="*/ 0 h 1532"/>
+              <a:gd name="T4" fmla="*/ 682 w 3800"/>
+              <a:gd name="T5" fmla="*/ 284 h 1532"/>
+              <a:gd name="T6" fmla="*/ 0 w 3800"/>
+              <a:gd name="T7" fmla="*/ 766 h 1532"/>
+              <a:gd name="T8" fmla="*/ 682 w 3800"/>
+              <a:gd name="T9" fmla="*/ 1248 h 1532"/>
+              <a:gd name="T10" fmla="*/ 682 w 3800"/>
+              <a:gd name="T11" fmla="*/ 1532 h 1532"/>
+              <a:gd name="T12" fmla="*/ 3120 w 3800"/>
+              <a:gd name="T13" fmla="*/ 1532 h 1532"/>
+              <a:gd name="T14" fmla="*/ 3120 w 3800"/>
+              <a:gd name="T15" fmla="*/ 1248 h 1532"/>
+              <a:gd name="T16" fmla="*/ 3800 w 3800"/>
+              <a:gd name="T17" fmla="*/ 766 h 1532"/>
+              <a:gd name="T18" fmla="*/ 3120 w 3800"/>
+              <a:gd name="T19" fmla="*/ 284 h 1532"/>
+              <a:gd name="T20" fmla="*/ 3120 w 3800"/>
+              <a:gd name="T21" fmla="*/ 0 h 1532"/>
+            </a:gdLst>
+            <a:ahLst/>
+            <a:cxnLst>
+              <a:cxn ang="0">
+                <a:pos x="T0" y="T1"/>
+              </a:cxn>
+              <a:cxn ang="0">
+                <a:pos x="T2" y="T3"/>
+              </a:cxn>
+              <a:cxn ang="0">
+                <a:pos x="T4" y="T5"/>
+              </a:cxn>
+              <a:cxn ang="0">
+                <a:pos x="T6" y="T7"/>
+              </a:cxn>
+              <a:cxn ang="0">
+                <a:pos x="T8" y="T9"/>
+              </a:cxn>
+              <a:cxn ang="0">
+                <a:pos x="T10" y="T11"/>
+              </a:cxn>
+              <a:cxn ang="0">
+                <a:pos x="T12" y="T13"/>
+              </a:cxn>
+              <a:cxn ang="0">
+                <a:pos x="T14" y="T15"/>
+              </a:cxn>
+              <a:cxn ang="0">
+                <a:pos x="T16" y="T17"/>
+              </a:cxn>
+              <a:cxn ang="0">
+                <a:pos x="T18" y="T19"/>
+              </a:cxn>
+              <a:cxn ang="0">
+                <a:pos x="T20" y="T21"/>
+              </a:cxn>
+            </a:cxnLst>
+            <a:rect l="0" t="0" r="r" b="b"/>
+            <a:pathLst>
+              <a:path w="3800" h="1532">
+                <a:moveTo>
+                  <a:pt x="3120" y="0"/>
+                </a:moveTo>
+                <a:lnTo>
+                  <a:pt x="682" y="0"/>
+                </a:lnTo>
+                <a:lnTo>
+                  <a:pt x="682" y="284"/>
+                </a:lnTo>
+                <a:lnTo>
+                  <a:pt x="0" y="766"/>
+                </a:lnTo>
+                <a:lnTo>
+                  <a:pt x="682" y="1248"/>
+                </a:lnTo>
+                <a:lnTo>
+                  <a:pt x="682" y="1532"/>
+                </a:lnTo>
+                <a:lnTo>
+                  <a:pt x="3120" y="1532"/>
+                </a:lnTo>
+                <a:lnTo>
+                  <a:pt x="3120" y="1248"/>
+                </a:lnTo>
+                <a:lnTo>
+                  <a:pt x="3800" y="766"/>
+                </a:lnTo>
+                <a:lnTo>
+                  <a:pt x="3120" y="284"/>
+                </a:lnTo>
+                <a:lnTo>
+                  <a:pt x="3120" y="0"/>
+                </a:lnTo>
+                <a:close/>
+              </a:path>
+            </a:pathLst>
+          </a:custGeom>
+          <a:solidFill>
+            <a:schemeClr val="accent1"/>
+          </a:solidFill>
+          <a:ln>
+            <a:noFill/>
+          </a:ln>
+        </p:spPr>
+        <p:txBody>
+          <a:bodyPr vert="horz" wrap="square" lIns="91440" tIns="45720" rIns="91440" bIns="45720" numCol="1" anchor="ctr" anchorCtr="0" compatLnSpc="1">
+            <a:prstTxWarp prst="textNoShape">
+              <a:avLst/>
+            </a:prstTxWarp>
+            <a:noAutofit/>
+          </a:bodyPr>
           <a:lstStyle/>
           <a:p>
-            <a:r>
-              <a:rPr lang="zh-CN" altLang="en-US" dirty="0"/>
-              <a:t>第</a:t>
-            </a:r>
-            <a:r>
-              <a:rPr lang="en-US" altLang="zh-CN" dirty="0"/>
-              <a:t>21</a:t>
-            </a:r>
-            <a:r>
-              <a:rPr lang="zh-CN" altLang="en-US" dirty="0"/>
-              <a:t>组</a:t>
-            </a:r>
-          </a:p>
-        </p:txBody>
-      </p:sp>
-      <p:sp>
-        <p:nvSpPr>
-          <p:cNvPr id="6" name="文本占位符 5"/>
+            <a:pPr algn="ctr"/>
+            <a:endParaRPr lang="zh-CN" altLang="en-US" sz="3200" b="1"/>
+          </a:p>
+        </p:txBody>
+      </p:sp>
+      <p:sp>
+        <p:nvSpPr>
+          <p:cNvPr id="5" name="文本框 4"/>
+          <p:cNvSpPr txBox="1"/>
+          <p:nvPr userDrawn="1"/>
+        </p:nvSpPr>
+        <p:spPr>
+          <a:xfrm>
+            <a:off x="2071646" y="1303550"/>
+            <a:ext cx="383206" cy="443226"/>
+          </a:xfrm>
+          <a:prstGeom prst="rect">
+            <a:avLst/>
+          </a:prstGeom>
+          <a:noFill/>
+        </p:spPr>
+        <p:txBody>
+          <a:bodyPr wrap="none" rtlCol="0" anchor="ctr">
+            <a:noAutofit/>
+          </a:bodyPr>
+          <a:lstStyle/>
+          <a:p>
+            <a:pPr algn="ctr"/>
+            <a:r>
+              <a:rPr lang="en-US" altLang="zh-CN" b="1" dirty="0">
+                <a:solidFill>
+                  <a:schemeClr val="bg1"/>
+                </a:solidFill>
+                <a:latin typeface="微软雅黑" panose="020B0503020204020204" pitchFamily="34" charset="-122"/>
+                <a:ea typeface="微软雅黑" panose="020B0503020204020204" pitchFamily="34" charset="-122"/>
+              </a:rPr>
+              <a:t>1</a:t>
+            </a:r>
+            <a:endParaRPr lang="zh-CN" altLang="en-US" b="1" dirty="0">
+              <a:solidFill>
+                <a:schemeClr val="bg1"/>
+              </a:solidFill>
+              <a:latin typeface="微软雅黑" panose="020B0503020204020204" pitchFamily="34" charset="-122"/>
+              <a:ea typeface="微软雅黑" panose="020B0503020204020204" pitchFamily="34" charset="-122"/>
+            </a:endParaRPr>
+          </a:p>
+        </p:txBody>
+      </p:sp>
+      <p:cxnSp>
+        <p:nvCxnSpPr>
+          <p:cNvPr id="7" name="直接连接符 6"/>
+          <p:cNvCxnSpPr>
+            <a:stCxn id="4" idx="6"/>
+          </p:cNvCxnSpPr>
+          <p:nvPr/>
+        </p:nvCxnSpPr>
+        <p:spPr>
+          <a:xfrm>
+            <a:off x="2534033" y="1711215"/>
+            <a:ext cx="4500000" cy="0"/>
+          </a:xfrm>
+          <a:prstGeom prst="line">
+            <a:avLst/>
+          </a:prstGeom>
+          <a:ln>
+            <a:solidFill>
+              <a:schemeClr val="accent1"/>
+            </a:solidFill>
+          </a:ln>
+        </p:spPr>
+        <p:style>
+          <a:lnRef idx="1">
+            <a:schemeClr val="accent1"/>
+          </a:lnRef>
+          <a:fillRef idx="0">
+            <a:schemeClr val="accent1"/>
+          </a:fillRef>
+          <a:effectRef idx="0">
+            <a:schemeClr val="accent1"/>
+          </a:effectRef>
+          <a:fontRef idx="minor">
+            <a:schemeClr val="tx1"/>
+          </a:fontRef>
+        </p:style>
+      </p:cxnSp>
+      <p:sp>
+        <p:nvSpPr>
+          <p:cNvPr id="11" name="文本框 10"/>
+          <p:cNvSpPr txBox="1"/>
+          <p:nvPr/>
+        </p:nvSpPr>
+        <p:spPr>
+          <a:xfrm>
+            <a:off x="2915073" y="1274734"/>
+            <a:ext cx="4387392" cy="461665"/>
+          </a:xfrm>
+          <a:prstGeom prst="rect">
+            <a:avLst/>
+          </a:prstGeom>
+          <a:noFill/>
+        </p:spPr>
+        <p:txBody>
+          <a:bodyPr wrap="square" rtlCol="0">
+            <a:spAutoFit/>
+          </a:bodyPr>
+          <a:lstStyle/>
+          <a:p>
+            <a:r>
+              <a:rPr lang="zh-CN" altLang="en-US" sz="2400" dirty="0"/>
+              <a:t>界面原型</a:t>
+            </a:r>
+          </a:p>
+        </p:txBody>
+      </p:sp>
+      <p:sp>
+        <p:nvSpPr>
+          <p:cNvPr id="13" name="Freeform 10"/>
           <p:cNvSpPr>
-            <a:spLocks noGrp="1"/>
+            <a:spLocks/>
           </p:cNvSpPr>
-          <p:nvPr>
-            <p:ph type="body" sz="quarter" idx="10"/>
-          </p:nvPr>
-        </p:nvSpPr>
-        <p:spPr>
-          <a:xfrm>
-            <a:off x="469123" y="5428098"/>
-            <a:ext cx="5820358" cy="499004"/>
-          </a:xfrm>
-        </p:spPr>
-        <p:txBody>
-          <a:bodyPr/>
+          <p:nvPr userDrawn="1"/>
+        </p:nvSpPr>
+        <p:spPr bwMode="auto">
+          <a:xfrm>
+            <a:off x="1841535" y="2287330"/>
+            <a:ext cx="843427" cy="343858"/>
+          </a:xfrm>
+          <a:custGeom>
+            <a:avLst/>
+            <a:gdLst>
+              <a:gd name="T0" fmla="*/ 3120 w 3800"/>
+              <a:gd name="T1" fmla="*/ 0 h 1532"/>
+              <a:gd name="T2" fmla="*/ 682 w 3800"/>
+              <a:gd name="T3" fmla="*/ 0 h 1532"/>
+              <a:gd name="T4" fmla="*/ 682 w 3800"/>
+              <a:gd name="T5" fmla="*/ 284 h 1532"/>
+              <a:gd name="T6" fmla="*/ 0 w 3800"/>
+              <a:gd name="T7" fmla="*/ 766 h 1532"/>
+              <a:gd name="T8" fmla="*/ 682 w 3800"/>
+              <a:gd name="T9" fmla="*/ 1248 h 1532"/>
+              <a:gd name="T10" fmla="*/ 682 w 3800"/>
+              <a:gd name="T11" fmla="*/ 1532 h 1532"/>
+              <a:gd name="T12" fmla="*/ 3120 w 3800"/>
+              <a:gd name="T13" fmla="*/ 1532 h 1532"/>
+              <a:gd name="T14" fmla="*/ 3120 w 3800"/>
+              <a:gd name="T15" fmla="*/ 1248 h 1532"/>
+              <a:gd name="T16" fmla="*/ 3800 w 3800"/>
+              <a:gd name="T17" fmla="*/ 766 h 1532"/>
+              <a:gd name="T18" fmla="*/ 3120 w 3800"/>
+              <a:gd name="T19" fmla="*/ 284 h 1532"/>
+              <a:gd name="T20" fmla="*/ 3120 w 3800"/>
+              <a:gd name="T21" fmla="*/ 0 h 1532"/>
+            </a:gdLst>
+            <a:ahLst/>
+            <a:cxnLst>
+              <a:cxn ang="0">
+                <a:pos x="T0" y="T1"/>
+              </a:cxn>
+              <a:cxn ang="0">
+                <a:pos x="T2" y="T3"/>
+              </a:cxn>
+              <a:cxn ang="0">
+                <a:pos x="T4" y="T5"/>
+              </a:cxn>
+              <a:cxn ang="0">
+                <a:pos x="T6" y="T7"/>
+              </a:cxn>
+              <a:cxn ang="0">
+                <a:pos x="T8" y="T9"/>
+              </a:cxn>
+              <a:cxn ang="0">
+                <a:pos x="T10" y="T11"/>
+              </a:cxn>
+              <a:cxn ang="0">
+                <a:pos x="T12" y="T13"/>
+              </a:cxn>
+              <a:cxn ang="0">
+                <a:pos x="T14" y="T15"/>
+              </a:cxn>
+              <a:cxn ang="0">
+                <a:pos x="T16" y="T17"/>
+              </a:cxn>
+              <a:cxn ang="0">
+                <a:pos x="T18" y="T19"/>
+              </a:cxn>
+              <a:cxn ang="0">
+                <a:pos x="T20" y="T21"/>
+              </a:cxn>
+            </a:cxnLst>
+            <a:rect l="0" t="0" r="r" b="b"/>
+            <a:pathLst>
+              <a:path w="3800" h="1532">
+                <a:moveTo>
+                  <a:pt x="3120" y="0"/>
+                </a:moveTo>
+                <a:lnTo>
+                  <a:pt x="682" y="0"/>
+                </a:lnTo>
+                <a:lnTo>
+                  <a:pt x="682" y="284"/>
+                </a:lnTo>
+                <a:lnTo>
+                  <a:pt x="0" y="766"/>
+                </a:lnTo>
+                <a:lnTo>
+                  <a:pt x="682" y="1248"/>
+                </a:lnTo>
+                <a:lnTo>
+                  <a:pt x="682" y="1532"/>
+                </a:lnTo>
+                <a:lnTo>
+                  <a:pt x="3120" y="1532"/>
+                </a:lnTo>
+                <a:lnTo>
+                  <a:pt x="3120" y="1248"/>
+                </a:lnTo>
+                <a:lnTo>
+                  <a:pt x="3800" y="766"/>
+                </a:lnTo>
+                <a:lnTo>
+                  <a:pt x="3120" y="284"/>
+                </a:lnTo>
+                <a:lnTo>
+                  <a:pt x="3120" y="0"/>
+                </a:lnTo>
+                <a:close/>
+              </a:path>
+            </a:pathLst>
+          </a:custGeom>
+          <a:solidFill>
+            <a:schemeClr val="bg2"/>
+          </a:solidFill>
+          <a:ln>
+            <a:noFill/>
+          </a:ln>
+        </p:spPr>
+        <p:txBody>
+          <a:bodyPr vert="horz" wrap="square" lIns="91440" tIns="45720" rIns="91440" bIns="45720" numCol="1" anchor="ctr" anchorCtr="0" compatLnSpc="1">
+            <a:prstTxWarp prst="textNoShape">
+              <a:avLst/>
+            </a:prstTxWarp>
+            <a:noAutofit/>
+          </a:bodyPr>
           <a:lstStyle/>
           <a:p>
-            <a:r>
-              <a:rPr lang="zh-CN" altLang="en-US" dirty="0"/>
-              <a:t>小组</a:t>
-            </a:r>
-            <a:r>
-              <a:rPr lang="zh-CN" altLang="en-US" dirty="0" smtClean="0"/>
-              <a:t>成员：谢厚、蒋钊、郑世民、焦明胜</a:t>
-            </a:r>
-            <a:endParaRPr lang="zh-CN" altLang="en-US" dirty="0"/>
+            <a:pPr algn="ctr"/>
+            <a:endParaRPr lang="zh-CN" altLang="en-US" sz="3200" b="1"/>
+          </a:p>
+        </p:txBody>
+      </p:sp>
+      <p:sp>
+        <p:nvSpPr>
+          <p:cNvPr id="14" name="文本框 13"/>
+          <p:cNvSpPr txBox="1"/>
+          <p:nvPr userDrawn="1"/>
+        </p:nvSpPr>
+        <p:spPr>
+          <a:xfrm>
+            <a:off x="2071646" y="2223523"/>
+            <a:ext cx="383206" cy="443226"/>
+          </a:xfrm>
+          <a:prstGeom prst="rect">
+            <a:avLst/>
+          </a:prstGeom>
+          <a:noFill/>
+        </p:spPr>
+        <p:txBody>
+          <a:bodyPr wrap="none" rtlCol="0" anchor="ctr">
+            <a:noAutofit/>
+          </a:bodyPr>
+          <a:lstStyle/>
+          <a:p>
+            <a:pPr algn="ctr"/>
+            <a:r>
+              <a:rPr lang="en-US" altLang="zh-CN" b="1" dirty="0">
+                <a:solidFill>
+                  <a:schemeClr val="bg1"/>
+                </a:solidFill>
+                <a:latin typeface="微软雅黑" panose="020B0503020204020204" pitchFamily="34" charset="-122"/>
+                <a:ea typeface="微软雅黑" panose="020B0503020204020204" pitchFamily="34" charset="-122"/>
+              </a:rPr>
+              <a:t>2</a:t>
+            </a:r>
+            <a:endParaRPr lang="zh-CN" altLang="en-US" b="1" dirty="0">
+              <a:solidFill>
+                <a:schemeClr val="bg1"/>
+              </a:solidFill>
+              <a:latin typeface="微软雅黑" panose="020B0503020204020204" pitchFamily="34" charset="-122"/>
+              <a:ea typeface="微软雅黑" panose="020B0503020204020204" pitchFamily="34" charset="-122"/>
+            </a:endParaRPr>
+          </a:p>
+        </p:txBody>
+      </p:sp>
+      <p:cxnSp>
+        <p:nvCxnSpPr>
+          <p:cNvPr id="15" name="直接连接符 14"/>
+          <p:cNvCxnSpPr>
+            <a:stCxn id="13" idx="6"/>
+          </p:cNvCxnSpPr>
+          <p:nvPr/>
+        </p:nvCxnSpPr>
+        <p:spPr>
+          <a:xfrm>
+            <a:off x="2534033" y="2631188"/>
+            <a:ext cx="4500000" cy="0"/>
+          </a:xfrm>
+          <a:prstGeom prst="line">
+            <a:avLst/>
+          </a:prstGeom>
+          <a:ln>
+            <a:solidFill>
+              <a:schemeClr val="bg2"/>
+            </a:solidFill>
+          </a:ln>
+        </p:spPr>
+        <p:style>
+          <a:lnRef idx="1">
+            <a:schemeClr val="accent1"/>
+          </a:lnRef>
+          <a:fillRef idx="0">
+            <a:schemeClr val="accent1"/>
+          </a:fillRef>
+          <a:effectRef idx="0">
+            <a:schemeClr val="accent1"/>
+          </a:effectRef>
+          <a:fontRef idx="minor">
+            <a:schemeClr val="tx1"/>
+          </a:fontRef>
+        </p:style>
+      </p:cxnSp>
+      <p:sp>
+        <p:nvSpPr>
+          <p:cNvPr id="16" name="文本框 15"/>
+          <p:cNvSpPr txBox="1"/>
+          <p:nvPr/>
+        </p:nvSpPr>
+        <p:spPr>
+          <a:xfrm>
+            <a:off x="2915073" y="2194707"/>
+            <a:ext cx="4387392" cy="461665"/>
+          </a:xfrm>
+          <a:prstGeom prst="rect">
+            <a:avLst/>
+          </a:prstGeom>
+          <a:noFill/>
+        </p:spPr>
+        <p:txBody>
+          <a:bodyPr wrap="square" rtlCol="0">
+            <a:spAutoFit/>
+          </a:bodyPr>
+          <a:lstStyle/>
+          <a:p>
+            <a:r>
+              <a:rPr lang="zh-CN" altLang="en-US" sz="2400" dirty="0">
+                <a:solidFill>
+                  <a:schemeClr val="tx1">
+                    <a:lumMod val="75000"/>
+                    <a:lumOff val="25000"/>
+                  </a:schemeClr>
+                </a:solidFill>
+              </a:rPr>
+              <a:t>软件价值</a:t>
+            </a:r>
+          </a:p>
+        </p:txBody>
+      </p:sp>
+      <p:sp>
+        <p:nvSpPr>
+          <p:cNvPr id="18" name="Freeform 10"/>
+          <p:cNvSpPr>
+            <a:spLocks/>
+          </p:cNvSpPr>
+          <p:nvPr userDrawn="1"/>
+        </p:nvSpPr>
+        <p:spPr bwMode="auto">
+          <a:xfrm>
+            <a:off x="1841535" y="3207303"/>
+            <a:ext cx="843427" cy="343858"/>
+          </a:xfrm>
+          <a:custGeom>
+            <a:avLst/>
+            <a:gdLst>
+              <a:gd name="T0" fmla="*/ 3120 w 3800"/>
+              <a:gd name="T1" fmla="*/ 0 h 1532"/>
+              <a:gd name="T2" fmla="*/ 682 w 3800"/>
+              <a:gd name="T3" fmla="*/ 0 h 1532"/>
+              <a:gd name="T4" fmla="*/ 682 w 3800"/>
+              <a:gd name="T5" fmla="*/ 284 h 1532"/>
+              <a:gd name="T6" fmla="*/ 0 w 3800"/>
+              <a:gd name="T7" fmla="*/ 766 h 1532"/>
+              <a:gd name="T8" fmla="*/ 682 w 3800"/>
+              <a:gd name="T9" fmla="*/ 1248 h 1532"/>
+              <a:gd name="T10" fmla="*/ 682 w 3800"/>
+              <a:gd name="T11" fmla="*/ 1532 h 1532"/>
+              <a:gd name="T12" fmla="*/ 3120 w 3800"/>
+              <a:gd name="T13" fmla="*/ 1532 h 1532"/>
+              <a:gd name="T14" fmla="*/ 3120 w 3800"/>
+              <a:gd name="T15" fmla="*/ 1248 h 1532"/>
+              <a:gd name="T16" fmla="*/ 3800 w 3800"/>
+              <a:gd name="T17" fmla="*/ 766 h 1532"/>
+              <a:gd name="T18" fmla="*/ 3120 w 3800"/>
+              <a:gd name="T19" fmla="*/ 284 h 1532"/>
+              <a:gd name="T20" fmla="*/ 3120 w 3800"/>
+              <a:gd name="T21" fmla="*/ 0 h 1532"/>
+            </a:gdLst>
+            <a:ahLst/>
+            <a:cxnLst>
+              <a:cxn ang="0">
+                <a:pos x="T0" y="T1"/>
+              </a:cxn>
+              <a:cxn ang="0">
+                <a:pos x="T2" y="T3"/>
+              </a:cxn>
+              <a:cxn ang="0">
+                <a:pos x="T4" y="T5"/>
+              </a:cxn>
+              <a:cxn ang="0">
+                <a:pos x="T6" y="T7"/>
+              </a:cxn>
+              <a:cxn ang="0">
+                <a:pos x="T8" y="T9"/>
+              </a:cxn>
+              <a:cxn ang="0">
+                <a:pos x="T10" y="T11"/>
+              </a:cxn>
+              <a:cxn ang="0">
+                <a:pos x="T12" y="T13"/>
+              </a:cxn>
+              <a:cxn ang="0">
+                <a:pos x="T14" y="T15"/>
+              </a:cxn>
+              <a:cxn ang="0">
+                <a:pos x="T16" y="T17"/>
+              </a:cxn>
+              <a:cxn ang="0">
+                <a:pos x="T18" y="T19"/>
+              </a:cxn>
+              <a:cxn ang="0">
+                <a:pos x="T20" y="T21"/>
+              </a:cxn>
+            </a:cxnLst>
+            <a:rect l="0" t="0" r="r" b="b"/>
+            <a:pathLst>
+              <a:path w="3800" h="1532">
+                <a:moveTo>
+                  <a:pt x="3120" y="0"/>
+                </a:moveTo>
+                <a:lnTo>
+                  <a:pt x="682" y="0"/>
+                </a:lnTo>
+                <a:lnTo>
+                  <a:pt x="682" y="284"/>
+                </a:lnTo>
+                <a:lnTo>
+                  <a:pt x="0" y="766"/>
+                </a:lnTo>
+                <a:lnTo>
+                  <a:pt x="682" y="1248"/>
+                </a:lnTo>
+                <a:lnTo>
+                  <a:pt x="682" y="1532"/>
+                </a:lnTo>
+                <a:lnTo>
+                  <a:pt x="3120" y="1532"/>
+                </a:lnTo>
+                <a:lnTo>
+                  <a:pt x="3120" y="1248"/>
+                </a:lnTo>
+                <a:lnTo>
+                  <a:pt x="3800" y="766"/>
+                </a:lnTo>
+                <a:lnTo>
+                  <a:pt x="3120" y="284"/>
+                </a:lnTo>
+                <a:lnTo>
+                  <a:pt x="3120" y="0"/>
+                </a:lnTo>
+                <a:close/>
+              </a:path>
+            </a:pathLst>
+          </a:custGeom>
+          <a:solidFill>
+            <a:schemeClr val="bg2"/>
+          </a:solidFill>
+          <a:ln>
+            <a:noFill/>
+          </a:ln>
+        </p:spPr>
+        <p:txBody>
+          <a:bodyPr vert="horz" wrap="square" lIns="91440" tIns="45720" rIns="91440" bIns="45720" numCol="1" anchor="ctr" anchorCtr="0" compatLnSpc="1">
+            <a:prstTxWarp prst="textNoShape">
+              <a:avLst/>
+            </a:prstTxWarp>
+            <a:noAutofit/>
+          </a:bodyPr>
+          <a:lstStyle/>
+          <a:p>
+            <a:pPr algn="ctr"/>
+            <a:endParaRPr lang="zh-CN" altLang="en-US" sz="3200" b="1"/>
+          </a:p>
+        </p:txBody>
+      </p:sp>
+      <p:sp>
+        <p:nvSpPr>
+          <p:cNvPr id="19" name="文本框 18"/>
+          <p:cNvSpPr txBox="1"/>
+          <p:nvPr userDrawn="1"/>
+        </p:nvSpPr>
+        <p:spPr>
+          <a:xfrm>
+            <a:off x="2071646" y="3143496"/>
+            <a:ext cx="383206" cy="443226"/>
+          </a:xfrm>
+          <a:prstGeom prst="rect">
+            <a:avLst/>
+          </a:prstGeom>
+          <a:noFill/>
+        </p:spPr>
+        <p:txBody>
+          <a:bodyPr wrap="none" rtlCol="0" anchor="ctr">
+            <a:noAutofit/>
+          </a:bodyPr>
+          <a:lstStyle/>
+          <a:p>
+            <a:pPr algn="ctr"/>
+            <a:r>
+              <a:rPr lang="en-US" altLang="zh-CN" b="1" dirty="0">
+                <a:solidFill>
+                  <a:schemeClr val="bg1"/>
+                </a:solidFill>
+                <a:latin typeface="微软雅黑" panose="020B0503020204020204" pitchFamily="34" charset="-122"/>
+                <a:ea typeface="微软雅黑" panose="020B0503020204020204" pitchFamily="34" charset="-122"/>
+              </a:rPr>
+              <a:t>3</a:t>
+            </a:r>
+            <a:endParaRPr lang="zh-CN" altLang="en-US" b="1" dirty="0">
+              <a:solidFill>
+                <a:schemeClr val="bg1"/>
+              </a:solidFill>
+              <a:latin typeface="微软雅黑" panose="020B0503020204020204" pitchFamily="34" charset="-122"/>
+              <a:ea typeface="微软雅黑" panose="020B0503020204020204" pitchFamily="34" charset="-122"/>
+            </a:endParaRPr>
+          </a:p>
+        </p:txBody>
+      </p:sp>
+      <p:cxnSp>
+        <p:nvCxnSpPr>
+          <p:cNvPr id="20" name="直接连接符 19"/>
+          <p:cNvCxnSpPr>
+            <a:stCxn id="18" idx="6"/>
+          </p:cNvCxnSpPr>
+          <p:nvPr/>
+        </p:nvCxnSpPr>
+        <p:spPr>
+          <a:xfrm>
+            <a:off x="2534033" y="3551161"/>
+            <a:ext cx="4500000" cy="0"/>
+          </a:xfrm>
+          <a:prstGeom prst="line">
+            <a:avLst/>
+          </a:prstGeom>
+          <a:ln>
+            <a:solidFill>
+              <a:schemeClr val="bg2"/>
+            </a:solidFill>
+          </a:ln>
+        </p:spPr>
+        <p:style>
+          <a:lnRef idx="1">
+            <a:schemeClr val="accent1"/>
+          </a:lnRef>
+          <a:fillRef idx="0">
+            <a:schemeClr val="accent1"/>
+          </a:fillRef>
+          <a:effectRef idx="0">
+            <a:schemeClr val="accent1"/>
+          </a:effectRef>
+          <a:fontRef idx="minor">
+            <a:schemeClr val="tx1"/>
+          </a:fontRef>
+        </p:style>
+      </p:cxnSp>
+      <p:sp>
+        <p:nvSpPr>
+          <p:cNvPr id="21" name="文本框 20"/>
+          <p:cNvSpPr txBox="1"/>
+          <p:nvPr/>
+        </p:nvSpPr>
+        <p:spPr>
+          <a:xfrm>
+            <a:off x="2915073" y="3114680"/>
+            <a:ext cx="4387392" cy="461665"/>
+          </a:xfrm>
+          <a:prstGeom prst="rect">
+            <a:avLst/>
+          </a:prstGeom>
+          <a:noFill/>
+        </p:spPr>
+        <p:txBody>
+          <a:bodyPr wrap="square" rtlCol="0">
+            <a:spAutoFit/>
+          </a:bodyPr>
+          <a:lstStyle/>
+          <a:p>
+            <a:r>
+              <a:rPr lang="zh-CN" altLang="en-US" sz="2400" dirty="0">
+                <a:solidFill>
+                  <a:schemeClr val="tx1">
+                    <a:lumMod val="75000"/>
+                    <a:lumOff val="25000"/>
+                  </a:schemeClr>
+                </a:solidFill>
+              </a:rPr>
+              <a:t>软件特性和优点</a:t>
+            </a:r>
+          </a:p>
+        </p:txBody>
+      </p:sp>
+      <p:sp>
+        <p:nvSpPr>
+          <p:cNvPr id="23" name="Freeform 10"/>
+          <p:cNvSpPr>
+            <a:spLocks/>
+          </p:cNvSpPr>
+          <p:nvPr userDrawn="1"/>
+        </p:nvSpPr>
+        <p:spPr bwMode="auto">
+          <a:xfrm>
+            <a:off x="1841535" y="4127276"/>
+            <a:ext cx="843427" cy="343858"/>
+          </a:xfrm>
+          <a:custGeom>
+            <a:avLst/>
+            <a:gdLst>
+              <a:gd name="T0" fmla="*/ 3120 w 3800"/>
+              <a:gd name="T1" fmla="*/ 0 h 1532"/>
+              <a:gd name="T2" fmla="*/ 682 w 3800"/>
+              <a:gd name="T3" fmla="*/ 0 h 1532"/>
+              <a:gd name="T4" fmla="*/ 682 w 3800"/>
+              <a:gd name="T5" fmla="*/ 284 h 1532"/>
+              <a:gd name="T6" fmla="*/ 0 w 3800"/>
+              <a:gd name="T7" fmla="*/ 766 h 1532"/>
+              <a:gd name="T8" fmla="*/ 682 w 3800"/>
+              <a:gd name="T9" fmla="*/ 1248 h 1532"/>
+              <a:gd name="T10" fmla="*/ 682 w 3800"/>
+              <a:gd name="T11" fmla="*/ 1532 h 1532"/>
+              <a:gd name="T12" fmla="*/ 3120 w 3800"/>
+              <a:gd name="T13" fmla="*/ 1532 h 1532"/>
+              <a:gd name="T14" fmla="*/ 3120 w 3800"/>
+              <a:gd name="T15" fmla="*/ 1248 h 1532"/>
+              <a:gd name="T16" fmla="*/ 3800 w 3800"/>
+              <a:gd name="T17" fmla="*/ 766 h 1532"/>
+              <a:gd name="T18" fmla="*/ 3120 w 3800"/>
+              <a:gd name="T19" fmla="*/ 284 h 1532"/>
+              <a:gd name="T20" fmla="*/ 3120 w 3800"/>
+              <a:gd name="T21" fmla="*/ 0 h 1532"/>
+            </a:gdLst>
+            <a:ahLst/>
+            <a:cxnLst>
+              <a:cxn ang="0">
+                <a:pos x="T0" y="T1"/>
+              </a:cxn>
+              <a:cxn ang="0">
+                <a:pos x="T2" y="T3"/>
+              </a:cxn>
+              <a:cxn ang="0">
+                <a:pos x="T4" y="T5"/>
+              </a:cxn>
+              <a:cxn ang="0">
+                <a:pos x="T6" y="T7"/>
+              </a:cxn>
+              <a:cxn ang="0">
+                <a:pos x="T8" y="T9"/>
+              </a:cxn>
+              <a:cxn ang="0">
+                <a:pos x="T10" y="T11"/>
+              </a:cxn>
+              <a:cxn ang="0">
+                <a:pos x="T12" y="T13"/>
+              </a:cxn>
+              <a:cxn ang="0">
+                <a:pos x="T14" y="T15"/>
+              </a:cxn>
+              <a:cxn ang="0">
+                <a:pos x="T16" y="T17"/>
+              </a:cxn>
+              <a:cxn ang="0">
+                <a:pos x="T18" y="T19"/>
+              </a:cxn>
+              <a:cxn ang="0">
+                <a:pos x="T20" y="T21"/>
+              </a:cxn>
+            </a:cxnLst>
+            <a:rect l="0" t="0" r="r" b="b"/>
+            <a:pathLst>
+              <a:path w="3800" h="1532">
+                <a:moveTo>
+                  <a:pt x="3120" y="0"/>
+                </a:moveTo>
+                <a:lnTo>
+                  <a:pt x="682" y="0"/>
+                </a:lnTo>
+                <a:lnTo>
+                  <a:pt x="682" y="284"/>
+                </a:lnTo>
+                <a:lnTo>
+                  <a:pt x="0" y="766"/>
+                </a:lnTo>
+                <a:lnTo>
+                  <a:pt x="682" y="1248"/>
+                </a:lnTo>
+                <a:lnTo>
+                  <a:pt x="682" y="1532"/>
+                </a:lnTo>
+                <a:lnTo>
+                  <a:pt x="3120" y="1532"/>
+                </a:lnTo>
+                <a:lnTo>
+                  <a:pt x="3120" y="1248"/>
+                </a:lnTo>
+                <a:lnTo>
+                  <a:pt x="3800" y="766"/>
+                </a:lnTo>
+                <a:lnTo>
+                  <a:pt x="3120" y="284"/>
+                </a:lnTo>
+                <a:lnTo>
+                  <a:pt x="3120" y="0"/>
+                </a:lnTo>
+                <a:close/>
+              </a:path>
+            </a:pathLst>
+          </a:custGeom>
+          <a:solidFill>
+            <a:schemeClr val="bg2"/>
+          </a:solidFill>
+          <a:ln>
+            <a:noFill/>
+          </a:ln>
+        </p:spPr>
+        <p:txBody>
+          <a:bodyPr vert="horz" wrap="square" lIns="91440" tIns="45720" rIns="91440" bIns="45720" numCol="1" anchor="ctr" anchorCtr="0" compatLnSpc="1">
+            <a:prstTxWarp prst="textNoShape">
+              <a:avLst/>
+            </a:prstTxWarp>
+            <a:noAutofit/>
+          </a:bodyPr>
+          <a:lstStyle/>
+          <a:p>
+            <a:pPr algn="ctr"/>
+            <a:endParaRPr lang="zh-CN" altLang="en-US" sz="3200" b="1"/>
+          </a:p>
+        </p:txBody>
+      </p:sp>
+      <p:sp>
+        <p:nvSpPr>
+          <p:cNvPr id="24" name="文本框 23"/>
+          <p:cNvSpPr txBox="1"/>
+          <p:nvPr userDrawn="1"/>
+        </p:nvSpPr>
+        <p:spPr>
+          <a:xfrm>
+            <a:off x="2071646" y="4063469"/>
+            <a:ext cx="383206" cy="443226"/>
+          </a:xfrm>
+          <a:prstGeom prst="rect">
+            <a:avLst/>
+          </a:prstGeom>
+          <a:noFill/>
+        </p:spPr>
+        <p:txBody>
+          <a:bodyPr wrap="none" rtlCol="0" anchor="ctr">
+            <a:noAutofit/>
+          </a:bodyPr>
+          <a:lstStyle/>
+          <a:p>
+            <a:pPr algn="ctr"/>
+            <a:r>
+              <a:rPr lang="en-US" altLang="zh-CN" b="1" dirty="0">
+                <a:solidFill>
+                  <a:schemeClr val="bg1"/>
+                </a:solidFill>
+                <a:latin typeface="微软雅黑" panose="020B0503020204020204" pitchFamily="34" charset="-122"/>
+                <a:ea typeface="微软雅黑" panose="020B0503020204020204" pitchFamily="34" charset="-122"/>
+              </a:rPr>
+              <a:t>4</a:t>
+            </a:r>
+            <a:endParaRPr lang="zh-CN" altLang="en-US" b="1" dirty="0">
+              <a:solidFill>
+                <a:schemeClr val="bg1"/>
+              </a:solidFill>
+              <a:latin typeface="微软雅黑" panose="020B0503020204020204" pitchFamily="34" charset="-122"/>
+              <a:ea typeface="微软雅黑" panose="020B0503020204020204" pitchFamily="34" charset="-122"/>
+            </a:endParaRPr>
+          </a:p>
+        </p:txBody>
+      </p:sp>
+      <p:cxnSp>
+        <p:nvCxnSpPr>
+          <p:cNvPr id="25" name="直接连接符 24"/>
+          <p:cNvCxnSpPr>
+            <a:stCxn id="23" idx="6"/>
+          </p:cNvCxnSpPr>
+          <p:nvPr/>
+        </p:nvCxnSpPr>
+        <p:spPr>
+          <a:xfrm>
+            <a:off x="2534033" y="4471134"/>
+            <a:ext cx="4500000" cy="0"/>
+          </a:xfrm>
+          <a:prstGeom prst="line">
+            <a:avLst/>
+          </a:prstGeom>
+          <a:ln>
+            <a:solidFill>
+              <a:schemeClr val="bg2"/>
+            </a:solidFill>
+          </a:ln>
+        </p:spPr>
+        <p:style>
+          <a:lnRef idx="1">
+            <a:schemeClr val="accent1"/>
+          </a:lnRef>
+          <a:fillRef idx="0">
+            <a:schemeClr val="accent1"/>
+          </a:fillRef>
+          <a:effectRef idx="0">
+            <a:schemeClr val="accent1"/>
+          </a:effectRef>
+          <a:fontRef idx="minor">
+            <a:schemeClr val="tx1"/>
+          </a:fontRef>
+        </p:style>
+      </p:cxnSp>
+      <p:sp>
+        <p:nvSpPr>
+          <p:cNvPr id="26" name="文本框 25"/>
+          <p:cNvSpPr txBox="1"/>
+          <p:nvPr/>
+        </p:nvSpPr>
+        <p:spPr>
+          <a:xfrm>
+            <a:off x="2915073" y="4034653"/>
+            <a:ext cx="4387392" cy="461665"/>
+          </a:xfrm>
+          <a:prstGeom prst="rect">
+            <a:avLst/>
+          </a:prstGeom>
+          <a:noFill/>
+        </p:spPr>
+        <p:txBody>
+          <a:bodyPr wrap="square" rtlCol="0">
+            <a:spAutoFit/>
+          </a:bodyPr>
+          <a:lstStyle/>
+          <a:p>
+            <a:r>
+              <a:rPr lang="zh-CN" altLang="en-US" sz="2400" dirty="0">
+                <a:solidFill>
+                  <a:schemeClr val="tx1">
+                    <a:lumMod val="75000"/>
+                    <a:lumOff val="25000"/>
+                  </a:schemeClr>
+                </a:solidFill>
+              </a:rPr>
+              <a:t>迭代评估</a:t>
+            </a:r>
+          </a:p>
+        </p:txBody>
+      </p:sp>
+      <p:sp>
+        <p:nvSpPr>
+          <p:cNvPr id="34" name="文本框 33"/>
+          <p:cNvSpPr txBox="1"/>
+          <p:nvPr userDrawn="1"/>
+        </p:nvSpPr>
+        <p:spPr>
+          <a:xfrm>
+            <a:off x="2071646" y="4983444"/>
+            <a:ext cx="383206" cy="443226"/>
+          </a:xfrm>
+          <a:prstGeom prst="rect">
+            <a:avLst/>
+          </a:prstGeom>
+          <a:noFill/>
+        </p:spPr>
+        <p:txBody>
+          <a:bodyPr wrap="none" rtlCol="0" anchor="ctr">
+            <a:noAutofit/>
+          </a:bodyPr>
+          <a:lstStyle/>
+          <a:p>
+            <a:pPr algn="ctr"/>
+            <a:r>
+              <a:rPr lang="en-US" altLang="zh-CN" b="1" dirty="0">
+                <a:solidFill>
+                  <a:schemeClr val="bg1"/>
+                </a:solidFill>
+                <a:latin typeface="微软雅黑" panose="020B0503020204020204" pitchFamily="34" charset="-122"/>
+                <a:ea typeface="微软雅黑" panose="020B0503020204020204" pitchFamily="34" charset="-122"/>
+              </a:rPr>
+              <a:t>5</a:t>
+            </a:r>
+            <a:endParaRPr lang="zh-CN" altLang="en-US" b="1" dirty="0">
+              <a:solidFill>
+                <a:schemeClr val="bg1"/>
+              </a:solidFill>
+              <a:latin typeface="微软雅黑" panose="020B0503020204020204" pitchFamily="34" charset="-122"/>
+              <a:ea typeface="微软雅黑" panose="020B0503020204020204" pitchFamily="34" charset="-122"/>
+            </a:endParaRPr>
           </a:p>
         </p:txBody>
       </p:sp>
     </p:spTree>
     <p:extLst>
       <p:ext uri="{BB962C8B-B14F-4D97-AF65-F5344CB8AC3E}">
-        <p14:creationId xmlns:p14="http://schemas.microsoft.com/office/powerpoint/2010/main" val="2049770824"/>
+        <p14:creationId xmlns:p14="http://schemas.microsoft.com/office/powerpoint/2010/main" val="1846209069"/>
       </p:ext>
     </p:extLst>
   </p:cSld>
   <p:clrMapOvr>
     <a:masterClrMapping/>
   </p:clrMapOvr>
-  <p:timing>
-    <p:tnLst>
-      <p:par>
-        <p:cTn id="1" dur="indefinite" restart="never" nodeType="tmRoot"/>
-      </p:par>
-    </p:tnLst>
-  </p:timing>
+  <mc:AlternateContent xmlns:mc="http://schemas.openxmlformats.org/markup-compatibility/2006" xmlns:p14="http://schemas.microsoft.com/office/powerpoint/2010/main">
+    <mc:Choice Requires="p14">
+      <p:transition p14:dur="10"/>
+    </mc:Choice>
+    <mc:Fallback xmlns="">
+      <p:transition/>
+    </mc:Fallback>
+  </mc:AlternateContent>
 </p:sld>
 </file>
 
@@ -34148,7 +34729,7 @@
       </p:grpSpPr>
       <p:sp>
         <p:nvSpPr>
-          <p:cNvPr id="2" name="标题 1"/>
+          <p:cNvPr id="3" name="标题 2"/>
           <p:cNvSpPr>
             <a:spLocks noGrp="1"/>
           </p:cNvSpPr>
@@ -34158,1095 +34739,58 @@
         </p:nvSpPr>
         <p:spPr/>
         <p:txBody>
-          <a:bodyPr>
-            <a:normAutofit fontScale="90000"/>
-          </a:bodyPr>
+          <a:bodyPr/>
           <a:lstStyle/>
           <a:p>
             <a:r>
-              <a:rPr lang="zh-CN" altLang="en-US" dirty="0">
-                <a:latin typeface="微软雅黑" panose="020B0503020204020204" pitchFamily="34" charset="-122"/>
-                <a:ea typeface="微软雅黑" panose="020B0503020204020204" pitchFamily="34" charset="-122"/>
-              </a:rPr>
-              <a:t>目录 </a:t>
-            </a:r>
-            <a:r>
-              <a:rPr lang="en-US" altLang="zh-CN" dirty="0">
-                <a:latin typeface="微软雅黑" panose="020B0503020204020204" pitchFamily="34" charset="-122"/>
-                <a:ea typeface="微软雅黑" panose="020B0503020204020204" pitchFamily="34" charset="-122"/>
-              </a:rPr>
-              <a:t>Contents</a:t>
-            </a:r>
-            <a:endParaRPr lang="zh-CN" altLang="en-US" dirty="0">
-              <a:latin typeface="微软雅黑" panose="020B0503020204020204" pitchFamily="34" charset="-122"/>
-              <a:ea typeface="微软雅黑" panose="020B0503020204020204" pitchFamily="34" charset="-122"/>
-            </a:endParaRPr>
-          </a:p>
-        </p:txBody>
-      </p:sp>
-      <p:grpSp>
-        <p:nvGrpSpPr>
-          <p:cNvPr id="3" name="组合 2"/>
-          <p:cNvGrpSpPr/>
-          <p:nvPr/>
-        </p:nvGrpSpPr>
-        <p:grpSpPr>
-          <a:xfrm>
-            <a:off x="1841535" y="1303550"/>
-            <a:ext cx="843427" cy="443226"/>
-            <a:chOff x="666810" y="2586037"/>
-            <a:chExt cx="468000" cy="245937"/>
-          </a:xfrm>
-        </p:grpSpPr>
-        <p:sp>
-          <p:nvSpPr>
-            <p:cNvPr id="4" name="Freeform 10"/>
-            <p:cNvSpPr>
-              <a:spLocks/>
-            </p:cNvSpPr>
-            <p:nvPr userDrawn="1"/>
-          </p:nvSpPr>
-          <p:spPr bwMode="auto">
-            <a:xfrm>
-              <a:off x="666810" y="2621442"/>
-              <a:ext cx="468000" cy="190800"/>
-            </a:xfrm>
-            <a:custGeom>
-              <a:avLst/>
-              <a:gdLst>
-                <a:gd name="T0" fmla="*/ 3120 w 3800"/>
-                <a:gd name="T1" fmla="*/ 0 h 1532"/>
-                <a:gd name="T2" fmla="*/ 682 w 3800"/>
-                <a:gd name="T3" fmla="*/ 0 h 1532"/>
-                <a:gd name="T4" fmla="*/ 682 w 3800"/>
-                <a:gd name="T5" fmla="*/ 284 h 1532"/>
-                <a:gd name="T6" fmla="*/ 0 w 3800"/>
-                <a:gd name="T7" fmla="*/ 766 h 1532"/>
-                <a:gd name="T8" fmla="*/ 682 w 3800"/>
-                <a:gd name="T9" fmla="*/ 1248 h 1532"/>
-                <a:gd name="T10" fmla="*/ 682 w 3800"/>
-                <a:gd name="T11" fmla="*/ 1532 h 1532"/>
-                <a:gd name="T12" fmla="*/ 3120 w 3800"/>
-                <a:gd name="T13" fmla="*/ 1532 h 1532"/>
-                <a:gd name="T14" fmla="*/ 3120 w 3800"/>
-                <a:gd name="T15" fmla="*/ 1248 h 1532"/>
-                <a:gd name="T16" fmla="*/ 3800 w 3800"/>
-                <a:gd name="T17" fmla="*/ 766 h 1532"/>
-                <a:gd name="T18" fmla="*/ 3120 w 3800"/>
-                <a:gd name="T19" fmla="*/ 284 h 1532"/>
-                <a:gd name="T20" fmla="*/ 3120 w 3800"/>
-                <a:gd name="T21" fmla="*/ 0 h 1532"/>
-              </a:gdLst>
-              <a:ahLst/>
-              <a:cxnLst>
-                <a:cxn ang="0">
-                  <a:pos x="T0" y="T1"/>
-                </a:cxn>
-                <a:cxn ang="0">
-                  <a:pos x="T2" y="T3"/>
-                </a:cxn>
-                <a:cxn ang="0">
-                  <a:pos x="T4" y="T5"/>
-                </a:cxn>
-                <a:cxn ang="0">
-                  <a:pos x="T6" y="T7"/>
-                </a:cxn>
-                <a:cxn ang="0">
-                  <a:pos x="T8" y="T9"/>
-                </a:cxn>
-                <a:cxn ang="0">
-                  <a:pos x="T10" y="T11"/>
-                </a:cxn>
-                <a:cxn ang="0">
-                  <a:pos x="T12" y="T13"/>
-                </a:cxn>
-                <a:cxn ang="0">
-                  <a:pos x="T14" y="T15"/>
-                </a:cxn>
-                <a:cxn ang="0">
-                  <a:pos x="T16" y="T17"/>
-                </a:cxn>
-                <a:cxn ang="0">
-                  <a:pos x="T18" y="T19"/>
-                </a:cxn>
-                <a:cxn ang="0">
-                  <a:pos x="T20" y="T21"/>
-                </a:cxn>
-              </a:cxnLst>
-              <a:rect l="0" t="0" r="r" b="b"/>
-              <a:pathLst>
-                <a:path w="3800" h="1532">
-                  <a:moveTo>
-                    <a:pt x="3120" y="0"/>
-                  </a:moveTo>
-                  <a:lnTo>
-                    <a:pt x="682" y="0"/>
-                  </a:lnTo>
-                  <a:lnTo>
-                    <a:pt x="682" y="284"/>
-                  </a:lnTo>
-                  <a:lnTo>
-                    <a:pt x="0" y="766"/>
-                  </a:lnTo>
-                  <a:lnTo>
-                    <a:pt x="682" y="1248"/>
-                  </a:lnTo>
-                  <a:lnTo>
-                    <a:pt x="682" y="1532"/>
-                  </a:lnTo>
-                  <a:lnTo>
-                    <a:pt x="3120" y="1532"/>
-                  </a:lnTo>
-                  <a:lnTo>
-                    <a:pt x="3120" y="1248"/>
-                  </a:lnTo>
-                  <a:lnTo>
-                    <a:pt x="3800" y="766"/>
-                  </a:lnTo>
-                  <a:lnTo>
-                    <a:pt x="3120" y="284"/>
-                  </a:lnTo>
-                  <a:lnTo>
-                    <a:pt x="3120" y="0"/>
-                  </a:lnTo>
-                  <a:close/>
-                </a:path>
-              </a:pathLst>
-            </a:custGeom>
-            <a:solidFill>
-              <a:schemeClr val="accent1"/>
-            </a:solidFill>
-            <a:ln>
-              <a:noFill/>
-            </a:ln>
-          </p:spPr>
-          <p:txBody>
-            <a:bodyPr vert="horz" wrap="square" lIns="91440" tIns="45720" rIns="91440" bIns="45720" numCol="1" anchor="ctr" anchorCtr="0" compatLnSpc="1">
-              <a:prstTxWarp prst="textNoShape">
-                <a:avLst/>
-              </a:prstTxWarp>
-              <a:noAutofit/>
-            </a:bodyPr>
-            <a:lstStyle/>
-            <a:p>
-              <a:pPr algn="ctr"/>
-              <a:endParaRPr lang="zh-CN" altLang="en-US" sz="3200" b="1"/>
-            </a:p>
-          </p:txBody>
-        </p:sp>
-        <p:sp>
-          <p:nvSpPr>
-            <p:cNvPr id="5" name="文本框 4"/>
-            <p:cNvSpPr txBox="1"/>
-            <p:nvPr userDrawn="1"/>
-          </p:nvSpPr>
-          <p:spPr>
-            <a:xfrm>
-              <a:off x="794494" y="2586037"/>
-              <a:ext cx="212633" cy="245937"/>
-            </a:xfrm>
-            <a:prstGeom prst="rect">
-              <a:avLst/>
-            </a:prstGeom>
-            <a:noFill/>
-          </p:spPr>
-          <p:txBody>
-            <a:bodyPr wrap="none" rtlCol="0" anchor="ctr">
-              <a:noAutofit/>
-            </a:bodyPr>
-            <a:lstStyle/>
-            <a:p>
-              <a:pPr algn="ctr"/>
-              <a:r>
-                <a:rPr lang="en-US" altLang="zh-CN" b="1" dirty="0">
-                  <a:solidFill>
-                    <a:schemeClr val="bg1"/>
-                  </a:solidFill>
-                  <a:latin typeface="微软雅黑" panose="020B0503020204020204" pitchFamily="34" charset="-122"/>
-                  <a:ea typeface="微软雅黑" panose="020B0503020204020204" pitchFamily="34" charset="-122"/>
-                </a:rPr>
-                <a:t>1</a:t>
-              </a:r>
-              <a:endParaRPr lang="zh-CN" altLang="en-US" b="1" dirty="0">
-                <a:solidFill>
-                  <a:schemeClr val="bg1"/>
-                </a:solidFill>
-                <a:latin typeface="微软雅黑" panose="020B0503020204020204" pitchFamily="34" charset="-122"/>
-                <a:ea typeface="微软雅黑" panose="020B0503020204020204" pitchFamily="34" charset="-122"/>
-              </a:endParaRPr>
-            </a:p>
-          </p:txBody>
-        </p:sp>
-      </p:grpSp>
-      <p:cxnSp>
-        <p:nvCxnSpPr>
-          <p:cNvPr id="7" name="直接连接符 6"/>
-          <p:cNvCxnSpPr>
-            <a:stCxn id="4" idx="6"/>
-          </p:cNvCxnSpPr>
-          <p:nvPr/>
-        </p:nvCxnSpPr>
-        <p:spPr>
-          <a:xfrm>
-            <a:off x="2534033" y="1711215"/>
-            <a:ext cx="4500000" cy="0"/>
-          </a:xfrm>
-          <a:prstGeom prst="line">
-            <a:avLst/>
-          </a:prstGeom>
-          <a:ln>
-            <a:solidFill>
-              <a:schemeClr val="accent1"/>
-            </a:solidFill>
-          </a:ln>
-        </p:spPr>
-        <p:style>
-          <a:lnRef idx="1">
-            <a:schemeClr val="accent1"/>
-          </a:lnRef>
-          <a:fillRef idx="0">
-            <a:schemeClr val="accent1"/>
-          </a:fillRef>
-          <a:effectRef idx="0">
-            <a:schemeClr val="accent1"/>
-          </a:effectRef>
-          <a:fontRef idx="minor">
-            <a:schemeClr val="tx1"/>
-          </a:fontRef>
-        </p:style>
-      </p:cxnSp>
-      <p:sp>
-        <p:nvSpPr>
-          <p:cNvPr id="11" name="文本框 10"/>
-          <p:cNvSpPr txBox="1"/>
-          <p:nvPr/>
-        </p:nvSpPr>
-        <p:spPr>
-          <a:xfrm>
-            <a:off x="2915073" y="1274734"/>
-            <a:ext cx="4387392" cy="461665"/>
-          </a:xfrm>
-          <a:prstGeom prst="rect">
-            <a:avLst/>
-          </a:prstGeom>
-          <a:noFill/>
-        </p:spPr>
-        <p:txBody>
-          <a:bodyPr wrap="square" rtlCol="0">
-            <a:spAutoFit/>
-          </a:bodyPr>
-          <a:lstStyle/>
-          <a:p>
-            <a:r>
-              <a:rPr lang="zh-CN" altLang="en-US" sz="2400" dirty="0"/>
-              <a:t>界面原型</a:t>
-            </a:r>
-          </a:p>
-        </p:txBody>
-      </p:sp>
-      <p:grpSp>
-        <p:nvGrpSpPr>
-          <p:cNvPr id="12" name="组合 11"/>
-          <p:cNvGrpSpPr/>
-          <p:nvPr/>
-        </p:nvGrpSpPr>
-        <p:grpSpPr>
-          <a:xfrm>
-            <a:off x="1841535" y="2223523"/>
-            <a:ext cx="843427" cy="443226"/>
-            <a:chOff x="666810" y="2586037"/>
-            <a:chExt cx="468000" cy="245937"/>
-          </a:xfrm>
-        </p:grpSpPr>
-        <p:sp>
-          <p:nvSpPr>
-            <p:cNvPr id="13" name="Freeform 10"/>
-            <p:cNvSpPr>
-              <a:spLocks/>
-            </p:cNvSpPr>
-            <p:nvPr userDrawn="1"/>
-          </p:nvSpPr>
-          <p:spPr bwMode="auto">
-            <a:xfrm>
-              <a:off x="666810" y="2621442"/>
-              <a:ext cx="468000" cy="190800"/>
-            </a:xfrm>
-            <a:custGeom>
-              <a:avLst/>
-              <a:gdLst>
-                <a:gd name="T0" fmla="*/ 3120 w 3800"/>
-                <a:gd name="T1" fmla="*/ 0 h 1532"/>
-                <a:gd name="T2" fmla="*/ 682 w 3800"/>
-                <a:gd name="T3" fmla="*/ 0 h 1532"/>
-                <a:gd name="T4" fmla="*/ 682 w 3800"/>
-                <a:gd name="T5" fmla="*/ 284 h 1532"/>
-                <a:gd name="T6" fmla="*/ 0 w 3800"/>
-                <a:gd name="T7" fmla="*/ 766 h 1532"/>
-                <a:gd name="T8" fmla="*/ 682 w 3800"/>
-                <a:gd name="T9" fmla="*/ 1248 h 1532"/>
-                <a:gd name="T10" fmla="*/ 682 w 3800"/>
-                <a:gd name="T11" fmla="*/ 1532 h 1532"/>
-                <a:gd name="T12" fmla="*/ 3120 w 3800"/>
-                <a:gd name="T13" fmla="*/ 1532 h 1532"/>
-                <a:gd name="T14" fmla="*/ 3120 w 3800"/>
-                <a:gd name="T15" fmla="*/ 1248 h 1532"/>
-                <a:gd name="T16" fmla="*/ 3800 w 3800"/>
-                <a:gd name="T17" fmla="*/ 766 h 1532"/>
-                <a:gd name="T18" fmla="*/ 3120 w 3800"/>
-                <a:gd name="T19" fmla="*/ 284 h 1532"/>
-                <a:gd name="T20" fmla="*/ 3120 w 3800"/>
-                <a:gd name="T21" fmla="*/ 0 h 1532"/>
-              </a:gdLst>
-              <a:ahLst/>
-              <a:cxnLst>
-                <a:cxn ang="0">
-                  <a:pos x="T0" y="T1"/>
-                </a:cxn>
-                <a:cxn ang="0">
-                  <a:pos x="T2" y="T3"/>
-                </a:cxn>
-                <a:cxn ang="0">
-                  <a:pos x="T4" y="T5"/>
-                </a:cxn>
-                <a:cxn ang="0">
-                  <a:pos x="T6" y="T7"/>
-                </a:cxn>
-                <a:cxn ang="0">
-                  <a:pos x="T8" y="T9"/>
-                </a:cxn>
-                <a:cxn ang="0">
-                  <a:pos x="T10" y="T11"/>
-                </a:cxn>
-                <a:cxn ang="0">
-                  <a:pos x="T12" y="T13"/>
-                </a:cxn>
-                <a:cxn ang="0">
-                  <a:pos x="T14" y="T15"/>
-                </a:cxn>
-                <a:cxn ang="0">
-                  <a:pos x="T16" y="T17"/>
-                </a:cxn>
-                <a:cxn ang="0">
-                  <a:pos x="T18" y="T19"/>
-                </a:cxn>
-                <a:cxn ang="0">
-                  <a:pos x="T20" y="T21"/>
-                </a:cxn>
-              </a:cxnLst>
-              <a:rect l="0" t="0" r="r" b="b"/>
-              <a:pathLst>
-                <a:path w="3800" h="1532">
-                  <a:moveTo>
-                    <a:pt x="3120" y="0"/>
-                  </a:moveTo>
-                  <a:lnTo>
-                    <a:pt x="682" y="0"/>
-                  </a:lnTo>
-                  <a:lnTo>
-                    <a:pt x="682" y="284"/>
-                  </a:lnTo>
-                  <a:lnTo>
-                    <a:pt x="0" y="766"/>
-                  </a:lnTo>
-                  <a:lnTo>
-                    <a:pt x="682" y="1248"/>
-                  </a:lnTo>
-                  <a:lnTo>
-                    <a:pt x="682" y="1532"/>
-                  </a:lnTo>
-                  <a:lnTo>
-                    <a:pt x="3120" y="1532"/>
-                  </a:lnTo>
-                  <a:lnTo>
-                    <a:pt x="3120" y="1248"/>
-                  </a:lnTo>
-                  <a:lnTo>
-                    <a:pt x="3800" y="766"/>
-                  </a:lnTo>
-                  <a:lnTo>
-                    <a:pt x="3120" y="284"/>
-                  </a:lnTo>
-                  <a:lnTo>
-                    <a:pt x="3120" y="0"/>
-                  </a:lnTo>
-                  <a:close/>
-                </a:path>
-              </a:pathLst>
-            </a:custGeom>
-            <a:solidFill>
-              <a:schemeClr val="accent1"/>
-            </a:solidFill>
-            <a:ln>
-              <a:noFill/>
-            </a:ln>
-          </p:spPr>
-          <p:txBody>
-            <a:bodyPr vert="horz" wrap="square" lIns="91440" tIns="45720" rIns="91440" bIns="45720" numCol="1" anchor="ctr" anchorCtr="0" compatLnSpc="1">
-              <a:prstTxWarp prst="textNoShape">
-                <a:avLst/>
-              </a:prstTxWarp>
-              <a:noAutofit/>
-            </a:bodyPr>
-            <a:lstStyle/>
-            <a:p>
-              <a:pPr algn="ctr"/>
-              <a:endParaRPr lang="zh-CN" altLang="en-US" sz="3200" b="1"/>
-            </a:p>
-          </p:txBody>
-        </p:sp>
-        <p:sp>
-          <p:nvSpPr>
-            <p:cNvPr id="14" name="文本框 13"/>
-            <p:cNvSpPr txBox="1"/>
-            <p:nvPr userDrawn="1"/>
-          </p:nvSpPr>
-          <p:spPr>
-            <a:xfrm>
-              <a:off x="794494" y="2586037"/>
-              <a:ext cx="212633" cy="245937"/>
-            </a:xfrm>
-            <a:prstGeom prst="rect">
-              <a:avLst/>
-            </a:prstGeom>
-            <a:noFill/>
-          </p:spPr>
-          <p:txBody>
-            <a:bodyPr wrap="none" rtlCol="0" anchor="ctr">
-              <a:noAutofit/>
-            </a:bodyPr>
-            <a:lstStyle/>
-            <a:p>
-              <a:pPr algn="ctr"/>
-              <a:r>
-                <a:rPr lang="en-US" altLang="zh-CN" b="1" dirty="0">
-                  <a:solidFill>
-                    <a:schemeClr val="bg1"/>
-                  </a:solidFill>
-                  <a:latin typeface="微软雅黑" panose="020B0503020204020204" pitchFamily="34" charset="-122"/>
-                  <a:ea typeface="微软雅黑" panose="020B0503020204020204" pitchFamily="34" charset="-122"/>
-                </a:rPr>
-                <a:t>2</a:t>
-              </a:r>
-              <a:endParaRPr lang="zh-CN" altLang="en-US" b="1" dirty="0">
-                <a:solidFill>
-                  <a:schemeClr val="bg1"/>
-                </a:solidFill>
-                <a:latin typeface="微软雅黑" panose="020B0503020204020204" pitchFamily="34" charset="-122"/>
-                <a:ea typeface="微软雅黑" panose="020B0503020204020204" pitchFamily="34" charset="-122"/>
-              </a:endParaRPr>
-            </a:p>
-          </p:txBody>
-        </p:sp>
-      </p:grpSp>
-      <p:cxnSp>
-        <p:nvCxnSpPr>
-          <p:cNvPr id="15" name="直接连接符 14"/>
-          <p:cNvCxnSpPr>
-            <a:stCxn id="13" idx="6"/>
-          </p:cNvCxnSpPr>
-          <p:nvPr/>
-        </p:nvCxnSpPr>
-        <p:spPr>
-          <a:xfrm>
-            <a:off x="2534033" y="2631188"/>
-            <a:ext cx="4500000" cy="0"/>
-          </a:xfrm>
-          <a:prstGeom prst="line">
-            <a:avLst/>
-          </a:prstGeom>
-          <a:ln>
-            <a:solidFill>
-              <a:schemeClr val="accent1"/>
-            </a:solidFill>
-          </a:ln>
-        </p:spPr>
-        <p:style>
-          <a:lnRef idx="1">
-            <a:schemeClr val="accent1"/>
-          </a:lnRef>
-          <a:fillRef idx="0">
-            <a:schemeClr val="accent1"/>
-          </a:fillRef>
-          <a:effectRef idx="0">
-            <a:schemeClr val="accent1"/>
-          </a:effectRef>
-          <a:fontRef idx="minor">
-            <a:schemeClr val="tx1"/>
-          </a:fontRef>
-        </p:style>
-      </p:cxnSp>
-      <p:sp>
-        <p:nvSpPr>
-          <p:cNvPr id="16" name="文本框 15"/>
-          <p:cNvSpPr txBox="1"/>
-          <p:nvPr/>
-        </p:nvSpPr>
-        <p:spPr>
-          <a:xfrm>
-            <a:off x="2915073" y="2194707"/>
-            <a:ext cx="4387392" cy="461665"/>
-          </a:xfrm>
-          <a:prstGeom prst="rect">
-            <a:avLst/>
-          </a:prstGeom>
-          <a:noFill/>
-        </p:spPr>
-        <p:txBody>
-          <a:bodyPr wrap="square" rtlCol="0">
-            <a:spAutoFit/>
-          </a:bodyPr>
-          <a:lstStyle/>
-          <a:p>
-            <a:r>
-              <a:rPr lang="zh-CN" altLang="en-US" sz="2400" dirty="0" smtClean="0"/>
-              <a:t>软件特性</a:t>
-            </a:r>
-            <a:endParaRPr lang="zh-CN" altLang="en-US" sz="2400" dirty="0"/>
-          </a:p>
-        </p:txBody>
-      </p:sp>
-      <p:grpSp>
-        <p:nvGrpSpPr>
-          <p:cNvPr id="17" name="组合 16"/>
-          <p:cNvGrpSpPr/>
-          <p:nvPr/>
-        </p:nvGrpSpPr>
-        <p:grpSpPr>
-          <a:xfrm>
-            <a:off x="1841535" y="3143496"/>
-            <a:ext cx="843427" cy="443226"/>
-            <a:chOff x="666810" y="2586037"/>
-            <a:chExt cx="468000" cy="245937"/>
-          </a:xfrm>
-        </p:grpSpPr>
-        <p:sp>
-          <p:nvSpPr>
-            <p:cNvPr id="18" name="Freeform 10"/>
-            <p:cNvSpPr>
-              <a:spLocks/>
-            </p:cNvSpPr>
-            <p:nvPr userDrawn="1"/>
-          </p:nvSpPr>
-          <p:spPr bwMode="auto">
-            <a:xfrm>
-              <a:off x="666810" y="2621442"/>
-              <a:ext cx="468000" cy="190800"/>
-            </a:xfrm>
-            <a:custGeom>
-              <a:avLst/>
-              <a:gdLst>
-                <a:gd name="T0" fmla="*/ 3120 w 3800"/>
-                <a:gd name="T1" fmla="*/ 0 h 1532"/>
-                <a:gd name="T2" fmla="*/ 682 w 3800"/>
-                <a:gd name="T3" fmla="*/ 0 h 1532"/>
-                <a:gd name="T4" fmla="*/ 682 w 3800"/>
-                <a:gd name="T5" fmla="*/ 284 h 1532"/>
-                <a:gd name="T6" fmla="*/ 0 w 3800"/>
-                <a:gd name="T7" fmla="*/ 766 h 1532"/>
-                <a:gd name="T8" fmla="*/ 682 w 3800"/>
-                <a:gd name="T9" fmla="*/ 1248 h 1532"/>
-                <a:gd name="T10" fmla="*/ 682 w 3800"/>
-                <a:gd name="T11" fmla="*/ 1532 h 1532"/>
-                <a:gd name="T12" fmla="*/ 3120 w 3800"/>
-                <a:gd name="T13" fmla="*/ 1532 h 1532"/>
-                <a:gd name="T14" fmla="*/ 3120 w 3800"/>
-                <a:gd name="T15" fmla="*/ 1248 h 1532"/>
-                <a:gd name="T16" fmla="*/ 3800 w 3800"/>
-                <a:gd name="T17" fmla="*/ 766 h 1532"/>
-                <a:gd name="T18" fmla="*/ 3120 w 3800"/>
-                <a:gd name="T19" fmla="*/ 284 h 1532"/>
-                <a:gd name="T20" fmla="*/ 3120 w 3800"/>
-                <a:gd name="T21" fmla="*/ 0 h 1532"/>
-              </a:gdLst>
-              <a:ahLst/>
-              <a:cxnLst>
-                <a:cxn ang="0">
-                  <a:pos x="T0" y="T1"/>
-                </a:cxn>
-                <a:cxn ang="0">
-                  <a:pos x="T2" y="T3"/>
-                </a:cxn>
-                <a:cxn ang="0">
-                  <a:pos x="T4" y="T5"/>
-                </a:cxn>
-                <a:cxn ang="0">
-                  <a:pos x="T6" y="T7"/>
-                </a:cxn>
-                <a:cxn ang="0">
-                  <a:pos x="T8" y="T9"/>
-                </a:cxn>
-                <a:cxn ang="0">
-                  <a:pos x="T10" y="T11"/>
-                </a:cxn>
-                <a:cxn ang="0">
-                  <a:pos x="T12" y="T13"/>
-                </a:cxn>
-                <a:cxn ang="0">
-                  <a:pos x="T14" y="T15"/>
-                </a:cxn>
-                <a:cxn ang="0">
-                  <a:pos x="T16" y="T17"/>
-                </a:cxn>
-                <a:cxn ang="0">
-                  <a:pos x="T18" y="T19"/>
-                </a:cxn>
-                <a:cxn ang="0">
-                  <a:pos x="T20" y="T21"/>
-                </a:cxn>
-              </a:cxnLst>
-              <a:rect l="0" t="0" r="r" b="b"/>
-              <a:pathLst>
-                <a:path w="3800" h="1532">
-                  <a:moveTo>
-                    <a:pt x="3120" y="0"/>
-                  </a:moveTo>
-                  <a:lnTo>
-                    <a:pt x="682" y="0"/>
-                  </a:lnTo>
-                  <a:lnTo>
-                    <a:pt x="682" y="284"/>
-                  </a:lnTo>
-                  <a:lnTo>
-                    <a:pt x="0" y="766"/>
-                  </a:lnTo>
-                  <a:lnTo>
-                    <a:pt x="682" y="1248"/>
-                  </a:lnTo>
-                  <a:lnTo>
-                    <a:pt x="682" y="1532"/>
-                  </a:lnTo>
-                  <a:lnTo>
-                    <a:pt x="3120" y="1532"/>
-                  </a:lnTo>
-                  <a:lnTo>
-                    <a:pt x="3120" y="1248"/>
-                  </a:lnTo>
-                  <a:lnTo>
-                    <a:pt x="3800" y="766"/>
-                  </a:lnTo>
-                  <a:lnTo>
-                    <a:pt x="3120" y="284"/>
-                  </a:lnTo>
-                  <a:lnTo>
-                    <a:pt x="3120" y="0"/>
-                  </a:lnTo>
-                  <a:close/>
-                </a:path>
-              </a:pathLst>
-            </a:custGeom>
-            <a:solidFill>
-              <a:schemeClr val="accent1"/>
-            </a:solidFill>
-            <a:ln>
-              <a:noFill/>
-            </a:ln>
-          </p:spPr>
-          <p:txBody>
-            <a:bodyPr vert="horz" wrap="square" lIns="91440" tIns="45720" rIns="91440" bIns="45720" numCol="1" anchor="ctr" anchorCtr="0" compatLnSpc="1">
-              <a:prstTxWarp prst="textNoShape">
-                <a:avLst/>
-              </a:prstTxWarp>
-              <a:noAutofit/>
-            </a:bodyPr>
-            <a:lstStyle/>
-            <a:p>
-              <a:pPr algn="ctr"/>
-              <a:endParaRPr lang="zh-CN" altLang="en-US" sz="3200" b="1"/>
-            </a:p>
-          </p:txBody>
-        </p:sp>
-        <p:sp>
-          <p:nvSpPr>
-            <p:cNvPr id="19" name="文本框 18"/>
-            <p:cNvSpPr txBox="1"/>
-            <p:nvPr userDrawn="1"/>
-          </p:nvSpPr>
-          <p:spPr>
-            <a:xfrm>
-              <a:off x="794494" y="2586037"/>
-              <a:ext cx="212633" cy="245937"/>
-            </a:xfrm>
-            <a:prstGeom prst="rect">
-              <a:avLst/>
-            </a:prstGeom>
-            <a:noFill/>
-          </p:spPr>
-          <p:txBody>
-            <a:bodyPr wrap="none" rtlCol="0" anchor="ctr">
-              <a:noAutofit/>
-            </a:bodyPr>
-            <a:lstStyle/>
-            <a:p>
-              <a:pPr algn="ctr"/>
-              <a:r>
-                <a:rPr lang="en-US" altLang="zh-CN" b="1" dirty="0">
-                  <a:solidFill>
-                    <a:schemeClr val="bg1"/>
-                  </a:solidFill>
-                  <a:latin typeface="微软雅黑" panose="020B0503020204020204" pitchFamily="34" charset="-122"/>
-                  <a:ea typeface="微软雅黑" panose="020B0503020204020204" pitchFamily="34" charset="-122"/>
-                </a:rPr>
-                <a:t>3</a:t>
-              </a:r>
-              <a:endParaRPr lang="zh-CN" altLang="en-US" b="1" dirty="0">
-                <a:solidFill>
-                  <a:schemeClr val="bg1"/>
-                </a:solidFill>
-                <a:latin typeface="微软雅黑" panose="020B0503020204020204" pitchFamily="34" charset="-122"/>
-                <a:ea typeface="微软雅黑" panose="020B0503020204020204" pitchFamily="34" charset="-122"/>
-              </a:endParaRPr>
-            </a:p>
-          </p:txBody>
-        </p:sp>
-      </p:grpSp>
-      <p:cxnSp>
-        <p:nvCxnSpPr>
-          <p:cNvPr id="20" name="直接连接符 19"/>
-          <p:cNvCxnSpPr>
-            <a:stCxn id="18" idx="6"/>
-          </p:cNvCxnSpPr>
-          <p:nvPr/>
-        </p:nvCxnSpPr>
-        <p:spPr>
-          <a:xfrm>
-            <a:off x="2534033" y="3551161"/>
-            <a:ext cx="4500000" cy="0"/>
-          </a:xfrm>
-          <a:prstGeom prst="line">
-            <a:avLst/>
-          </a:prstGeom>
-          <a:ln>
-            <a:solidFill>
-              <a:schemeClr val="accent1"/>
-            </a:solidFill>
-          </a:ln>
-        </p:spPr>
-        <p:style>
-          <a:lnRef idx="1">
-            <a:schemeClr val="accent1"/>
-          </a:lnRef>
-          <a:fillRef idx="0">
-            <a:schemeClr val="accent1"/>
-          </a:fillRef>
-          <a:effectRef idx="0">
-            <a:schemeClr val="accent1"/>
-          </a:effectRef>
-          <a:fontRef idx="minor">
-            <a:schemeClr val="tx1"/>
-          </a:fontRef>
-        </p:style>
-      </p:cxnSp>
-      <p:sp>
-        <p:nvSpPr>
-          <p:cNvPr id="21" name="文本框 20"/>
-          <p:cNvSpPr txBox="1"/>
-          <p:nvPr/>
-        </p:nvSpPr>
-        <p:spPr>
-          <a:xfrm>
-            <a:off x="2915073" y="3114680"/>
-            <a:ext cx="4387392" cy="461665"/>
-          </a:xfrm>
-          <a:prstGeom prst="rect">
-            <a:avLst/>
-          </a:prstGeom>
-          <a:noFill/>
-        </p:spPr>
-        <p:txBody>
-          <a:bodyPr wrap="square" rtlCol="0">
-            <a:spAutoFit/>
-          </a:bodyPr>
-          <a:lstStyle/>
-          <a:p>
-            <a:r>
-              <a:rPr lang="zh-CN" altLang="en-US" sz="2400" dirty="0" smtClean="0"/>
-              <a:t>软件优点</a:t>
-            </a:r>
-            <a:endParaRPr lang="zh-CN" altLang="en-US" sz="2400" dirty="0"/>
-          </a:p>
-        </p:txBody>
-      </p:sp>
-      <p:grpSp>
-        <p:nvGrpSpPr>
-          <p:cNvPr id="22" name="组合 21"/>
-          <p:cNvGrpSpPr/>
-          <p:nvPr/>
-        </p:nvGrpSpPr>
-        <p:grpSpPr>
-          <a:xfrm>
-            <a:off x="1841535" y="4063469"/>
-            <a:ext cx="843427" cy="443226"/>
-            <a:chOff x="666810" y="2586037"/>
-            <a:chExt cx="468000" cy="245937"/>
-          </a:xfrm>
-        </p:grpSpPr>
-        <p:sp>
-          <p:nvSpPr>
-            <p:cNvPr id="23" name="Freeform 10"/>
-            <p:cNvSpPr>
-              <a:spLocks/>
-            </p:cNvSpPr>
-            <p:nvPr userDrawn="1"/>
-          </p:nvSpPr>
-          <p:spPr bwMode="auto">
-            <a:xfrm>
-              <a:off x="666810" y="2621442"/>
-              <a:ext cx="468000" cy="190800"/>
-            </a:xfrm>
-            <a:custGeom>
-              <a:avLst/>
-              <a:gdLst>
-                <a:gd name="T0" fmla="*/ 3120 w 3800"/>
-                <a:gd name="T1" fmla="*/ 0 h 1532"/>
-                <a:gd name="T2" fmla="*/ 682 w 3800"/>
-                <a:gd name="T3" fmla="*/ 0 h 1532"/>
-                <a:gd name="T4" fmla="*/ 682 w 3800"/>
-                <a:gd name="T5" fmla="*/ 284 h 1532"/>
-                <a:gd name="T6" fmla="*/ 0 w 3800"/>
-                <a:gd name="T7" fmla="*/ 766 h 1532"/>
-                <a:gd name="T8" fmla="*/ 682 w 3800"/>
-                <a:gd name="T9" fmla="*/ 1248 h 1532"/>
-                <a:gd name="T10" fmla="*/ 682 w 3800"/>
-                <a:gd name="T11" fmla="*/ 1532 h 1532"/>
-                <a:gd name="T12" fmla="*/ 3120 w 3800"/>
-                <a:gd name="T13" fmla="*/ 1532 h 1532"/>
-                <a:gd name="T14" fmla="*/ 3120 w 3800"/>
-                <a:gd name="T15" fmla="*/ 1248 h 1532"/>
-                <a:gd name="T16" fmla="*/ 3800 w 3800"/>
-                <a:gd name="T17" fmla="*/ 766 h 1532"/>
-                <a:gd name="T18" fmla="*/ 3120 w 3800"/>
-                <a:gd name="T19" fmla="*/ 284 h 1532"/>
-                <a:gd name="T20" fmla="*/ 3120 w 3800"/>
-                <a:gd name="T21" fmla="*/ 0 h 1532"/>
-              </a:gdLst>
-              <a:ahLst/>
-              <a:cxnLst>
-                <a:cxn ang="0">
-                  <a:pos x="T0" y="T1"/>
-                </a:cxn>
-                <a:cxn ang="0">
-                  <a:pos x="T2" y="T3"/>
-                </a:cxn>
-                <a:cxn ang="0">
-                  <a:pos x="T4" y="T5"/>
-                </a:cxn>
-                <a:cxn ang="0">
-                  <a:pos x="T6" y="T7"/>
-                </a:cxn>
-                <a:cxn ang="0">
-                  <a:pos x="T8" y="T9"/>
-                </a:cxn>
-                <a:cxn ang="0">
-                  <a:pos x="T10" y="T11"/>
-                </a:cxn>
-                <a:cxn ang="0">
-                  <a:pos x="T12" y="T13"/>
-                </a:cxn>
-                <a:cxn ang="0">
-                  <a:pos x="T14" y="T15"/>
-                </a:cxn>
-                <a:cxn ang="0">
-                  <a:pos x="T16" y="T17"/>
-                </a:cxn>
-                <a:cxn ang="0">
-                  <a:pos x="T18" y="T19"/>
-                </a:cxn>
-                <a:cxn ang="0">
-                  <a:pos x="T20" y="T21"/>
-                </a:cxn>
-              </a:cxnLst>
-              <a:rect l="0" t="0" r="r" b="b"/>
-              <a:pathLst>
-                <a:path w="3800" h="1532">
-                  <a:moveTo>
-                    <a:pt x="3120" y="0"/>
-                  </a:moveTo>
-                  <a:lnTo>
-                    <a:pt x="682" y="0"/>
-                  </a:lnTo>
-                  <a:lnTo>
-                    <a:pt x="682" y="284"/>
-                  </a:lnTo>
-                  <a:lnTo>
-                    <a:pt x="0" y="766"/>
-                  </a:lnTo>
-                  <a:lnTo>
-                    <a:pt x="682" y="1248"/>
-                  </a:lnTo>
-                  <a:lnTo>
-                    <a:pt x="682" y="1532"/>
-                  </a:lnTo>
-                  <a:lnTo>
-                    <a:pt x="3120" y="1532"/>
-                  </a:lnTo>
-                  <a:lnTo>
-                    <a:pt x="3120" y="1248"/>
-                  </a:lnTo>
-                  <a:lnTo>
-                    <a:pt x="3800" y="766"/>
-                  </a:lnTo>
-                  <a:lnTo>
-                    <a:pt x="3120" y="284"/>
-                  </a:lnTo>
-                  <a:lnTo>
-                    <a:pt x="3120" y="0"/>
-                  </a:lnTo>
-                  <a:close/>
-                </a:path>
-              </a:pathLst>
-            </a:custGeom>
-            <a:solidFill>
-              <a:schemeClr val="accent1"/>
-            </a:solidFill>
-            <a:ln>
-              <a:noFill/>
-            </a:ln>
-          </p:spPr>
-          <p:txBody>
-            <a:bodyPr vert="horz" wrap="square" lIns="91440" tIns="45720" rIns="91440" bIns="45720" numCol="1" anchor="ctr" anchorCtr="0" compatLnSpc="1">
-              <a:prstTxWarp prst="textNoShape">
-                <a:avLst/>
-              </a:prstTxWarp>
-              <a:noAutofit/>
-            </a:bodyPr>
-            <a:lstStyle/>
-            <a:p>
-              <a:pPr algn="ctr"/>
-              <a:endParaRPr lang="zh-CN" altLang="en-US" sz="3200" b="1"/>
-            </a:p>
-          </p:txBody>
-        </p:sp>
-        <p:sp>
-          <p:nvSpPr>
-            <p:cNvPr id="24" name="文本框 23"/>
-            <p:cNvSpPr txBox="1"/>
-            <p:nvPr userDrawn="1"/>
-          </p:nvSpPr>
-          <p:spPr>
-            <a:xfrm>
-              <a:off x="794494" y="2586037"/>
-              <a:ext cx="212633" cy="245937"/>
-            </a:xfrm>
-            <a:prstGeom prst="rect">
-              <a:avLst/>
-            </a:prstGeom>
-            <a:noFill/>
-          </p:spPr>
-          <p:txBody>
-            <a:bodyPr wrap="none" rtlCol="0" anchor="ctr">
-              <a:noAutofit/>
-            </a:bodyPr>
-            <a:lstStyle/>
-            <a:p>
-              <a:pPr algn="ctr"/>
-              <a:r>
-                <a:rPr lang="en-US" altLang="zh-CN" b="1" dirty="0">
-                  <a:solidFill>
-                    <a:schemeClr val="bg1"/>
-                  </a:solidFill>
-                  <a:latin typeface="微软雅黑" panose="020B0503020204020204" pitchFamily="34" charset="-122"/>
-                  <a:ea typeface="微软雅黑" panose="020B0503020204020204" pitchFamily="34" charset="-122"/>
-                </a:rPr>
-                <a:t>4</a:t>
-              </a:r>
-              <a:endParaRPr lang="zh-CN" altLang="en-US" b="1" dirty="0">
-                <a:solidFill>
-                  <a:schemeClr val="bg1"/>
-                </a:solidFill>
-                <a:latin typeface="微软雅黑" panose="020B0503020204020204" pitchFamily="34" charset="-122"/>
-                <a:ea typeface="微软雅黑" panose="020B0503020204020204" pitchFamily="34" charset="-122"/>
-              </a:endParaRPr>
-            </a:p>
-          </p:txBody>
-        </p:sp>
-      </p:grpSp>
-      <p:cxnSp>
-        <p:nvCxnSpPr>
-          <p:cNvPr id="25" name="直接连接符 24"/>
-          <p:cNvCxnSpPr>
-            <a:stCxn id="23" idx="6"/>
-          </p:cNvCxnSpPr>
-          <p:nvPr/>
-        </p:nvCxnSpPr>
-        <p:spPr>
-          <a:xfrm>
-            <a:off x="2534033" y="4471134"/>
-            <a:ext cx="4500000" cy="0"/>
-          </a:xfrm>
-          <a:prstGeom prst="line">
-            <a:avLst/>
-          </a:prstGeom>
-          <a:ln>
-            <a:solidFill>
-              <a:schemeClr val="accent1"/>
-            </a:solidFill>
-          </a:ln>
-        </p:spPr>
-        <p:style>
-          <a:lnRef idx="1">
-            <a:schemeClr val="accent1"/>
-          </a:lnRef>
-          <a:fillRef idx="0">
-            <a:schemeClr val="accent1"/>
-          </a:fillRef>
-          <a:effectRef idx="0">
-            <a:schemeClr val="accent1"/>
-          </a:effectRef>
-          <a:fontRef idx="minor">
-            <a:schemeClr val="tx1"/>
-          </a:fontRef>
-        </p:style>
-      </p:cxnSp>
-      <p:sp>
-        <p:nvSpPr>
-          <p:cNvPr id="26" name="文本框 25"/>
-          <p:cNvSpPr txBox="1"/>
-          <p:nvPr/>
-        </p:nvSpPr>
-        <p:spPr>
-          <a:xfrm>
-            <a:off x="2915073" y="4034653"/>
-            <a:ext cx="4387392" cy="461665"/>
-          </a:xfrm>
-          <a:prstGeom prst="rect">
-            <a:avLst/>
-          </a:prstGeom>
-          <a:noFill/>
-        </p:spPr>
-        <p:txBody>
-          <a:bodyPr wrap="square" rtlCol="0">
-            <a:spAutoFit/>
-          </a:bodyPr>
-          <a:lstStyle/>
-          <a:p>
-            <a:r>
-              <a:rPr lang="zh-CN" altLang="en-US" sz="2400" dirty="0" smtClean="0"/>
-              <a:t>迭代评估</a:t>
-            </a:r>
-            <a:endParaRPr lang="zh-CN" altLang="en-US" sz="2400" dirty="0"/>
-          </a:p>
-        </p:txBody>
-      </p:sp>
+              <a:rPr lang="zh-CN" altLang="en-US" dirty="0"/>
+              <a:t>登录页面</a:t>
+            </a:r>
+          </a:p>
+        </p:txBody>
+      </p:sp>
+      <p:pic>
+        <p:nvPicPr>
+          <p:cNvPr id="11" name="内容占位符 10"/>
+          <p:cNvPicPr>
+            <a:picLocks noGrp="1" noChangeAspect="1"/>
+          </p:cNvPicPr>
+          <p:nvPr>
+            <p:ph sz="quarter" idx="10"/>
+          </p:nvPr>
+        </p:nvPicPr>
+        <p:blipFill>
+          <a:blip r:embed="rId2">
+            <a:extLst>
+              <a:ext uri="{28A0092B-C50C-407E-A947-70E740481C1C}">
+                <a14:useLocalDpi xmlns:a14="http://schemas.microsoft.com/office/drawing/2010/main" val="0"/>
+              </a:ext>
+            </a:extLst>
+          </a:blip>
+          <a:stretch>
+            <a:fillRect/>
+          </a:stretch>
+        </p:blipFill>
+        <p:spPr>
+          <a:xfrm>
+            <a:off x="493712" y="1855064"/>
+            <a:ext cx="8372475" cy="4020263"/>
+          </a:xfrm>
+          <a:prstGeom prst="rect">
+            <a:avLst/>
+          </a:prstGeom>
+        </p:spPr>
+      </p:pic>
     </p:spTree>
     <p:extLst>
       <p:ext uri="{BB962C8B-B14F-4D97-AF65-F5344CB8AC3E}">
-        <p14:creationId xmlns:p14="http://schemas.microsoft.com/office/powerpoint/2010/main" val="3155251148"/>
+        <p14:creationId xmlns:p14="http://schemas.microsoft.com/office/powerpoint/2010/main" val="4256661517"/>
       </p:ext>
     </p:extLst>
   </p:cSld>
   <p:clrMapOvr>
     <a:masterClrMapping/>
   </p:clrMapOvr>
-  <p:transition spd="slow">
-    <p:push/>
-  </p:transition>
-  <p:timing>
-    <p:tnLst>
-      <p:par>
-        <p:cTn id="1" dur="indefinite" restart="never" nodeType="tmRoot"/>
-      </p:par>
-    </p:tnLst>
-  </p:timing>
 </p:sld>
 </file>
 
@@ -35269,6 +34813,284 @@
       </p:grpSpPr>
       <p:sp>
         <p:nvSpPr>
+          <p:cNvPr id="3" name="标题 2"/>
+          <p:cNvSpPr>
+            <a:spLocks noGrp="1"/>
+          </p:cNvSpPr>
+          <p:nvPr>
+            <p:ph type="title"/>
+          </p:nvPr>
+        </p:nvSpPr>
+        <p:spPr/>
+        <p:txBody>
+          <a:bodyPr/>
+          <a:lstStyle/>
+          <a:p>
+            <a:r>
+              <a:rPr lang="zh-CN" altLang="en-US" dirty="0"/>
+              <a:t>注册页面</a:t>
+            </a:r>
+          </a:p>
+        </p:txBody>
+      </p:sp>
+      <p:pic>
+        <p:nvPicPr>
+          <p:cNvPr id="4" name="内容占位符 3"/>
+          <p:cNvPicPr>
+            <a:picLocks noGrp="1" noChangeAspect="1"/>
+          </p:cNvPicPr>
+          <p:nvPr>
+            <p:ph sz="quarter" idx="10"/>
+          </p:nvPr>
+        </p:nvPicPr>
+        <p:blipFill>
+          <a:blip r:embed="rId2">
+            <a:extLst>
+              <a:ext uri="{28A0092B-C50C-407E-A947-70E740481C1C}">
+                <a14:useLocalDpi xmlns:a14="http://schemas.microsoft.com/office/drawing/2010/main" val="0"/>
+              </a:ext>
+            </a:extLst>
+          </a:blip>
+          <a:stretch>
+            <a:fillRect/>
+          </a:stretch>
+        </p:blipFill>
+        <p:spPr>
+          <a:xfrm>
+            <a:off x="493712" y="1930694"/>
+            <a:ext cx="8372475" cy="4027266"/>
+          </a:xfrm>
+        </p:spPr>
+      </p:pic>
+    </p:spTree>
+    <p:extLst>
+      <p:ext uri="{BB962C8B-B14F-4D97-AF65-F5344CB8AC3E}">
+        <p14:creationId xmlns:p14="http://schemas.microsoft.com/office/powerpoint/2010/main" val="4178676795"/>
+      </p:ext>
+    </p:extLst>
+  </p:cSld>
+  <p:clrMapOvr>
+    <a:masterClrMapping/>
+  </p:clrMapOvr>
+</p:sld>
+</file>
+
+<file path=ppt/slides/slide5.xml><?xml version="1.0" encoding="utf-8"?>
+<p:sld xmlns:a="http://schemas.openxmlformats.org/drawingml/2006/main" xmlns:r="http://schemas.openxmlformats.org/officeDocument/2006/relationships" xmlns:p="http://schemas.openxmlformats.org/presentationml/2006/main">
+  <p:cSld>
+    <p:spTree>
+      <p:nvGrpSpPr>
+        <p:cNvPr id="1" name=""/>
+        <p:cNvGrpSpPr/>
+        <p:nvPr/>
+      </p:nvGrpSpPr>
+      <p:grpSpPr>
+        <a:xfrm>
+          <a:off x="0" y="0"/>
+          <a:ext cx="0" cy="0"/>
+          <a:chOff x="0" y="0"/>
+          <a:chExt cx="0" cy="0"/>
+        </a:xfrm>
+      </p:grpSpPr>
+      <p:sp>
+        <p:nvSpPr>
+          <p:cNvPr id="3" name="标题 2"/>
+          <p:cNvSpPr>
+            <a:spLocks noGrp="1"/>
+          </p:cNvSpPr>
+          <p:nvPr>
+            <p:ph type="title"/>
+          </p:nvPr>
+        </p:nvSpPr>
+        <p:spPr/>
+        <p:txBody>
+          <a:bodyPr/>
+          <a:lstStyle/>
+          <a:p>
+            <a:r>
+              <a:rPr lang="zh-CN" altLang="en-US" dirty="0"/>
+              <a:t>画图页面</a:t>
+            </a:r>
+          </a:p>
+        </p:txBody>
+      </p:sp>
+      <p:pic>
+        <p:nvPicPr>
+          <p:cNvPr id="7" name="内容占位符 6"/>
+          <p:cNvPicPr>
+            <a:picLocks noGrp="1" noChangeAspect="1"/>
+          </p:cNvPicPr>
+          <p:nvPr>
+            <p:ph sz="quarter" idx="10"/>
+          </p:nvPr>
+        </p:nvPicPr>
+        <p:blipFill>
+          <a:blip r:embed="rId2">
+            <a:extLst>
+              <a:ext uri="{28A0092B-C50C-407E-A947-70E740481C1C}">
+                <a14:useLocalDpi xmlns:a14="http://schemas.microsoft.com/office/drawing/2010/main" val="0"/>
+              </a:ext>
+            </a:extLst>
+          </a:blip>
+          <a:stretch>
+            <a:fillRect/>
+          </a:stretch>
+        </p:blipFill>
+        <p:spPr>
+          <a:xfrm>
+            <a:off x="493712" y="1881845"/>
+            <a:ext cx="8372475" cy="4054623"/>
+          </a:xfrm>
+          <a:prstGeom prst="rect">
+            <a:avLst/>
+          </a:prstGeom>
+        </p:spPr>
+      </p:pic>
+    </p:spTree>
+    <p:extLst>
+      <p:ext uri="{BB962C8B-B14F-4D97-AF65-F5344CB8AC3E}">
+        <p14:creationId xmlns:p14="http://schemas.microsoft.com/office/powerpoint/2010/main" val="2004466028"/>
+      </p:ext>
+    </p:extLst>
+  </p:cSld>
+  <p:clrMapOvr>
+    <a:masterClrMapping/>
+  </p:clrMapOvr>
+</p:sld>
+</file>
+
+<file path=ppt/slides/slide6.xml><?xml version="1.0" encoding="utf-8"?>
+<p:sld xmlns:a="http://schemas.openxmlformats.org/drawingml/2006/main" xmlns:r="http://schemas.openxmlformats.org/officeDocument/2006/relationships" xmlns:p="http://schemas.openxmlformats.org/presentationml/2006/main">
+  <p:cSld>
+    <p:spTree>
+      <p:nvGrpSpPr>
+        <p:cNvPr id="1" name=""/>
+        <p:cNvGrpSpPr/>
+        <p:nvPr/>
+      </p:nvGrpSpPr>
+      <p:grpSpPr>
+        <a:xfrm>
+          <a:off x="0" y="0"/>
+          <a:ext cx="0" cy="0"/>
+          <a:chOff x="0" y="0"/>
+          <a:chExt cx="0" cy="0"/>
+        </a:xfrm>
+      </p:grpSpPr>
+      <p:sp>
+        <p:nvSpPr>
+          <p:cNvPr id="3" name="标题 2"/>
+          <p:cNvSpPr>
+            <a:spLocks noGrp="1"/>
+          </p:cNvSpPr>
+          <p:nvPr>
+            <p:ph type="title"/>
+          </p:nvPr>
+        </p:nvSpPr>
+        <p:spPr/>
+        <p:txBody>
+          <a:bodyPr/>
+          <a:lstStyle/>
+          <a:p>
+            <a:r>
+              <a:rPr lang="zh-CN" altLang="en-US" dirty="0"/>
+              <a:t>教学关卡</a:t>
+            </a:r>
+          </a:p>
+        </p:txBody>
+      </p:sp>
+      <p:sp>
+        <p:nvSpPr>
+          <p:cNvPr id="4" name="内容占位符 3">
+            <a:extLst>
+              <a:ext uri="{FF2B5EF4-FFF2-40B4-BE49-F238E27FC236}">
+                <a16:creationId xmlns:a16="http://schemas.microsoft.com/office/drawing/2014/main" id="{F9D2760D-5A48-485D-A6FA-FB004A2E5FA3}"/>
+              </a:ext>
+            </a:extLst>
+          </p:cNvPr>
+          <p:cNvSpPr>
+            <a:spLocks noGrp="1"/>
+          </p:cNvSpPr>
+          <p:nvPr>
+            <p:ph sz="quarter" idx="10"/>
+          </p:nvPr>
+        </p:nvSpPr>
+        <p:spPr/>
+        <p:txBody>
+          <a:bodyPr/>
+          <a:lstStyle/>
+          <a:p>
+            <a:endParaRPr lang="zh-CN" altLang="en-US" dirty="0"/>
+          </a:p>
+        </p:txBody>
+      </p:sp>
+      <p:pic>
+        <p:nvPicPr>
+          <p:cNvPr id="5" name="图片 4">
+            <a:extLst>
+              <a:ext uri="{FF2B5EF4-FFF2-40B4-BE49-F238E27FC236}">
+                <a16:creationId xmlns:a16="http://schemas.microsoft.com/office/drawing/2014/main" id="{F58620BD-864B-4690-B007-931D903C33E7}"/>
+              </a:ext>
+            </a:extLst>
+          </p:cNvPr>
+          <p:cNvPicPr>
+            <a:picLocks noChangeAspect="1"/>
+          </p:cNvPicPr>
+          <p:nvPr/>
+        </p:nvPicPr>
+        <p:blipFill>
+          <a:blip r:embed="rId2" cstate="print">
+            <a:extLst>
+              <a:ext uri="{28A0092B-C50C-407E-A947-70E740481C1C}">
+                <a14:useLocalDpi xmlns:a14="http://schemas.microsoft.com/office/drawing/2010/main" val="0"/>
+              </a:ext>
+            </a:extLst>
+          </a:blip>
+          <a:stretch>
+            <a:fillRect/>
+          </a:stretch>
+        </p:blipFill>
+        <p:spPr>
+          <a:xfrm>
+            <a:off x="541920" y="1685678"/>
+            <a:ext cx="8276369" cy="4775265"/>
+          </a:xfrm>
+          <a:prstGeom prst="rect">
+            <a:avLst/>
+          </a:prstGeom>
+        </p:spPr>
+      </p:pic>
+    </p:spTree>
+    <p:extLst>
+      <p:ext uri="{BB962C8B-B14F-4D97-AF65-F5344CB8AC3E}">
+        <p14:creationId xmlns:p14="http://schemas.microsoft.com/office/powerpoint/2010/main" val="3682613314"/>
+      </p:ext>
+    </p:extLst>
+  </p:cSld>
+  <p:clrMapOvr>
+    <a:masterClrMapping/>
+  </p:clrMapOvr>
+</p:sld>
+</file>
+
+<file path=ppt/slides/slide7.xml><?xml version="1.0" encoding="utf-8"?>
+<p:sld xmlns:a="http://schemas.openxmlformats.org/drawingml/2006/main" xmlns:r="http://schemas.openxmlformats.org/officeDocument/2006/relationships" xmlns:p="http://schemas.openxmlformats.org/presentationml/2006/main">
+  <p:cSld>
+    <p:spTree>
+      <p:nvGrpSpPr>
+        <p:cNvPr id="1" name=""/>
+        <p:cNvGrpSpPr/>
+        <p:nvPr/>
+      </p:nvGrpSpPr>
+      <p:grpSpPr>
+        <a:xfrm>
+          <a:off x="0" y="0"/>
+          <a:ext cx="0" cy="0"/>
+          <a:chOff x="0" y="0"/>
+          <a:chExt cx="0" cy="0"/>
+        </a:xfrm>
+      </p:grpSpPr>
+      <p:sp>
+        <p:nvSpPr>
           <p:cNvPr id="2" name="标题 1"/>
           <p:cNvSpPr>
             <a:spLocks noGrp="1"/>
@@ -35316,251 +35138,6 @@
         <p:spPr bwMode="auto">
           <a:xfrm>
             <a:off x="1841535" y="1367357"/>
-            <a:ext cx="843427" cy="343858"/>
-          </a:xfrm>
-          <a:custGeom>
-            <a:avLst/>
-            <a:gdLst>
-              <a:gd name="T0" fmla="*/ 3120 w 3800"/>
-              <a:gd name="T1" fmla="*/ 0 h 1532"/>
-              <a:gd name="T2" fmla="*/ 682 w 3800"/>
-              <a:gd name="T3" fmla="*/ 0 h 1532"/>
-              <a:gd name="T4" fmla="*/ 682 w 3800"/>
-              <a:gd name="T5" fmla="*/ 284 h 1532"/>
-              <a:gd name="T6" fmla="*/ 0 w 3800"/>
-              <a:gd name="T7" fmla="*/ 766 h 1532"/>
-              <a:gd name="T8" fmla="*/ 682 w 3800"/>
-              <a:gd name="T9" fmla="*/ 1248 h 1532"/>
-              <a:gd name="T10" fmla="*/ 682 w 3800"/>
-              <a:gd name="T11" fmla="*/ 1532 h 1532"/>
-              <a:gd name="T12" fmla="*/ 3120 w 3800"/>
-              <a:gd name="T13" fmla="*/ 1532 h 1532"/>
-              <a:gd name="T14" fmla="*/ 3120 w 3800"/>
-              <a:gd name="T15" fmla="*/ 1248 h 1532"/>
-              <a:gd name="T16" fmla="*/ 3800 w 3800"/>
-              <a:gd name="T17" fmla="*/ 766 h 1532"/>
-              <a:gd name="T18" fmla="*/ 3120 w 3800"/>
-              <a:gd name="T19" fmla="*/ 284 h 1532"/>
-              <a:gd name="T20" fmla="*/ 3120 w 3800"/>
-              <a:gd name="T21" fmla="*/ 0 h 1532"/>
-            </a:gdLst>
-            <a:ahLst/>
-            <a:cxnLst>
-              <a:cxn ang="0">
-                <a:pos x="T0" y="T1"/>
-              </a:cxn>
-              <a:cxn ang="0">
-                <a:pos x="T2" y="T3"/>
-              </a:cxn>
-              <a:cxn ang="0">
-                <a:pos x="T4" y="T5"/>
-              </a:cxn>
-              <a:cxn ang="0">
-                <a:pos x="T6" y="T7"/>
-              </a:cxn>
-              <a:cxn ang="0">
-                <a:pos x="T8" y="T9"/>
-              </a:cxn>
-              <a:cxn ang="0">
-                <a:pos x="T10" y="T11"/>
-              </a:cxn>
-              <a:cxn ang="0">
-                <a:pos x="T12" y="T13"/>
-              </a:cxn>
-              <a:cxn ang="0">
-                <a:pos x="T14" y="T15"/>
-              </a:cxn>
-              <a:cxn ang="0">
-                <a:pos x="T16" y="T17"/>
-              </a:cxn>
-              <a:cxn ang="0">
-                <a:pos x="T18" y="T19"/>
-              </a:cxn>
-              <a:cxn ang="0">
-                <a:pos x="T20" y="T21"/>
-              </a:cxn>
-            </a:cxnLst>
-            <a:rect l="0" t="0" r="r" b="b"/>
-            <a:pathLst>
-              <a:path w="3800" h="1532">
-                <a:moveTo>
-                  <a:pt x="3120" y="0"/>
-                </a:moveTo>
-                <a:lnTo>
-                  <a:pt x="682" y="0"/>
-                </a:lnTo>
-                <a:lnTo>
-                  <a:pt x="682" y="284"/>
-                </a:lnTo>
-                <a:lnTo>
-                  <a:pt x="0" y="766"/>
-                </a:lnTo>
-                <a:lnTo>
-                  <a:pt x="682" y="1248"/>
-                </a:lnTo>
-                <a:lnTo>
-                  <a:pt x="682" y="1532"/>
-                </a:lnTo>
-                <a:lnTo>
-                  <a:pt x="3120" y="1532"/>
-                </a:lnTo>
-                <a:lnTo>
-                  <a:pt x="3120" y="1248"/>
-                </a:lnTo>
-                <a:lnTo>
-                  <a:pt x="3800" y="766"/>
-                </a:lnTo>
-                <a:lnTo>
-                  <a:pt x="3120" y="284"/>
-                </a:lnTo>
-                <a:lnTo>
-                  <a:pt x="3120" y="0"/>
-                </a:lnTo>
-                <a:close/>
-              </a:path>
-            </a:pathLst>
-          </a:custGeom>
-          <a:solidFill>
-            <a:schemeClr val="accent1"/>
-          </a:solidFill>
-          <a:ln>
-            <a:noFill/>
-          </a:ln>
-        </p:spPr>
-        <p:txBody>
-          <a:bodyPr vert="horz" wrap="square" lIns="91440" tIns="45720" rIns="91440" bIns="45720" numCol="1" anchor="ctr" anchorCtr="0" compatLnSpc="1">
-            <a:prstTxWarp prst="textNoShape">
-              <a:avLst/>
-            </a:prstTxWarp>
-            <a:noAutofit/>
-          </a:bodyPr>
-          <a:lstStyle/>
-          <a:p>
-            <a:pPr algn="ctr"/>
-            <a:endParaRPr lang="zh-CN" altLang="en-US" sz="3200" b="1"/>
-          </a:p>
-        </p:txBody>
-      </p:sp>
-      <p:sp>
-        <p:nvSpPr>
-          <p:cNvPr id="5" name="文本框 4"/>
-          <p:cNvSpPr txBox="1"/>
-          <p:nvPr userDrawn="1"/>
-        </p:nvSpPr>
-        <p:spPr>
-          <a:xfrm>
-            <a:off x="2071646" y="1303550"/>
-            <a:ext cx="383206" cy="443226"/>
-          </a:xfrm>
-          <a:prstGeom prst="rect">
-            <a:avLst/>
-          </a:prstGeom>
-          <a:noFill/>
-        </p:spPr>
-        <p:txBody>
-          <a:bodyPr wrap="none" rtlCol="0" anchor="ctr">
-            <a:noAutofit/>
-          </a:bodyPr>
-          <a:lstStyle/>
-          <a:p>
-            <a:pPr algn="ctr"/>
-            <a:r>
-              <a:rPr lang="en-US" altLang="zh-CN" b="1" dirty="0">
-                <a:solidFill>
-                  <a:schemeClr val="bg1"/>
-                </a:solidFill>
-                <a:latin typeface="微软雅黑" panose="020B0503020204020204" pitchFamily="34" charset="-122"/>
-                <a:ea typeface="微软雅黑" panose="020B0503020204020204" pitchFamily="34" charset="-122"/>
-              </a:rPr>
-              <a:t>1</a:t>
-            </a:r>
-            <a:endParaRPr lang="zh-CN" altLang="en-US" b="1" dirty="0">
-              <a:solidFill>
-                <a:schemeClr val="bg1"/>
-              </a:solidFill>
-              <a:latin typeface="微软雅黑" panose="020B0503020204020204" pitchFamily="34" charset="-122"/>
-              <a:ea typeface="微软雅黑" panose="020B0503020204020204" pitchFamily="34" charset="-122"/>
-            </a:endParaRPr>
-          </a:p>
-        </p:txBody>
-      </p:sp>
-      <p:cxnSp>
-        <p:nvCxnSpPr>
-          <p:cNvPr id="7" name="直接连接符 6"/>
-          <p:cNvCxnSpPr>
-            <a:stCxn id="4" idx="6"/>
-          </p:cNvCxnSpPr>
-          <p:nvPr/>
-        </p:nvCxnSpPr>
-        <p:spPr>
-          <a:xfrm>
-            <a:off x="2534033" y="1711215"/>
-            <a:ext cx="4500000" cy="0"/>
-          </a:xfrm>
-          <a:prstGeom prst="line">
-            <a:avLst/>
-          </a:prstGeom>
-          <a:ln>
-            <a:solidFill>
-              <a:schemeClr val="accent1"/>
-            </a:solidFill>
-          </a:ln>
-        </p:spPr>
-        <p:style>
-          <a:lnRef idx="1">
-            <a:schemeClr val="accent1"/>
-          </a:lnRef>
-          <a:fillRef idx="0">
-            <a:schemeClr val="accent1"/>
-          </a:fillRef>
-          <a:effectRef idx="0">
-            <a:schemeClr val="accent1"/>
-          </a:effectRef>
-          <a:fontRef idx="minor">
-            <a:schemeClr val="tx1"/>
-          </a:fontRef>
-        </p:style>
-      </p:cxnSp>
-      <p:sp>
-        <p:nvSpPr>
-          <p:cNvPr id="11" name="文本框 10"/>
-          <p:cNvSpPr txBox="1"/>
-          <p:nvPr/>
-        </p:nvSpPr>
-        <p:spPr>
-          <a:xfrm>
-            <a:off x="2915073" y="1274734"/>
-            <a:ext cx="4387392" cy="461665"/>
-          </a:xfrm>
-          <a:prstGeom prst="rect">
-            <a:avLst/>
-          </a:prstGeom>
-          <a:noFill/>
-        </p:spPr>
-        <p:txBody>
-          <a:bodyPr wrap="square" rtlCol="0">
-            <a:spAutoFit/>
-          </a:bodyPr>
-          <a:lstStyle/>
-          <a:p>
-            <a:r>
-              <a:rPr lang="zh-CN" altLang="en-US" sz="2400" dirty="0"/>
-              <a:t>界面原型</a:t>
-            </a:r>
-          </a:p>
-        </p:txBody>
-      </p:sp>
-      <p:sp>
-        <p:nvSpPr>
-          <p:cNvPr id="13" name="Freeform 10"/>
-          <p:cNvSpPr>
-            <a:spLocks/>
-          </p:cNvSpPr>
-          <p:nvPr userDrawn="1"/>
-        </p:nvSpPr>
-        <p:spPr bwMode="auto">
-          <a:xfrm>
-            <a:off x="1841535" y="2287330"/>
             <a:ext cx="843427" cy="343858"/>
           </a:xfrm>
           <a:custGeom>
@@ -35688,6 +35265,258 @@
       </p:sp>
       <p:sp>
         <p:nvSpPr>
+          <p:cNvPr id="5" name="文本框 4"/>
+          <p:cNvSpPr txBox="1"/>
+          <p:nvPr userDrawn="1"/>
+        </p:nvSpPr>
+        <p:spPr>
+          <a:xfrm>
+            <a:off x="2071646" y="1303550"/>
+            <a:ext cx="383206" cy="443226"/>
+          </a:xfrm>
+          <a:prstGeom prst="rect">
+            <a:avLst/>
+          </a:prstGeom>
+          <a:noFill/>
+        </p:spPr>
+        <p:txBody>
+          <a:bodyPr wrap="none" rtlCol="0" anchor="ctr">
+            <a:noAutofit/>
+          </a:bodyPr>
+          <a:lstStyle/>
+          <a:p>
+            <a:pPr algn="ctr"/>
+            <a:r>
+              <a:rPr lang="en-US" altLang="zh-CN" b="1" dirty="0">
+                <a:solidFill>
+                  <a:schemeClr val="bg1"/>
+                </a:solidFill>
+                <a:latin typeface="微软雅黑" panose="020B0503020204020204" pitchFamily="34" charset="-122"/>
+                <a:ea typeface="微软雅黑" panose="020B0503020204020204" pitchFamily="34" charset="-122"/>
+              </a:rPr>
+              <a:t>1</a:t>
+            </a:r>
+            <a:endParaRPr lang="zh-CN" altLang="en-US" b="1" dirty="0">
+              <a:solidFill>
+                <a:schemeClr val="bg1"/>
+              </a:solidFill>
+              <a:latin typeface="微软雅黑" panose="020B0503020204020204" pitchFamily="34" charset="-122"/>
+              <a:ea typeface="微软雅黑" panose="020B0503020204020204" pitchFamily="34" charset="-122"/>
+            </a:endParaRPr>
+          </a:p>
+        </p:txBody>
+      </p:sp>
+      <p:cxnSp>
+        <p:nvCxnSpPr>
+          <p:cNvPr id="7" name="直接连接符 6"/>
+          <p:cNvCxnSpPr>
+            <a:stCxn id="4" idx="6"/>
+          </p:cNvCxnSpPr>
+          <p:nvPr/>
+        </p:nvCxnSpPr>
+        <p:spPr>
+          <a:xfrm>
+            <a:off x="2534033" y="1711215"/>
+            <a:ext cx="4500000" cy="0"/>
+          </a:xfrm>
+          <a:prstGeom prst="line">
+            <a:avLst/>
+          </a:prstGeom>
+          <a:ln>
+            <a:solidFill>
+              <a:schemeClr val="bg2"/>
+            </a:solidFill>
+          </a:ln>
+        </p:spPr>
+        <p:style>
+          <a:lnRef idx="1">
+            <a:schemeClr val="accent1"/>
+          </a:lnRef>
+          <a:fillRef idx="0">
+            <a:schemeClr val="accent1"/>
+          </a:fillRef>
+          <a:effectRef idx="0">
+            <a:schemeClr val="accent1"/>
+          </a:effectRef>
+          <a:fontRef idx="minor">
+            <a:schemeClr val="tx1"/>
+          </a:fontRef>
+        </p:style>
+      </p:cxnSp>
+      <p:sp>
+        <p:nvSpPr>
+          <p:cNvPr id="11" name="文本框 10"/>
+          <p:cNvSpPr txBox="1"/>
+          <p:nvPr/>
+        </p:nvSpPr>
+        <p:spPr>
+          <a:xfrm>
+            <a:off x="2915073" y="1274734"/>
+            <a:ext cx="4387392" cy="461665"/>
+          </a:xfrm>
+          <a:prstGeom prst="rect">
+            <a:avLst/>
+          </a:prstGeom>
+          <a:noFill/>
+        </p:spPr>
+        <p:txBody>
+          <a:bodyPr wrap="square" rtlCol="0">
+            <a:spAutoFit/>
+          </a:bodyPr>
+          <a:lstStyle/>
+          <a:p>
+            <a:r>
+              <a:rPr lang="zh-CN" altLang="en-US" sz="2400" dirty="0">
+                <a:solidFill>
+                  <a:schemeClr val="tx1">
+                    <a:lumMod val="75000"/>
+                    <a:lumOff val="25000"/>
+                  </a:schemeClr>
+                </a:solidFill>
+              </a:rPr>
+              <a:t>界面原型</a:t>
+            </a:r>
+          </a:p>
+        </p:txBody>
+      </p:sp>
+      <p:sp>
+        <p:nvSpPr>
+          <p:cNvPr id="13" name="Freeform 10"/>
+          <p:cNvSpPr>
+            <a:spLocks/>
+          </p:cNvSpPr>
+          <p:nvPr userDrawn="1"/>
+        </p:nvSpPr>
+        <p:spPr bwMode="auto">
+          <a:xfrm>
+            <a:off x="1841535" y="2287330"/>
+            <a:ext cx="843427" cy="343858"/>
+          </a:xfrm>
+          <a:custGeom>
+            <a:avLst/>
+            <a:gdLst>
+              <a:gd name="T0" fmla="*/ 3120 w 3800"/>
+              <a:gd name="T1" fmla="*/ 0 h 1532"/>
+              <a:gd name="T2" fmla="*/ 682 w 3800"/>
+              <a:gd name="T3" fmla="*/ 0 h 1532"/>
+              <a:gd name="T4" fmla="*/ 682 w 3800"/>
+              <a:gd name="T5" fmla="*/ 284 h 1532"/>
+              <a:gd name="T6" fmla="*/ 0 w 3800"/>
+              <a:gd name="T7" fmla="*/ 766 h 1532"/>
+              <a:gd name="T8" fmla="*/ 682 w 3800"/>
+              <a:gd name="T9" fmla="*/ 1248 h 1532"/>
+              <a:gd name="T10" fmla="*/ 682 w 3800"/>
+              <a:gd name="T11" fmla="*/ 1532 h 1532"/>
+              <a:gd name="T12" fmla="*/ 3120 w 3800"/>
+              <a:gd name="T13" fmla="*/ 1532 h 1532"/>
+              <a:gd name="T14" fmla="*/ 3120 w 3800"/>
+              <a:gd name="T15" fmla="*/ 1248 h 1532"/>
+              <a:gd name="T16" fmla="*/ 3800 w 3800"/>
+              <a:gd name="T17" fmla="*/ 766 h 1532"/>
+              <a:gd name="T18" fmla="*/ 3120 w 3800"/>
+              <a:gd name="T19" fmla="*/ 284 h 1532"/>
+              <a:gd name="T20" fmla="*/ 3120 w 3800"/>
+              <a:gd name="T21" fmla="*/ 0 h 1532"/>
+            </a:gdLst>
+            <a:ahLst/>
+            <a:cxnLst>
+              <a:cxn ang="0">
+                <a:pos x="T0" y="T1"/>
+              </a:cxn>
+              <a:cxn ang="0">
+                <a:pos x="T2" y="T3"/>
+              </a:cxn>
+              <a:cxn ang="0">
+                <a:pos x="T4" y="T5"/>
+              </a:cxn>
+              <a:cxn ang="0">
+                <a:pos x="T6" y="T7"/>
+              </a:cxn>
+              <a:cxn ang="0">
+                <a:pos x="T8" y="T9"/>
+              </a:cxn>
+              <a:cxn ang="0">
+                <a:pos x="T10" y="T11"/>
+              </a:cxn>
+              <a:cxn ang="0">
+                <a:pos x="T12" y="T13"/>
+              </a:cxn>
+              <a:cxn ang="0">
+                <a:pos x="T14" y="T15"/>
+              </a:cxn>
+              <a:cxn ang="0">
+                <a:pos x="T16" y="T17"/>
+              </a:cxn>
+              <a:cxn ang="0">
+                <a:pos x="T18" y="T19"/>
+              </a:cxn>
+              <a:cxn ang="0">
+                <a:pos x="T20" y="T21"/>
+              </a:cxn>
+            </a:cxnLst>
+            <a:rect l="0" t="0" r="r" b="b"/>
+            <a:pathLst>
+              <a:path w="3800" h="1532">
+                <a:moveTo>
+                  <a:pt x="3120" y="0"/>
+                </a:moveTo>
+                <a:lnTo>
+                  <a:pt x="682" y="0"/>
+                </a:lnTo>
+                <a:lnTo>
+                  <a:pt x="682" y="284"/>
+                </a:lnTo>
+                <a:lnTo>
+                  <a:pt x="0" y="766"/>
+                </a:lnTo>
+                <a:lnTo>
+                  <a:pt x="682" y="1248"/>
+                </a:lnTo>
+                <a:lnTo>
+                  <a:pt x="682" y="1532"/>
+                </a:lnTo>
+                <a:lnTo>
+                  <a:pt x="3120" y="1532"/>
+                </a:lnTo>
+                <a:lnTo>
+                  <a:pt x="3120" y="1248"/>
+                </a:lnTo>
+                <a:lnTo>
+                  <a:pt x="3800" y="766"/>
+                </a:lnTo>
+                <a:lnTo>
+                  <a:pt x="3120" y="284"/>
+                </a:lnTo>
+                <a:lnTo>
+                  <a:pt x="3120" y="0"/>
+                </a:lnTo>
+                <a:close/>
+              </a:path>
+            </a:pathLst>
+          </a:custGeom>
+          <a:solidFill>
+            <a:schemeClr val="accent1"/>
+          </a:solidFill>
+          <a:ln>
+            <a:noFill/>
+          </a:ln>
+        </p:spPr>
+        <p:txBody>
+          <a:bodyPr vert="horz" wrap="square" lIns="91440" tIns="45720" rIns="91440" bIns="45720" numCol="1" anchor="ctr" anchorCtr="0" compatLnSpc="1">
+            <a:prstTxWarp prst="textNoShape">
+              <a:avLst/>
+            </a:prstTxWarp>
+            <a:noAutofit/>
+          </a:bodyPr>
+          <a:lstStyle/>
+          <a:p>
+            <a:pPr algn="ctr"/>
+            <a:endParaRPr lang="zh-CN" altLang="en-US" sz="3200" b="1"/>
+          </a:p>
+        </p:txBody>
+      </p:sp>
+      <p:sp>
+        <p:nvSpPr>
           <p:cNvPr id="14" name="文本框 13"/>
           <p:cNvSpPr txBox="1"/>
           <p:nvPr userDrawn="1"/>
@@ -35747,7 +35576,7 @@
           </a:prstGeom>
           <a:ln>
             <a:solidFill>
-              <a:schemeClr val="bg2"/>
+              <a:schemeClr val="accent1"/>
             </a:solidFill>
           </a:ln>
         </p:spPr>
@@ -35789,7 +35618,7 @@
           <a:lstStyle/>
           <a:p>
             <a:r>
-              <a:rPr lang="zh-CN" altLang="en-US" sz="2400" dirty="0" smtClean="0">
+              <a:rPr lang="zh-CN" altLang="en-US" sz="2400" dirty="0">
                 <a:solidFill>
                   <a:schemeClr val="tx1">
                     <a:lumMod val="75000"/>
@@ -35799,14 +35628,6 @@
               </a:rPr>
               <a:t>软件价值</a:t>
             </a:r>
-            <a:endParaRPr lang="zh-CN" altLang="en-US" sz="2400" dirty="0">
-              <a:solidFill>
-                <a:schemeClr val="tx1">
-                  <a:lumMod val="75000"/>
-                  <a:lumOff val="25000"/>
-                </a:schemeClr>
-              </a:solidFill>
-            </a:endParaRPr>
           </a:p>
         </p:txBody>
       </p:sp>
@@ -36049,7 +35870,7 @@
           <a:lstStyle/>
           <a:p>
             <a:r>
-              <a:rPr lang="zh-CN" altLang="en-US" sz="2400" dirty="0" smtClean="0">
+              <a:rPr lang="zh-CN" altLang="en-US" sz="2400" dirty="0">
                 <a:solidFill>
                   <a:schemeClr val="tx1">
                     <a:lumMod val="75000"/>
@@ -36059,14 +35880,6 @@
               </a:rPr>
               <a:t>软件特性和优点</a:t>
             </a:r>
-            <a:endParaRPr lang="zh-CN" altLang="en-US" sz="2400" dirty="0">
-              <a:solidFill>
-                <a:schemeClr val="tx1">
-                  <a:lumMod val="75000"/>
-                  <a:lumOff val="25000"/>
-                </a:schemeClr>
-              </a:solidFill>
-            </a:endParaRPr>
           </a:p>
         </p:txBody>
       </p:sp>
@@ -36309,7 +36122,7 @@
           <a:lstStyle/>
           <a:p>
             <a:r>
-              <a:rPr lang="zh-CN" altLang="en-US" sz="2400" dirty="0" smtClean="0">
+              <a:rPr lang="zh-CN" altLang="en-US" sz="2400" dirty="0">
                 <a:solidFill>
                   <a:schemeClr val="tx1">
                     <a:lumMod val="75000"/>
@@ -36319,14 +36132,6 @@
               </a:rPr>
               <a:t>迭代评估</a:t>
             </a:r>
-            <a:endParaRPr lang="zh-CN" altLang="en-US" sz="2400" dirty="0">
-              <a:solidFill>
-                <a:schemeClr val="tx1">
-                  <a:lumMod val="75000"/>
-                  <a:lumOff val="25000"/>
-                </a:schemeClr>
-              </a:solidFill>
-            </a:endParaRPr>
           </a:p>
         </p:txBody>
       </p:sp>
@@ -36338,7 +36143,7 @@
         </p:nvSpPr>
         <p:spPr>
           <a:xfrm>
-            <a:off x="2071646" y="4983444"/>
+            <a:off x="2112319" y="4983442"/>
             <a:ext cx="383206" cy="443226"/>
           </a:xfrm>
           <a:prstGeom prst="rect">
@@ -36376,313 +36181,13 @@
     </p:spTree>
     <p:extLst>
       <p:ext uri="{BB962C8B-B14F-4D97-AF65-F5344CB8AC3E}">
-        <p14:creationId xmlns:p14="http://schemas.microsoft.com/office/powerpoint/2010/main" val="1846209069"/>
+        <p14:creationId xmlns:p14="http://schemas.microsoft.com/office/powerpoint/2010/main" val="3595279237"/>
       </p:ext>
     </p:extLst>
   </p:cSld>
   <p:clrMapOvr>
     <a:masterClrMapping/>
   </p:clrMapOvr>
-  <mc:AlternateContent xmlns:mc="http://schemas.openxmlformats.org/markup-compatibility/2006" xmlns:p14="http://schemas.microsoft.com/office/powerpoint/2010/main">
-    <mc:Choice Requires="p14">
-      <p:transition p14:dur="10"/>
-    </mc:Choice>
-    <mc:Fallback xmlns="">
-      <p:transition/>
-    </mc:Fallback>
-  </mc:AlternateContent>
-  <p:timing>
-    <p:tnLst>
-      <p:par>
-        <p:cTn id="1" dur="indefinite" restart="never" nodeType="tmRoot"/>
-      </p:par>
-    </p:tnLst>
-  </p:timing>
-</p:sld>
-</file>
-
-<file path=ppt/slides/slide5.xml><?xml version="1.0" encoding="utf-8"?>
-<p:sld xmlns:a="http://schemas.openxmlformats.org/drawingml/2006/main" xmlns:r="http://schemas.openxmlformats.org/officeDocument/2006/relationships" xmlns:p="http://schemas.openxmlformats.org/presentationml/2006/main">
-  <p:cSld>
-    <p:spTree>
-      <p:nvGrpSpPr>
-        <p:cNvPr id="1" name=""/>
-        <p:cNvGrpSpPr/>
-        <p:nvPr/>
-      </p:nvGrpSpPr>
-      <p:grpSpPr>
-        <a:xfrm>
-          <a:off x="0" y="0"/>
-          <a:ext cx="0" cy="0"/>
-          <a:chOff x="0" y="0"/>
-          <a:chExt cx="0" cy="0"/>
-        </a:xfrm>
-      </p:grpSpPr>
-      <p:sp>
-        <p:nvSpPr>
-          <p:cNvPr id="3" name="标题 2"/>
-          <p:cNvSpPr>
-            <a:spLocks noGrp="1"/>
-          </p:cNvSpPr>
-          <p:nvPr>
-            <p:ph type="title"/>
-          </p:nvPr>
-        </p:nvSpPr>
-        <p:spPr/>
-        <p:txBody>
-          <a:bodyPr/>
-          <a:lstStyle/>
-          <a:p>
-            <a:r>
-              <a:rPr lang="zh-CN" altLang="en-US" dirty="0"/>
-              <a:t>登录</a:t>
-            </a:r>
-            <a:r>
-              <a:rPr lang="zh-CN" altLang="en-US" dirty="0" smtClean="0"/>
-              <a:t>页面</a:t>
-            </a:r>
-            <a:endParaRPr lang="zh-CN" altLang="en-US" dirty="0"/>
-          </a:p>
-        </p:txBody>
-      </p:sp>
-      <p:pic>
-        <p:nvPicPr>
-          <p:cNvPr id="11" name="内容占位符 10"/>
-          <p:cNvPicPr>
-            <a:picLocks noGrp="1" noChangeAspect="1"/>
-          </p:cNvPicPr>
-          <p:nvPr>
-            <p:ph sz="quarter" idx="10"/>
-          </p:nvPr>
-        </p:nvPicPr>
-        <p:blipFill>
-          <a:blip r:embed="rId2">
-            <a:extLst>
-              <a:ext uri="{28A0092B-C50C-407E-A947-70E740481C1C}">
-                <a14:useLocalDpi xmlns:a14="http://schemas.microsoft.com/office/drawing/2010/main" val="0"/>
-              </a:ext>
-            </a:extLst>
-          </a:blip>
-          <a:stretch>
-            <a:fillRect/>
-          </a:stretch>
-        </p:blipFill>
-        <p:spPr>
-          <a:xfrm>
-            <a:off x="493712" y="1855064"/>
-            <a:ext cx="8372475" cy="4020263"/>
-          </a:xfrm>
-          <a:prstGeom prst="rect">
-            <a:avLst/>
-          </a:prstGeom>
-        </p:spPr>
-      </p:pic>
-    </p:spTree>
-    <p:extLst>
-      <p:ext uri="{BB962C8B-B14F-4D97-AF65-F5344CB8AC3E}">
-        <p14:creationId xmlns:p14="http://schemas.microsoft.com/office/powerpoint/2010/main" val="4256661517"/>
-      </p:ext>
-    </p:extLst>
-  </p:cSld>
-  <p:clrMapOvr>
-    <a:masterClrMapping/>
-  </p:clrMapOvr>
-  <p:timing>
-    <p:tnLst>
-      <p:par>
-        <p:cTn id="1" dur="indefinite" restart="never" nodeType="tmRoot"/>
-      </p:par>
-    </p:tnLst>
-  </p:timing>
-</p:sld>
-</file>
-
-<file path=ppt/slides/slide6.xml><?xml version="1.0" encoding="utf-8"?>
-<p:sld xmlns:a="http://schemas.openxmlformats.org/drawingml/2006/main" xmlns:r="http://schemas.openxmlformats.org/officeDocument/2006/relationships" xmlns:p="http://schemas.openxmlformats.org/presentationml/2006/main">
-  <p:cSld>
-    <p:spTree>
-      <p:nvGrpSpPr>
-        <p:cNvPr id="1" name=""/>
-        <p:cNvGrpSpPr/>
-        <p:nvPr/>
-      </p:nvGrpSpPr>
-      <p:grpSpPr>
-        <a:xfrm>
-          <a:off x="0" y="0"/>
-          <a:ext cx="0" cy="0"/>
-          <a:chOff x="0" y="0"/>
-          <a:chExt cx="0" cy="0"/>
-        </a:xfrm>
-      </p:grpSpPr>
-      <p:sp>
-        <p:nvSpPr>
-          <p:cNvPr id="3" name="标题 2"/>
-          <p:cNvSpPr>
-            <a:spLocks noGrp="1"/>
-          </p:cNvSpPr>
-          <p:nvPr>
-            <p:ph type="title"/>
-          </p:nvPr>
-        </p:nvSpPr>
-        <p:spPr/>
-        <p:txBody>
-          <a:bodyPr/>
-          <a:lstStyle/>
-          <a:p>
-            <a:r>
-              <a:rPr lang="zh-CN" altLang="en-US" dirty="0"/>
-              <a:t>注册</a:t>
-            </a:r>
-            <a:r>
-              <a:rPr lang="zh-CN" altLang="en-US" dirty="0" smtClean="0"/>
-              <a:t>页面</a:t>
-            </a:r>
-            <a:endParaRPr lang="zh-CN" altLang="en-US" dirty="0"/>
-          </a:p>
-        </p:txBody>
-      </p:sp>
-      <p:pic>
-        <p:nvPicPr>
-          <p:cNvPr id="4" name="内容占位符 3"/>
-          <p:cNvPicPr>
-            <a:picLocks noGrp="1" noChangeAspect="1"/>
-          </p:cNvPicPr>
-          <p:nvPr>
-            <p:ph sz="quarter" idx="10"/>
-          </p:nvPr>
-        </p:nvPicPr>
-        <p:blipFill>
-          <a:blip r:embed="rId2">
-            <a:extLst>
-              <a:ext uri="{28A0092B-C50C-407E-A947-70E740481C1C}">
-                <a14:useLocalDpi xmlns:a14="http://schemas.microsoft.com/office/drawing/2010/main" val="0"/>
-              </a:ext>
-            </a:extLst>
-          </a:blip>
-          <a:stretch>
-            <a:fillRect/>
-          </a:stretch>
-        </p:blipFill>
-        <p:spPr>
-          <a:xfrm>
-            <a:off x="493712" y="1930694"/>
-            <a:ext cx="8372475" cy="4027266"/>
-          </a:xfrm>
-        </p:spPr>
-      </p:pic>
-    </p:spTree>
-    <p:extLst>
-      <p:ext uri="{BB962C8B-B14F-4D97-AF65-F5344CB8AC3E}">
-        <p14:creationId xmlns:p14="http://schemas.microsoft.com/office/powerpoint/2010/main" val="4178676795"/>
-      </p:ext>
-    </p:extLst>
-  </p:cSld>
-  <p:clrMapOvr>
-    <a:masterClrMapping/>
-  </p:clrMapOvr>
-  <p:timing>
-    <p:tnLst>
-      <p:par>
-        <p:cTn id="1" dur="indefinite" restart="never" nodeType="tmRoot"/>
-      </p:par>
-    </p:tnLst>
-  </p:timing>
-</p:sld>
-</file>
-
-<file path=ppt/slides/slide7.xml><?xml version="1.0" encoding="utf-8"?>
-<p:sld xmlns:a="http://schemas.openxmlformats.org/drawingml/2006/main" xmlns:r="http://schemas.openxmlformats.org/officeDocument/2006/relationships" xmlns:p="http://schemas.openxmlformats.org/presentationml/2006/main">
-  <p:cSld>
-    <p:spTree>
-      <p:nvGrpSpPr>
-        <p:cNvPr id="1" name=""/>
-        <p:cNvGrpSpPr/>
-        <p:nvPr/>
-      </p:nvGrpSpPr>
-      <p:grpSpPr>
-        <a:xfrm>
-          <a:off x="0" y="0"/>
-          <a:ext cx="0" cy="0"/>
-          <a:chOff x="0" y="0"/>
-          <a:chExt cx="0" cy="0"/>
-        </a:xfrm>
-      </p:grpSpPr>
-      <p:sp>
-        <p:nvSpPr>
-          <p:cNvPr id="3" name="标题 2"/>
-          <p:cNvSpPr>
-            <a:spLocks noGrp="1"/>
-          </p:cNvSpPr>
-          <p:nvPr>
-            <p:ph type="title"/>
-          </p:nvPr>
-        </p:nvSpPr>
-        <p:spPr/>
-        <p:txBody>
-          <a:bodyPr/>
-          <a:lstStyle/>
-          <a:p>
-            <a:r>
-              <a:rPr lang="zh-CN" altLang="en-US" dirty="0"/>
-              <a:t>画图</a:t>
-            </a:r>
-            <a:r>
-              <a:rPr lang="zh-CN" altLang="en-US" dirty="0" smtClean="0"/>
-              <a:t>页面</a:t>
-            </a:r>
-            <a:endParaRPr lang="zh-CN" altLang="en-US" dirty="0"/>
-          </a:p>
-        </p:txBody>
-      </p:sp>
-      <p:pic>
-        <p:nvPicPr>
-          <p:cNvPr id="7" name="内容占位符 6"/>
-          <p:cNvPicPr>
-            <a:picLocks noGrp="1" noChangeAspect="1"/>
-          </p:cNvPicPr>
-          <p:nvPr>
-            <p:ph sz="quarter" idx="10"/>
-          </p:nvPr>
-        </p:nvPicPr>
-        <p:blipFill>
-          <a:blip r:embed="rId2">
-            <a:extLst>
-              <a:ext uri="{28A0092B-C50C-407E-A947-70E740481C1C}">
-                <a14:useLocalDpi xmlns:a14="http://schemas.microsoft.com/office/drawing/2010/main" val="0"/>
-              </a:ext>
-            </a:extLst>
-          </a:blip>
-          <a:stretch>
-            <a:fillRect/>
-          </a:stretch>
-        </p:blipFill>
-        <p:spPr>
-          <a:xfrm>
-            <a:off x="493712" y="1881845"/>
-            <a:ext cx="8372475" cy="4054623"/>
-          </a:xfrm>
-          <a:prstGeom prst="rect">
-            <a:avLst/>
-          </a:prstGeom>
-        </p:spPr>
-      </p:pic>
-    </p:spTree>
-    <p:extLst>
-      <p:ext uri="{BB962C8B-B14F-4D97-AF65-F5344CB8AC3E}">
-        <p14:creationId xmlns:p14="http://schemas.microsoft.com/office/powerpoint/2010/main" val="2004466028"/>
-      </p:ext>
-    </p:extLst>
-  </p:cSld>
-  <p:clrMapOvr>
-    <a:masterClrMapping/>
-  </p:clrMapOvr>
-  <p:timing>
-    <p:tnLst>
-      <p:par>
-        <p:cTn id="1" dur="indefinite" restart="never" nodeType="tmRoot"/>
-      </p:par>
-    </p:tnLst>
-  </p:timing>
 </p:sld>
 </file>
 
@@ -36705,7 +36210,90 @@
       </p:grpSpPr>
       <p:sp>
         <p:nvSpPr>
-          <p:cNvPr id="2" name="标题 1"/>
+          <p:cNvPr id="4" name="内容占位符 3"/>
+          <p:cNvSpPr>
+            <a:spLocks noGrp="1"/>
+          </p:cNvSpPr>
+          <p:nvPr>
+            <p:ph sz="quarter" idx="10"/>
+          </p:nvPr>
+        </p:nvSpPr>
+        <p:spPr>
+          <a:xfrm>
+            <a:off x="494025" y="1685678"/>
+            <a:ext cx="8372162" cy="4921498"/>
+          </a:xfrm>
+        </p:spPr>
+        <p:txBody>
+          <a:bodyPr>
+            <a:normAutofit/>
+          </a:bodyPr>
+          <a:lstStyle/>
+          <a:p>
+            <a:pPr>
+              <a:lnSpc>
+                <a:spcPct val="150000"/>
+              </a:lnSpc>
+            </a:pPr>
+            <a:r>
+              <a:rPr lang="zh-CN" altLang="en-US" dirty="0">
+                <a:sym typeface="等线"/>
+              </a:rPr>
+              <a:t>随着计算机行业的迅速发展，青少年学生的编程教育也得到越来越多关注。我们的</a:t>
+            </a:r>
+            <a:r>
+              <a:rPr lang="en-US" altLang="zh-CN" dirty="0">
+                <a:sym typeface="等线"/>
+              </a:rPr>
+              <a:t>PCLOGO</a:t>
+            </a:r>
+            <a:r>
+              <a:rPr lang="zh-CN" altLang="en-US" dirty="0">
+                <a:sym typeface="等线"/>
+              </a:rPr>
+              <a:t>是一款有趣的游戏化学习平台，学生可以在用代码操纵小乌龟通关的过程中学习真正的编程语言编写代码，而不需要任何的编程基础。</a:t>
+            </a:r>
+            <a:endParaRPr lang="en-US" altLang="zh-CN" dirty="0">
+              <a:sym typeface="等线"/>
+            </a:endParaRPr>
+          </a:p>
+          <a:p>
+            <a:pPr>
+              <a:lnSpc>
+                <a:spcPct val="150000"/>
+              </a:lnSpc>
+            </a:pPr>
+            <a:r>
+              <a:rPr lang="zh-CN" altLang="en-US" dirty="0"/>
+              <a:t>我们所开发的图形化，卡通化的编程界面，将</a:t>
+            </a:r>
+            <a:r>
+              <a:rPr lang="zh-CN" altLang="en-US" dirty="0">
+                <a:sym typeface="等线"/>
+              </a:rPr>
+              <a:t>对青少年编程兴趣的培养，编程思维的建立，有事半功倍的效果。帮助他们入门编程，爱上编程。</a:t>
+            </a:r>
+            <a:endParaRPr lang="en-US" altLang="zh-CN" dirty="0">
+              <a:sym typeface="等线"/>
+            </a:endParaRPr>
+          </a:p>
+          <a:p>
+            <a:pPr>
+              <a:lnSpc>
+                <a:spcPct val="150000"/>
+              </a:lnSpc>
+            </a:pPr>
+            <a:r>
+              <a:rPr lang="zh-CN" altLang="en-US" dirty="0"/>
+              <a:t>同时我们还提供自由的单人、多人绘图功能，提供给用户自由的学习和编程。</a:t>
+            </a:r>
+            <a:endParaRPr lang="en-US" altLang="zh-CN" dirty="0"/>
+          </a:p>
+        </p:txBody>
+      </p:sp>
+      <p:sp>
+        <p:nvSpPr>
+          <p:cNvPr id="3" name="标题 2"/>
           <p:cNvSpPr>
             <a:spLocks noGrp="1"/>
           </p:cNvSpPr>
@@ -36715,1132 +36303,26 @@
         </p:nvSpPr>
         <p:spPr/>
         <p:txBody>
-          <a:bodyPr>
-            <a:normAutofit fontScale="90000"/>
-          </a:bodyPr>
+          <a:bodyPr/>
           <a:lstStyle/>
           <a:p>
             <a:r>
-              <a:rPr lang="zh-CN" altLang="en-US" dirty="0">
-                <a:latin typeface="微软雅黑" panose="020B0503020204020204" pitchFamily="34" charset="-122"/>
-                <a:ea typeface="微软雅黑" panose="020B0503020204020204" pitchFamily="34" charset="-122"/>
-              </a:rPr>
-              <a:t>目录 </a:t>
-            </a:r>
-            <a:r>
-              <a:rPr lang="en-US" altLang="zh-CN" dirty="0">
-                <a:latin typeface="微软雅黑" panose="020B0503020204020204" pitchFamily="34" charset="-122"/>
-                <a:ea typeface="微软雅黑" panose="020B0503020204020204" pitchFamily="34" charset="-122"/>
-              </a:rPr>
-              <a:t>Contents</a:t>
-            </a:r>
-            <a:endParaRPr lang="zh-CN" altLang="en-US" dirty="0">
-              <a:latin typeface="微软雅黑" panose="020B0503020204020204" pitchFamily="34" charset="-122"/>
-              <a:ea typeface="微软雅黑" panose="020B0503020204020204" pitchFamily="34" charset="-122"/>
-            </a:endParaRPr>
-          </a:p>
-        </p:txBody>
-      </p:sp>
-      <p:sp>
-        <p:nvSpPr>
-          <p:cNvPr id="4" name="Freeform 10"/>
-          <p:cNvSpPr>
-            <a:spLocks/>
-          </p:cNvSpPr>
-          <p:nvPr userDrawn="1"/>
-        </p:nvSpPr>
-        <p:spPr bwMode="auto">
-          <a:xfrm>
-            <a:off x="1841535" y="1367357"/>
-            <a:ext cx="843427" cy="343858"/>
-          </a:xfrm>
-          <a:custGeom>
-            <a:avLst/>
-            <a:gdLst>
-              <a:gd name="T0" fmla="*/ 3120 w 3800"/>
-              <a:gd name="T1" fmla="*/ 0 h 1532"/>
-              <a:gd name="T2" fmla="*/ 682 w 3800"/>
-              <a:gd name="T3" fmla="*/ 0 h 1532"/>
-              <a:gd name="T4" fmla="*/ 682 w 3800"/>
-              <a:gd name="T5" fmla="*/ 284 h 1532"/>
-              <a:gd name="T6" fmla="*/ 0 w 3800"/>
-              <a:gd name="T7" fmla="*/ 766 h 1532"/>
-              <a:gd name="T8" fmla="*/ 682 w 3800"/>
-              <a:gd name="T9" fmla="*/ 1248 h 1532"/>
-              <a:gd name="T10" fmla="*/ 682 w 3800"/>
-              <a:gd name="T11" fmla="*/ 1532 h 1532"/>
-              <a:gd name="T12" fmla="*/ 3120 w 3800"/>
-              <a:gd name="T13" fmla="*/ 1532 h 1532"/>
-              <a:gd name="T14" fmla="*/ 3120 w 3800"/>
-              <a:gd name="T15" fmla="*/ 1248 h 1532"/>
-              <a:gd name="T16" fmla="*/ 3800 w 3800"/>
-              <a:gd name="T17" fmla="*/ 766 h 1532"/>
-              <a:gd name="T18" fmla="*/ 3120 w 3800"/>
-              <a:gd name="T19" fmla="*/ 284 h 1532"/>
-              <a:gd name="T20" fmla="*/ 3120 w 3800"/>
-              <a:gd name="T21" fmla="*/ 0 h 1532"/>
-            </a:gdLst>
-            <a:ahLst/>
-            <a:cxnLst>
-              <a:cxn ang="0">
-                <a:pos x="T0" y="T1"/>
-              </a:cxn>
-              <a:cxn ang="0">
-                <a:pos x="T2" y="T3"/>
-              </a:cxn>
-              <a:cxn ang="0">
-                <a:pos x="T4" y="T5"/>
-              </a:cxn>
-              <a:cxn ang="0">
-                <a:pos x="T6" y="T7"/>
-              </a:cxn>
-              <a:cxn ang="0">
-                <a:pos x="T8" y="T9"/>
-              </a:cxn>
-              <a:cxn ang="0">
-                <a:pos x="T10" y="T11"/>
-              </a:cxn>
-              <a:cxn ang="0">
-                <a:pos x="T12" y="T13"/>
-              </a:cxn>
-              <a:cxn ang="0">
-                <a:pos x="T14" y="T15"/>
-              </a:cxn>
-              <a:cxn ang="0">
-                <a:pos x="T16" y="T17"/>
-              </a:cxn>
-              <a:cxn ang="0">
-                <a:pos x="T18" y="T19"/>
-              </a:cxn>
-              <a:cxn ang="0">
-                <a:pos x="T20" y="T21"/>
-              </a:cxn>
-            </a:cxnLst>
-            <a:rect l="0" t="0" r="r" b="b"/>
-            <a:pathLst>
-              <a:path w="3800" h="1532">
-                <a:moveTo>
-                  <a:pt x="3120" y="0"/>
-                </a:moveTo>
-                <a:lnTo>
-                  <a:pt x="682" y="0"/>
-                </a:lnTo>
-                <a:lnTo>
-                  <a:pt x="682" y="284"/>
-                </a:lnTo>
-                <a:lnTo>
-                  <a:pt x="0" y="766"/>
-                </a:lnTo>
-                <a:lnTo>
-                  <a:pt x="682" y="1248"/>
-                </a:lnTo>
-                <a:lnTo>
-                  <a:pt x="682" y="1532"/>
-                </a:lnTo>
-                <a:lnTo>
-                  <a:pt x="3120" y="1532"/>
-                </a:lnTo>
-                <a:lnTo>
-                  <a:pt x="3120" y="1248"/>
-                </a:lnTo>
-                <a:lnTo>
-                  <a:pt x="3800" y="766"/>
-                </a:lnTo>
-                <a:lnTo>
-                  <a:pt x="3120" y="284"/>
-                </a:lnTo>
-                <a:lnTo>
-                  <a:pt x="3120" y="0"/>
-                </a:lnTo>
-                <a:close/>
-              </a:path>
-            </a:pathLst>
-          </a:custGeom>
-          <a:solidFill>
-            <a:schemeClr val="bg2"/>
-          </a:solidFill>
-          <a:ln>
-            <a:noFill/>
-          </a:ln>
-        </p:spPr>
-        <p:txBody>
-          <a:bodyPr vert="horz" wrap="square" lIns="91440" tIns="45720" rIns="91440" bIns="45720" numCol="1" anchor="ctr" anchorCtr="0" compatLnSpc="1">
-            <a:prstTxWarp prst="textNoShape">
-              <a:avLst/>
-            </a:prstTxWarp>
-            <a:noAutofit/>
-          </a:bodyPr>
-          <a:lstStyle/>
-          <a:p>
-            <a:pPr algn="ctr"/>
-            <a:endParaRPr lang="zh-CN" altLang="en-US" sz="3200" b="1"/>
-          </a:p>
-        </p:txBody>
-      </p:sp>
-      <p:sp>
-        <p:nvSpPr>
-          <p:cNvPr id="5" name="文本框 4"/>
-          <p:cNvSpPr txBox="1"/>
-          <p:nvPr userDrawn="1"/>
-        </p:nvSpPr>
-        <p:spPr>
-          <a:xfrm>
-            <a:off x="2071646" y="1303550"/>
-            <a:ext cx="383206" cy="443226"/>
-          </a:xfrm>
-          <a:prstGeom prst="rect">
-            <a:avLst/>
-          </a:prstGeom>
-          <a:noFill/>
-        </p:spPr>
-        <p:txBody>
-          <a:bodyPr wrap="none" rtlCol="0" anchor="ctr">
-            <a:noAutofit/>
-          </a:bodyPr>
-          <a:lstStyle/>
-          <a:p>
-            <a:pPr algn="ctr"/>
-            <a:r>
-              <a:rPr lang="en-US" altLang="zh-CN" b="1" dirty="0">
-                <a:solidFill>
-                  <a:schemeClr val="bg1"/>
-                </a:solidFill>
-                <a:latin typeface="微软雅黑" panose="020B0503020204020204" pitchFamily="34" charset="-122"/>
-                <a:ea typeface="微软雅黑" panose="020B0503020204020204" pitchFamily="34" charset="-122"/>
-              </a:rPr>
-              <a:t>1</a:t>
-            </a:r>
-            <a:endParaRPr lang="zh-CN" altLang="en-US" b="1" dirty="0">
-              <a:solidFill>
-                <a:schemeClr val="bg1"/>
-              </a:solidFill>
-              <a:latin typeface="微软雅黑" panose="020B0503020204020204" pitchFamily="34" charset="-122"/>
-              <a:ea typeface="微软雅黑" panose="020B0503020204020204" pitchFamily="34" charset="-122"/>
-            </a:endParaRPr>
-          </a:p>
-        </p:txBody>
-      </p:sp>
-      <p:cxnSp>
-        <p:nvCxnSpPr>
-          <p:cNvPr id="7" name="直接连接符 6"/>
-          <p:cNvCxnSpPr>
-            <a:stCxn id="4" idx="6"/>
-          </p:cNvCxnSpPr>
-          <p:nvPr/>
-        </p:nvCxnSpPr>
-        <p:spPr>
-          <a:xfrm>
-            <a:off x="2534033" y="1711215"/>
-            <a:ext cx="4500000" cy="0"/>
-          </a:xfrm>
-          <a:prstGeom prst="line">
-            <a:avLst/>
-          </a:prstGeom>
-          <a:ln>
-            <a:solidFill>
-              <a:schemeClr val="bg2"/>
-            </a:solidFill>
-          </a:ln>
-        </p:spPr>
-        <p:style>
-          <a:lnRef idx="1">
-            <a:schemeClr val="accent1"/>
-          </a:lnRef>
-          <a:fillRef idx="0">
-            <a:schemeClr val="accent1"/>
-          </a:fillRef>
-          <a:effectRef idx="0">
-            <a:schemeClr val="accent1"/>
-          </a:effectRef>
-          <a:fontRef idx="minor">
-            <a:schemeClr val="tx1"/>
-          </a:fontRef>
-        </p:style>
-      </p:cxnSp>
-      <p:sp>
-        <p:nvSpPr>
-          <p:cNvPr id="11" name="文本框 10"/>
-          <p:cNvSpPr txBox="1"/>
-          <p:nvPr/>
-        </p:nvSpPr>
-        <p:spPr>
-          <a:xfrm>
-            <a:off x="2915073" y="1274734"/>
-            <a:ext cx="4387392" cy="461665"/>
-          </a:xfrm>
-          <a:prstGeom prst="rect">
-            <a:avLst/>
-          </a:prstGeom>
-          <a:noFill/>
-        </p:spPr>
-        <p:txBody>
-          <a:bodyPr wrap="square" rtlCol="0">
-            <a:spAutoFit/>
-          </a:bodyPr>
-          <a:lstStyle/>
-          <a:p>
-            <a:r>
-              <a:rPr lang="zh-CN" altLang="en-US" sz="2400" dirty="0" smtClean="0">
-                <a:solidFill>
-                  <a:schemeClr val="tx1">
-                    <a:lumMod val="75000"/>
-                    <a:lumOff val="25000"/>
-                  </a:schemeClr>
-                </a:solidFill>
-              </a:rPr>
-              <a:t>界面原型</a:t>
-            </a:r>
-            <a:endParaRPr lang="zh-CN" altLang="en-US" sz="2400" dirty="0">
-              <a:solidFill>
-                <a:schemeClr val="tx1">
-                  <a:lumMod val="75000"/>
-                  <a:lumOff val="25000"/>
-                </a:schemeClr>
-              </a:solidFill>
-            </a:endParaRPr>
-          </a:p>
-        </p:txBody>
-      </p:sp>
-      <p:sp>
-        <p:nvSpPr>
-          <p:cNvPr id="13" name="Freeform 10"/>
-          <p:cNvSpPr>
-            <a:spLocks/>
-          </p:cNvSpPr>
-          <p:nvPr userDrawn="1"/>
-        </p:nvSpPr>
-        <p:spPr bwMode="auto">
-          <a:xfrm>
-            <a:off x="1841535" y="2287330"/>
-            <a:ext cx="843427" cy="343858"/>
-          </a:xfrm>
-          <a:custGeom>
-            <a:avLst/>
-            <a:gdLst>
-              <a:gd name="T0" fmla="*/ 3120 w 3800"/>
-              <a:gd name="T1" fmla="*/ 0 h 1532"/>
-              <a:gd name="T2" fmla="*/ 682 w 3800"/>
-              <a:gd name="T3" fmla="*/ 0 h 1532"/>
-              <a:gd name="T4" fmla="*/ 682 w 3800"/>
-              <a:gd name="T5" fmla="*/ 284 h 1532"/>
-              <a:gd name="T6" fmla="*/ 0 w 3800"/>
-              <a:gd name="T7" fmla="*/ 766 h 1532"/>
-              <a:gd name="T8" fmla="*/ 682 w 3800"/>
-              <a:gd name="T9" fmla="*/ 1248 h 1532"/>
-              <a:gd name="T10" fmla="*/ 682 w 3800"/>
-              <a:gd name="T11" fmla="*/ 1532 h 1532"/>
-              <a:gd name="T12" fmla="*/ 3120 w 3800"/>
-              <a:gd name="T13" fmla="*/ 1532 h 1532"/>
-              <a:gd name="T14" fmla="*/ 3120 w 3800"/>
-              <a:gd name="T15" fmla="*/ 1248 h 1532"/>
-              <a:gd name="T16" fmla="*/ 3800 w 3800"/>
-              <a:gd name="T17" fmla="*/ 766 h 1532"/>
-              <a:gd name="T18" fmla="*/ 3120 w 3800"/>
-              <a:gd name="T19" fmla="*/ 284 h 1532"/>
-              <a:gd name="T20" fmla="*/ 3120 w 3800"/>
-              <a:gd name="T21" fmla="*/ 0 h 1532"/>
-            </a:gdLst>
-            <a:ahLst/>
-            <a:cxnLst>
-              <a:cxn ang="0">
-                <a:pos x="T0" y="T1"/>
-              </a:cxn>
-              <a:cxn ang="0">
-                <a:pos x="T2" y="T3"/>
-              </a:cxn>
-              <a:cxn ang="0">
-                <a:pos x="T4" y="T5"/>
-              </a:cxn>
-              <a:cxn ang="0">
-                <a:pos x="T6" y="T7"/>
-              </a:cxn>
-              <a:cxn ang="0">
-                <a:pos x="T8" y="T9"/>
-              </a:cxn>
-              <a:cxn ang="0">
-                <a:pos x="T10" y="T11"/>
-              </a:cxn>
-              <a:cxn ang="0">
-                <a:pos x="T12" y="T13"/>
-              </a:cxn>
-              <a:cxn ang="0">
-                <a:pos x="T14" y="T15"/>
-              </a:cxn>
-              <a:cxn ang="0">
-                <a:pos x="T16" y="T17"/>
-              </a:cxn>
-              <a:cxn ang="0">
-                <a:pos x="T18" y="T19"/>
-              </a:cxn>
-              <a:cxn ang="0">
-                <a:pos x="T20" y="T21"/>
-              </a:cxn>
-            </a:cxnLst>
-            <a:rect l="0" t="0" r="r" b="b"/>
-            <a:pathLst>
-              <a:path w="3800" h="1532">
-                <a:moveTo>
-                  <a:pt x="3120" y="0"/>
-                </a:moveTo>
-                <a:lnTo>
-                  <a:pt x="682" y="0"/>
-                </a:lnTo>
-                <a:lnTo>
-                  <a:pt x="682" y="284"/>
-                </a:lnTo>
-                <a:lnTo>
-                  <a:pt x="0" y="766"/>
-                </a:lnTo>
-                <a:lnTo>
-                  <a:pt x="682" y="1248"/>
-                </a:lnTo>
-                <a:lnTo>
-                  <a:pt x="682" y="1532"/>
-                </a:lnTo>
-                <a:lnTo>
-                  <a:pt x="3120" y="1532"/>
-                </a:lnTo>
-                <a:lnTo>
-                  <a:pt x="3120" y="1248"/>
-                </a:lnTo>
-                <a:lnTo>
-                  <a:pt x="3800" y="766"/>
-                </a:lnTo>
-                <a:lnTo>
-                  <a:pt x="3120" y="284"/>
-                </a:lnTo>
-                <a:lnTo>
-                  <a:pt x="3120" y="0"/>
-                </a:lnTo>
-                <a:close/>
-              </a:path>
-            </a:pathLst>
-          </a:custGeom>
-          <a:solidFill>
-            <a:schemeClr val="accent1"/>
-          </a:solidFill>
-          <a:ln>
-            <a:noFill/>
-          </a:ln>
-        </p:spPr>
-        <p:txBody>
-          <a:bodyPr vert="horz" wrap="square" lIns="91440" tIns="45720" rIns="91440" bIns="45720" numCol="1" anchor="ctr" anchorCtr="0" compatLnSpc="1">
-            <a:prstTxWarp prst="textNoShape">
-              <a:avLst/>
-            </a:prstTxWarp>
-            <a:noAutofit/>
-          </a:bodyPr>
-          <a:lstStyle/>
-          <a:p>
-            <a:pPr algn="ctr"/>
-            <a:endParaRPr lang="zh-CN" altLang="en-US" sz="3200" b="1"/>
-          </a:p>
-        </p:txBody>
-      </p:sp>
-      <p:sp>
-        <p:nvSpPr>
-          <p:cNvPr id="14" name="文本框 13"/>
-          <p:cNvSpPr txBox="1"/>
-          <p:nvPr userDrawn="1"/>
-        </p:nvSpPr>
-        <p:spPr>
-          <a:xfrm>
-            <a:off x="2071646" y="2223523"/>
-            <a:ext cx="383206" cy="443226"/>
-          </a:xfrm>
-          <a:prstGeom prst="rect">
-            <a:avLst/>
-          </a:prstGeom>
-          <a:noFill/>
-        </p:spPr>
-        <p:txBody>
-          <a:bodyPr wrap="none" rtlCol="0" anchor="ctr">
-            <a:noAutofit/>
-          </a:bodyPr>
-          <a:lstStyle/>
-          <a:p>
-            <a:pPr algn="ctr"/>
-            <a:r>
-              <a:rPr lang="en-US" altLang="zh-CN" b="1" dirty="0">
-                <a:solidFill>
-                  <a:schemeClr val="bg1"/>
-                </a:solidFill>
-                <a:latin typeface="微软雅黑" panose="020B0503020204020204" pitchFamily="34" charset="-122"/>
-                <a:ea typeface="微软雅黑" panose="020B0503020204020204" pitchFamily="34" charset="-122"/>
-              </a:rPr>
-              <a:t>2</a:t>
-            </a:r>
-            <a:endParaRPr lang="zh-CN" altLang="en-US" b="1" dirty="0">
-              <a:solidFill>
-                <a:schemeClr val="bg1"/>
-              </a:solidFill>
-              <a:latin typeface="微软雅黑" panose="020B0503020204020204" pitchFamily="34" charset="-122"/>
-              <a:ea typeface="微软雅黑" panose="020B0503020204020204" pitchFamily="34" charset="-122"/>
-            </a:endParaRPr>
-          </a:p>
-        </p:txBody>
-      </p:sp>
-      <p:cxnSp>
-        <p:nvCxnSpPr>
-          <p:cNvPr id="15" name="直接连接符 14"/>
-          <p:cNvCxnSpPr>
-            <a:stCxn id="13" idx="6"/>
-          </p:cNvCxnSpPr>
-          <p:nvPr/>
-        </p:nvCxnSpPr>
-        <p:spPr>
-          <a:xfrm>
-            <a:off x="2534033" y="2631188"/>
-            <a:ext cx="4500000" cy="0"/>
-          </a:xfrm>
-          <a:prstGeom prst="line">
-            <a:avLst/>
-          </a:prstGeom>
-          <a:ln>
-            <a:solidFill>
-              <a:schemeClr val="accent1"/>
-            </a:solidFill>
-          </a:ln>
-        </p:spPr>
-        <p:style>
-          <a:lnRef idx="1">
-            <a:schemeClr val="accent1"/>
-          </a:lnRef>
-          <a:fillRef idx="0">
-            <a:schemeClr val="accent1"/>
-          </a:fillRef>
-          <a:effectRef idx="0">
-            <a:schemeClr val="accent1"/>
-          </a:effectRef>
-          <a:fontRef idx="minor">
-            <a:schemeClr val="tx1"/>
-          </a:fontRef>
-        </p:style>
-      </p:cxnSp>
-      <p:sp>
-        <p:nvSpPr>
-          <p:cNvPr id="16" name="文本框 15"/>
-          <p:cNvSpPr txBox="1"/>
-          <p:nvPr/>
-        </p:nvSpPr>
-        <p:spPr>
-          <a:xfrm>
-            <a:off x="2915073" y="2194707"/>
-            <a:ext cx="4387392" cy="461665"/>
-          </a:xfrm>
-          <a:prstGeom prst="rect">
-            <a:avLst/>
-          </a:prstGeom>
-          <a:noFill/>
-        </p:spPr>
-        <p:txBody>
-          <a:bodyPr wrap="square" rtlCol="0">
-            <a:spAutoFit/>
-          </a:bodyPr>
-          <a:lstStyle/>
-          <a:p>
-            <a:r>
-              <a:rPr lang="zh-CN" altLang="en-US" sz="2400" dirty="0" smtClean="0">
-                <a:solidFill>
-                  <a:schemeClr val="tx1">
-                    <a:lumMod val="75000"/>
-                    <a:lumOff val="25000"/>
-                  </a:schemeClr>
-                </a:solidFill>
-              </a:rPr>
+              <a:rPr lang="zh-CN" altLang="en-US" dirty="0"/>
               <a:t>软件价值</a:t>
             </a:r>
-            <a:endParaRPr lang="zh-CN" altLang="en-US" sz="2400" dirty="0">
-              <a:solidFill>
-                <a:schemeClr val="tx1">
-                  <a:lumMod val="75000"/>
-                  <a:lumOff val="25000"/>
-                </a:schemeClr>
-              </a:solidFill>
-            </a:endParaRPr>
-          </a:p>
-        </p:txBody>
-      </p:sp>
-      <p:sp>
-        <p:nvSpPr>
-          <p:cNvPr id="18" name="Freeform 10"/>
-          <p:cNvSpPr>
-            <a:spLocks/>
-          </p:cNvSpPr>
-          <p:nvPr userDrawn="1"/>
-        </p:nvSpPr>
-        <p:spPr bwMode="auto">
-          <a:xfrm>
-            <a:off x="1841535" y="3207303"/>
-            <a:ext cx="843427" cy="343858"/>
-          </a:xfrm>
-          <a:custGeom>
-            <a:avLst/>
-            <a:gdLst>
-              <a:gd name="T0" fmla="*/ 3120 w 3800"/>
-              <a:gd name="T1" fmla="*/ 0 h 1532"/>
-              <a:gd name="T2" fmla="*/ 682 w 3800"/>
-              <a:gd name="T3" fmla="*/ 0 h 1532"/>
-              <a:gd name="T4" fmla="*/ 682 w 3800"/>
-              <a:gd name="T5" fmla="*/ 284 h 1532"/>
-              <a:gd name="T6" fmla="*/ 0 w 3800"/>
-              <a:gd name="T7" fmla="*/ 766 h 1532"/>
-              <a:gd name="T8" fmla="*/ 682 w 3800"/>
-              <a:gd name="T9" fmla="*/ 1248 h 1532"/>
-              <a:gd name="T10" fmla="*/ 682 w 3800"/>
-              <a:gd name="T11" fmla="*/ 1532 h 1532"/>
-              <a:gd name="T12" fmla="*/ 3120 w 3800"/>
-              <a:gd name="T13" fmla="*/ 1532 h 1532"/>
-              <a:gd name="T14" fmla="*/ 3120 w 3800"/>
-              <a:gd name="T15" fmla="*/ 1248 h 1532"/>
-              <a:gd name="T16" fmla="*/ 3800 w 3800"/>
-              <a:gd name="T17" fmla="*/ 766 h 1532"/>
-              <a:gd name="T18" fmla="*/ 3120 w 3800"/>
-              <a:gd name="T19" fmla="*/ 284 h 1532"/>
-              <a:gd name="T20" fmla="*/ 3120 w 3800"/>
-              <a:gd name="T21" fmla="*/ 0 h 1532"/>
-            </a:gdLst>
-            <a:ahLst/>
-            <a:cxnLst>
-              <a:cxn ang="0">
-                <a:pos x="T0" y="T1"/>
-              </a:cxn>
-              <a:cxn ang="0">
-                <a:pos x="T2" y="T3"/>
-              </a:cxn>
-              <a:cxn ang="0">
-                <a:pos x="T4" y="T5"/>
-              </a:cxn>
-              <a:cxn ang="0">
-                <a:pos x="T6" y="T7"/>
-              </a:cxn>
-              <a:cxn ang="0">
-                <a:pos x="T8" y="T9"/>
-              </a:cxn>
-              <a:cxn ang="0">
-                <a:pos x="T10" y="T11"/>
-              </a:cxn>
-              <a:cxn ang="0">
-                <a:pos x="T12" y="T13"/>
-              </a:cxn>
-              <a:cxn ang="0">
-                <a:pos x="T14" y="T15"/>
-              </a:cxn>
-              <a:cxn ang="0">
-                <a:pos x="T16" y="T17"/>
-              </a:cxn>
-              <a:cxn ang="0">
-                <a:pos x="T18" y="T19"/>
-              </a:cxn>
-              <a:cxn ang="0">
-                <a:pos x="T20" y="T21"/>
-              </a:cxn>
-            </a:cxnLst>
-            <a:rect l="0" t="0" r="r" b="b"/>
-            <a:pathLst>
-              <a:path w="3800" h="1532">
-                <a:moveTo>
-                  <a:pt x="3120" y="0"/>
-                </a:moveTo>
-                <a:lnTo>
-                  <a:pt x="682" y="0"/>
-                </a:lnTo>
-                <a:lnTo>
-                  <a:pt x="682" y="284"/>
-                </a:lnTo>
-                <a:lnTo>
-                  <a:pt x="0" y="766"/>
-                </a:lnTo>
-                <a:lnTo>
-                  <a:pt x="682" y="1248"/>
-                </a:lnTo>
-                <a:lnTo>
-                  <a:pt x="682" y="1532"/>
-                </a:lnTo>
-                <a:lnTo>
-                  <a:pt x="3120" y="1532"/>
-                </a:lnTo>
-                <a:lnTo>
-                  <a:pt x="3120" y="1248"/>
-                </a:lnTo>
-                <a:lnTo>
-                  <a:pt x="3800" y="766"/>
-                </a:lnTo>
-                <a:lnTo>
-                  <a:pt x="3120" y="284"/>
-                </a:lnTo>
-                <a:lnTo>
-                  <a:pt x="3120" y="0"/>
-                </a:lnTo>
-                <a:close/>
-              </a:path>
-            </a:pathLst>
-          </a:custGeom>
-          <a:solidFill>
-            <a:schemeClr val="bg2"/>
-          </a:solidFill>
-          <a:ln>
-            <a:noFill/>
-          </a:ln>
-        </p:spPr>
-        <p:txBody>
-          <a:bodyPr vert="horz" wrap="square" lIns="91440" tIns="45720" rIns="91440" bIns="45720" numCol="1" anchor="ctr" anchorCtr="0" compatLnSpc="1">
-            <a:prstTxWarp prst="textNoShape">
-              <a:avLst/>
-            </a:prstTxWarp>
-            <a:noAutofit/>
-          </a:bodyPr>
-          <a:lstStyle/>
-          <a:p>
-            <a:pPr algn="ctr"/>
-            <a:endParaRPr lang="zh-CN" altLang="en-US" sz="3200" b="1"/>
-          </a:p>
-        </p:txBody>
-      </p:sp>
-      <p:sp>
-        <p:nvSpPr>
-          <p:cNvPr id="19" name="文本框 18"/>
-          <p:cNvSpPr txBox="1"/>
-          <p:nvPr userDrawn="1"/>
-        </p:nvSpPr>
-        <p:spPr>
-          <a:xfrm>
-            <a:off x="2071646" y="3143496"/>
-            <a:ext cx="383206" cy="443226"/>
-          </a:xfrm>
-          <a:prstGeom prst="rect">
-            <a:avLst/>
-          </a:prstGeom>
-          <a:noFill/>
-        </p:spPr>
-        <p:txBody>
-          <a:bodyPr wrap="none" rtlCol="0" anchor="ctr">
-            <a:noAutofit/>
-          </a:bodyPr>
-          <a:lstStyle/>
-          <a:p>
-            <a:pPr algn="ctr"/>
-            <a:r>
-              <a:rPr lang="en-US" altLang="zh-CN" b="1" dirty="0">
-                <a:solidFill>
-                  <a:schemeClr val="bg1"/>
-                </a:solidFill>
-                <a:latin typeface="微软雅黑" panose="020B0503020204020204" pitchFamily="34" charset="-122"/>
-                <a:ea typeface="微软雅黑" panose="020B0503020204020204" pitchFamily="34" charset="-122"/>
-              </a:rPr>
-              <a:t>3</a:t>
-            </a:r>
-            <a:endParaRPr lang="zh-CN" altLang="en-US" b="1" dirty="0">
-              <a:solidFill>
-                <a:schemeClr val="bg1"/>
-              </a:solidFill>
-              <a:latin typeface="微软雅黑" panose="020B0503020204020204" pitchFamily="34" charset="-122"/>
-              <a:ea typeface="微软雅黑" panose="020B0503020204020204" pitchFamily="34" charset="-122"/>
-            </a:endParaRPr>
-          </a:p>
-        </p:txBody>
-      </p:sp>
-      <p:cxnSp>
-        <p:nvCxnSpPr>
-          <p:cNvPr id="20" name="直接连接符 19"/>
-          <p:cNvCxnSpPr>
-            <a:stCxn id="18" idx="6"/>
-          </p:cNvCxnSpPr>
-          <p:nvPr/>
-        </p:nvCxnSpPr>
-        <p:spPr>
-          <a:xfrm>
-            <a:off x="2534033" y="3551161"/>
-            <a:ext cx="4500000" cy="0"/>
-          </a:xfrm>
-          <a:prstGeom prst="line">
-            <a:avLst/>
-          </a:prstGeom>
-          <a:ln>
-            <a:solidFill>
-              <a:schemeClr val="bg2"/>
-            </a:solidFill>
-          </a:ln>
-        </p:spPr>
-        <p:style>
-          <a:lnRef idx="1">
-            <a:schemeClr val="accent1"/>
-          </a:lnRef>
-          <a:fillRef idx="0">
-            <a:schemeClr val="accent1"/>
-          </a:fillRef>
-          <a:effectRef idx="0">
-            <a:schemeClr val="accent1"/>
-          </a:effectRef>
-          <a:fontRef idx="minor">
-            <a:schemeClr val="tx1"/>
-          </a:fontRef>
-        </p:style>
-      </p:cxnSp>
-      <p:sp>
-        <p:nvSpPr>
-          <p:cNvPr id="21" name="文本框 20"/>
-          <p:cNvSpPr txBox="1"/>
-          <p:nvPr/>
-        </p:nvSpPr>
-        <p:spPr>
-          <a:xfrm>
-            <a:off x="2915073" y="3114680"/>
-            <a:ext cx="4387392" cy="461665"/>
-          </a:xfrm>
-          <a:prstGeom prst="rect">
-            <a:avLst/>
-          </a:prstGeom>
-          <a:noFill/>
-        </p:spPr>
-        <p:txBody>
-          <a:bodyPr wrap="square" rtlCol="0">
-            <a:spAutoFit/>
-          </a:bodyPr>
-          <a:lstStyle/>
-          <a:p>
-            <a:r>
-              <a:rPr lang="zh-CN" altLang="en-US" sz="2400" dirty="0" smtClean="0">
-                <a:solidFill>
-                  <a:schemeClr val="tx1">
-                    <a:lumMod val="75000"/>
-                    <a:lumOff val="25000"/>
-                  </a:schemeClr>
-                </a:solidFill>
-              </a:rPr>
-              <a:t>软件特性和优点</a:t>
-            </a:r>
-            <a:endParaRPr lang="zh-CN" altLang="en-US" sz="2400" dirty="0">
-              <a:solidFill>
-                <a:schemeClr val="tx1">
-                  <a:lumMod val="75000"/>
-                  <a:lumOff val="25000"/>
-                </a:schemeClr>
-              </a:solidFill>
-            </a:endParaRPr>
-          </a:p>
-        </p:txBody>
-      </p:sp>
-      <p:sp>
-        <p:nvSpPr>
-          <p:cNvPr id="23" name="Freeform 10"/>
-          <p:cNvSpPr>
-            <a:spLocks/>
-          </p:cNvSpPr>
-          <p:nvPr userDrawn="1"/>
-        </p:nvSpPr>
-        <p:spPr bwMode="auto">
-          <a:xfrm>
-            <a:off x="1841535" y="4127276"/>
-            <a:ext cx="843427" cy="343858"/>
-          </a:xfrm>
-          <a:custGeom>
-            <a:avLst/>
-            <a:gdLst>
-              <a:gd name="T0" fmla="*/ 3120 w 3800"/>
-              <a:gd name="T1" fmla="*/ 0 h 1532"/>
-              <a:gd name="T2" fmla="*/ 682 w 3800"/>
-              <a:gd name="T3" fmla="*/ 0 h 1532"/>
-              <a:gd name="T4" fmla="*/ 682 w 3800"/>
-              <a:gd name="T5" fmla="*/ 284 h 1532"/>
-              <a:gd name="T6" fmla="*/ 0 w 3800"/>
-              <a:gd name="T7" fmla="*/ 766 h 1532"/>
-              <a:gd name="T8" fmla="*/ 682 w 3800"/>
-              <a:gd name="T9" fmla="*/ 1248 h 1532"/>
-              <a:gd name="T10" fmla="*/ 682 w 3800"/>
-              <a:gd name="T11" fmla="*/ 1532 h 1532"/>
-              <a:gd name="T12" fmla="*/ 3120 w 3800"/>
-              <a:gd name="T13" fmla="*/ 1532 h 1532"/>
-              <a:gd name="T14" fmla="*/ 3120 w 3800"/>
-              <a:gd name="T15" fmla="*/ 1248 h 1532"/>
-              <a:gd name="T16" fmla="*/ 3800 w 3800"/>
-              <a:gd name="T17" fmla="*/ 766 h 1532"/>
-              <a:gd name="T18" fmla="*/ 3120 w 3800"/>
-              <a:gd name="T19" fmla="*/ 284 h 1532"/>
-              <a:gd name="T20" fmla="*/ 3120 w 3800"/>
-              <a:gd name="T21" fmla="*/ 0 h 1532"/>
-            </a:gdLst>
-            <a:ahLst/>
-            <a:cxnLst>
-              <a:cxn ang="0">
-                <a:pos x="T0" y="T1"/>
-              </a:cxn>
-              <a:cxn ang="0">
-                <a:pos x="T2" y="T3"/>
-              </a:cxn>
-              <a:cxn ang="0">
-                <a:pos x="T4" y="T5"/>
-              </a:cxn>
-              <a:cxn ang="0">
-                <a:pos x="T6" y="T7"/>
-              </a:cxn>
-              <a:cxn ang="0">
-                <a:pos x="T8" y="T9"/>
-              </a:cxn>
-              <a:cxn ang="0">
-                <a:pos x="T10" y="T11"/>
-              </a:cxn>
-              <a:cxn ang="0">
-                <a:pos x="T12" y="T13"/>
-              </a:cxn>
-              <a:cxn ang="0">
-                <a:pos x="T14" y="T15"/>
-              </a:cxn>
-              <a:cxn ang="0">
-                <a:pos x="T16" y="T17"/>
-              </a:cxn>
-              <a:cxn ang="0">
-                <a:pos x="T18" y="T19"/>
-              </a:cxn>
-              <a:cxn ang="0">
-                <a:pos x="T20" y="T21"/>
-              </a:cxn>
-            </a:cxnLst>
-            <a:rect l="0" t="0" r="r" b="b"/>
-            <a:pathLst>
-              <a:path w="3800" h="1532">
-                <a:moveTo>
-                  <a:pt x="3120" y="0"/>
-                </a:moveTo>
-                <a:lnTo>
-                  <a:pt x="682" y="0"/>
-                </a:lnTo>
-                <a:lnTo>
-                  <a:pt x="682" y="284"/>
-                </a:lnTo>
-                <a:lnTo>
-                  <a:pt x="0" y="766"/>
-                </a:lnTo>
-                <a:lnTo>
-                  <a:pt x="682" y="1248"/>
-                </a:lnTo>
-                <a:lnTo>
-                  <a:pt x="682" y="1532"/>
-                </a:lnTo>
-                <a:lnTo>
-                  <a:pt x="3120" y="1532"/>
-                </a:lnTo>
-                <a:lnTo>
-                  <a:pt x="3120" y="1248"/>
-                </a:lnTo>
-                <a:lnTo>
-                  <a:pt x="3800" y="766"/>
-                </a:lnTo>
-                <a:lnTo>
-                  <a:pt x="3120" y="284"/>
-                </a:lnTo>
-                <a:lnTo>
-                  <a:pt x="3120" y="0"/>
-                </a:lnTo>
-                <a:close/>
-              </a:path>
-            </a:pathLst>
-          </a:custGeom>
-          <a:solidFill>
-            <a:schemeClr val="bg2"/>
-          </a:solidFill>
-          <a:ln>
-            <a:noFill/>
-          </a:ln>
-        </p:spPr>
-        <p:txBody>
-          <a:bodyPr vert="horz" wrap="square" lIns="91440" tIns="45720" rIns="91440" bIns="45720" numCol="1" anchor="ctr" anchorCtr="0" compatLnSpc="1">
-            <a:prstTxWarp prst="textNoShape">
-              <a:avLst/>
-            </a:prstTxWarp>
-            <a:noAutofit/>
-          </a:bodyPr>
-          <a:lstStyle/>
-          <a:p>
-            <a:pPr algn="ctr"/>
-            <a:endParaRPr lang="zh-CN" altLang="en-US" sz="3200" b="1"/>
-          </a:p>
-        </p:txBody>
-      </p:sp>
-      <p:sp>
-        <p:nvSpPr>
-          <p:cNvPr id="24" name="文本框 23"/>
-          <p:cNvSpPr txBox="1"/>
-          <p:nvPr userDrawn="1"/>
-        </p:nvSpPr>
-        <p:spPr>
-          <a:xfrm>
-            <a:off x="2071646" y="4063469"/>
-            <a:ext cx="383206" cy="443226"/>
-          </a:xfrm>
-          <a:prstGeom prst="rect">
-            <a:avLst/>
-          </a:prstGeom>
-          <a:noFill/>
-        </p:spPr>
-        <p:txBody>
-          <a:bodyPr wrap="none" rtlCol="0" anchor="ctr">
-            <a:noAutofit/>
-          </a:bodyPr>
-          <a:lstStyle/>
-          <a:p>
-            <a:pPr algn="ctr"/>
-            <a:r>
-              <a:rPr lang="en-US" altLang="zh-CN" b="1" dirty="0">
-                <a:solidFill>
-                  <a:schemeClr val="bg1"/>
-                </a:solidFill>
-                <a:latin typeface="微软雅黑" panose="020B0503020204020204" pitchFamily="34" charset="-122"/>
-                <a:ea typeface="微软雅黑" panose="020B0503020204020204" pitchFamily="34" charset="-122"/>
-              </a:rPr>
-              <a:t>4</a:t>
-            </a:r>
-            <a:endParaRPr lang="zh-CN" altLang="en-US" b="1" dirty="0">
-              <a:solidFill>
-                <a:schemeClr val="bg1"/>
-              </a:solidFill>
-              <a:latin typeface="微软雅黑" panose="020B0503020204020204" pitchFamily="34" charset="-122"/>
-              <a:ea typeface="微软雅黑" panose="020B0503020204020204" pitchFamily="34" charset="-122"/>
-            </a:endParaRPr>
-          </a:p>
-        </p:txBody>
-      </p:sp>
-      <p:cxnSp>
-        <p:nvCxnSpPr>
-          <p:cNvPr id="25" name="直接连接符 24"/>
-          <p:cNvCxnSpPr>
-            <a:stCxn id="23" idx="6"/>
-          </p:cNvCxnSpPr>
-          <p:nvPr/>
-        </p:nvCxnSpPr>
-        <p:spPr>
-          <a:xfrm>
-            <a:off x="2534033" y="4471134"/>
-            <a:ext cx="4500000" cy="0"/>
-          </a:xfrm>
-          <a:prstGeom prst="line">
-            <a:avLst/>
-          </a:prstGeom>
-          <a:ln>
-            <a:solidFill>
-              <a:schemeClr val="bg2"/>
-            </a:solidFill>
-          </a:ln>
-        </p:spPr>
-        <p:style>
-          <a:lnRef idx="1">
-            <a:schemeClr val="accent1"/>
-          </a:lnRef>
-          <a:fillRef idx="0">
-            <a:schemeClr val="accent1"/>
-          </a:fillRef>
-          <a:effectRef idx="0">
-            <a:schemeClr val="accent1"/>
-          </a:effectRef>
-          <a:fontRef idx="minor">
-            <a:schemeClr val="tx1"/>
-          </a:fontRef>
-        </p:style>
-      </p:cxnSp>
-      <p:sp>
-        <p:nvSpPr>
-          <p:cNvPr id="26" name="文本框 25"/>
-          <p:cNvSpPr txBox="1"/>
-          <p:nvPr/>
-        </p:nvSpPr>
-        <p:spPr>
-          <a:xfrm>
-            <a:off x="2915073" y="4034653"/>
-            <a:ext cx="4387392" cy="461665"/>
-          </a:xfrm>
-          <a:prstGeom prst="rect">
-            <a:avLst/>
-          </a:prstGeom>
-          <a:noFill/>
-        </p:spPr>
-        <p:txBody>
-          <a:bodyPr wrap="square" rtlCol="0">
-            <a:spAutoFit/>
-          </a:bodyPr>
-          <a:lstStyle/>
-          <a:p>
-            <a:r>
-              <a:rPr lang="zh-CN" altLang="en-US" sz="2400" dirty="0" smtClean="0">
-                <a:solidFill>
-                  <a:schemeClr val="tx1">
-                    <a:lumMod val="75000"/>
-                    <a:lumOff val="25000"/>
-                  </a:schemeClr>
-                </a:solidFill>
-              </a:rPr>
-              <a:t>迭代评估</a:t>
-            </a:r>
-            <a:endParaRPr lang="zh-CN" altLang="en-US" sz="2400" dirty="0">
-              <a:solidFill>
-                <a:schemeClr val="tx1">
-                  <a:lumMod val="75000"/>
-                  <a:lumOff val="25000"/>
-                </a:schemeClr>
-              </a:solidFill>
-            </a:endParaRPr>
-          </a:p>
-        </p:txBody>
-      </p:sp>
-      <p:sp>
-        <p:nvSpPr>
-          <p:cNvPr id="34" name="文本框 33"/>
-          <p:cNvSpPr txBox="1"/>
-          <p:nvPr userDrawn="1"/>
-        </p:nvSpPr>
-        <p:spPr>
-          <a:xfrm>
-            <a:off x="2112319" y="4983442"/>
-            <a:ext cx="383206" cy="443226"/>
-          </a:xfrm>
-          <a:prstGeom prst="rect">
-            <a:avLst/>
-          </a:prstGeom>
-          <a:noFill/>
-        </p:spPr>
-        <p:txBody>
-          <a:bodyPr wrap="none" rtlCol="0" anchor="ctr">
-            <a:noAutofit/>
-          </a:bodyPr>
-          <a:lstStyle/>
-          <a:p>
-            <a:pPr algn="ctr"/>
-            <a:r>
-              <a:rPr lang="en-US" altLang="zh-CN" b="1" dirty="0">
-                <a:solidFill>
-                  <a:schemeClr val="bg1"/>
-                </a:solidFill>
-                <a:latin typeface="微软雅黑" panose="020B0503020204020204" pitchFamily="34" charset="-122"/>
-                <a:ea typeface="微软雅黑" panose="020B0503020204020204" pitchFamily="34" charset="-122"/>
-              </a:rPr>
-              <a:t>5</a:t>
-            </a:r>
-            <a:endParaRPr lang="zh-CN" altLang="en-US" b="1" dirty="0">
-              <a:solidFill>
-                <a:schemeClr val="bg1"/>
-              </a:solidFill>
-              <a:latin typeface="微软雅黑" panose="020B0503020204020204" pitchFamily="34" charset="-122"/>
-              <a:ea typeface="微软雅黑" panose="020B0503020204020204" pitchFamily="34" charset="-122"/>
-            </a:endParaRPr>
           </a:p>
         </p:txBody>
       </p:sp>
     </p:spTree>
     <p:extLst>
       <p:ext uri="{BB962C8B-B14F-4D97-AF65-F5344CB8AC3E}">
-        <p14:creationId xmlns:p14="http://schemas.microsoft.com/office/powerpoint/2010/main" val="3595279237"/>
+        <p14:creationId xmlns:p14="http://schemas.microsoft.com/office/powerpoint/2010/main" val="584560095"/>
       </p:ext>
     </p:extLst>
   </p:cSld>
   <p:clrMapOvr>
     <a:masterClrMapping/>
   </p:clrMapOvr>
-  <p:timing>
-    <p:tnLst>
-      <p:par>
-        <p:cTn id="1" dur="indefinite" restart="never" nodeType="tmRoot"/>
-      </p:par>
-    </p:tnLst>
-  </p:timing>
 </p:sld>
 </file>
 
@@ -37874,11 +36356,13 @@
         <p:spPr>
           <a:xfrm>
             <a:off x="494025" y="1685678"/>
-            <a:ext cx="8372162" cy="4921498"/>
-          </a:xfrm>
-        </p:spPr>
-        <p:txBody>
-          <a:bodyPr/>
+            <a:ext cx="8372162" cy="688812"/>
+          </a:xfrm>
+        </p:spPr>
+        <p:txBody>
+          <a:bodyPr>
+            <a:normAutofit/>
+          </a:bodyPr>
           <a:lstStyle/>
           <a:p>
             <a:pPr>
@@ -37887,78 +36371,17 @@
               </a:lnSpc>
             </a:pPr>
             <a:r>
-              <a:rPr lang="zh-CN" altLang="en-US" dirty="0">
-                <a:sym typeface="等线"/>
-              </a:rPr>
-              <a:t>随着计算机行业的迅速发展，青少年学生的编程教育也得到越来越多关注，出现了不少青少年编程教育的学习工具。这类面向青少年编程教育的学习工具，对他们编程兴趣的培养，编程思维的建立，会有事半功倍的效果。选取合适的方式向青少年教授编程知识非常</a:t>
-            </a:r>
-            <a:r>
-              <a:rPr lang="zh-CN" altLang="en-US" dirty="0" smtClean="0">
-                <a:sym typeface="等线"/>
-              </a:rPr>
-              <a:t>重要。</a:t>
-            </a:r>
-            <a:r>
-              <a:rPr lang="zh-CN" altLang="en-US" dirty="0" smtClean="0"/>
-              <a:t>我们</a:t>
-            </a:r>
-            <a:r>
-              <a:rPr lang="zh-CN" altLang="en-US" dirty="0" smtClean="0"/>
-              <a:t>所开发的软件兼具绘图功能和编程教育一体，配有编程绘图界面和编程教育</a:t>
-            </a:r>
-            <a:r>
-              <a:rPr lang="zh-CN" altLang="en-US" dirty="0" smtClean="0"/>
-              <a:t>关卡，旨在为少儿编程学习者提供良好的入门教学。</a:t>
-            </a:r>
-            <a:endParaRPr lang="en-US" altLang="zh-CN" dirty="0" smtClean="0"/>
-          </a:p>
-          <a:p>
-            <a:pPr>
-              <a:lnSpc>
-                <a:spcPct val="150000"/>
-              </a:lnSpc>
-            </a:pPr>
-            <a:r>
-              <a:rPr lang="zh-CN" altLang="en-US" dirty="0" smtClean="0"/>
-              <a:t>目前的一些编程教育软件都适合</a:t>
-            </a:r>
-            <a:r>
               <a:rPr lang="zh-CN" altLang="en-US" dirty="0"/>
-              <a:t>有一定基础的学习</a:t>
-            </a:r>
-            <a:r>
-              <a:rPr lang="zh-CN" altLang="en-US" dirty="0" smtClean="0"/>
-              <a:t>者，而我们项目的</a:t>
+              <a:t>界面枯燥死板，除了能解释</a:t>
+            </a:r>
+            <a:r>
+              <a:rPr lang="en-US" altLang="zh-CN" dirty="0"/>
+              <a:t>LOGO</a:t>
             </a:r>
             <a:r>
               <a:rPr lang="zh-CN" altLang="en-US" dirty="0"/>
-              <a:t>优势在于</a:t>
-            </a:r>
-            <a:r>
-              <a:rPr lang="zh-CN" altLang="en-US" dirty="0" smtClean="0"/>
-              <a:t>使用绘图游戏</a:t>
-            </a:r>
-            <a:r>
-              <a:rPr lang="zh-CN" altLang="en-US" dirty="0"/>
-              <a:t>的方式来进行学习</a:t>
-            </a:r>
-            <a:r>
-              <a:rPr lang="zh-CN" altLang="en-US" dirty="0" smtClean="0"/>
-              <a:t>，并且配有设计简单的关卡，</a:t>
-            </a:r>
-            <a:r>
-              <a:rPr lang="zh-CN" altLang="en-US" dirty="0"/>
-              <a:t>更适合零基础的初学者。</a:t>
-            </a:r>
-            <a:endParaRPr lang="en-US" altLang="zh-CN" dirty="0"/>
-          </a:p>
-          <a:p>
-            <a:pPr marL="0" indent="0">
-              <a:lnSpc>
-                <a:spcPct val="150000"/>
-              </a:lnSpc>
-              <a:buNone/>
-            </a:pPr>
+              <a:t>语言进行绘图动作外没有其他功能。</a:t>
+            </a:r>
             <a:endParaRPr lang="en-US" altLang="zh-CN" dirty="0"/>
           </a:p>
         </p:txBody>
@@ -37979,30 +36402,57 @@
           <a:lstStyle/>
           <a:p>
             <a:r>
-              <a:rPr lang="zh-CN" altLang="en-US" dirty="0" smtClean="0"/>
-              <a:t>软件价值</a:t>
+              <a:rPr lang="zh-CN" altLang="en-US" dirty="0"/>
+              <a:t>竞品分析：</a:t>
+            </a:r>
+            <a:r>
+              <a:rPr lang="en-US" altLang="zh-CN" dirty="0" err="1"/>
+              <a:t>MSWLogo</a:t>
             </a:r>
             <a:endParaRPr lang="zh-CN" altLang="en-US" dirty="0"/>
           </a:p>
         </p:txBody>
       </p:sp>
+      <p:pic>
+        <p:nvPicPr>
+          <p:cNvPr id="5" name="图片 4">
+            <a:extLst>
+              <a:ext uri="{FF2B5EF4-FFF2-40B4-BE49-F238E27FC236}">
+                <a16:creationId xmlns:a16="http://schemas.microsoft.com/office/drawing/2014/main" id="{4979AB16-5315-4476-BA37-2B7A7A8669C3}"/>
+              </a:ext>
+            </a:extLst>
+          </p:cNvPr>
+          <p:cNvPicPr>
+            <a:picLocks noChangeAspect="1"/>
+          </p:cNvPicPr>
+          <p:nvPr/>
+        </p:nvPicPr>
+        <p:blipFill>
+          <a:blip r:embed="rId2"/>
+          <a:stretch>
+            <a:fillRect/>
+          </a:stretch>
+        </p:blipFill>
+        <p:spPr>
+          <a:xfrm>
+            <a:off x="1579256" y="2239087"/>
+            <a:ext cx="6201697" cy="4488847"/>
+          </a:xfrm>
+          <a:prstGeom prst="rect">
+            <a:avLst/>
+          </a:prstGeom>
+        </p:spPr>
+      </p:pic>
     </p:spTree>
     <p:extLst>
       <p:ext uri="{BB962C8B-B14F-4D97-AF65-F5344CB8AC3E}">
-        <p14:creationId xmlns:p14="http://schemas.microsoft.com/office/powerpoint/2010/main" val="584560095"/>
+        <p14:creationId xmlns:p14="http://schemas.microsoft.com/office/powerpoint/2010/main" val="2600671193"/>
       </p:ext>
     </p:extLst>
   </p:cSld>
   <p:clrMapOvr>
     <a:masterClrMapping/>
   </p:clrMapOvr>
-  <p:timing>
-    <p:tnLst>
-      <p:par>
-        <p:cTn id="1" dur="indefinite" restart="never" nodeType="tmRoot"/>
-      </p:par>
-    </p:tnLst>
-  </p:timing>
 </p:sld>
 </file>
 
